--- a/evolotionaereAlgorithmen/trunk/SystemOfEquations/Ergebnisse/Präsi/Einführung.pptx
+++ b/evolotionaereAlgorithmen/trunk/SystemOfEquations/Ergebnisse/Präsi/Einführung.pptx
@@ -6,7 +6,7 @@
     <p:sldMasterId id="2147483661" r:id="rId2"/>
   </p:sldMasterIdLst>
   <p:notesMasterIdLst>
-    <p:notesMasterId r:id="rId12"/>
+    <p:notesMasterId r:id="rId15"/>
   </p:notesMasterIdLst>
   <p:sldIdLst>
     <p:sldId id="256" r:id="rId3"/>
@@ -14,10 +14,13 @@
     <p:sldId id="258" r:id="rId5"/>
     <p:sldId id="259" r:id="rId6"/>
     <p:sldId id="260" r:id="rId7"/>
-    <p:sldId id="261" r:id="rId8"/>
-    <p:sldId id="262" r:id="rId9"/>
-    <p:sldId id="263" r:id="rId10"/>
-    <p:sldId id="264" r:id="rId11"/>
+    <p:sldId id="267" r:id="rId8"/>
+    <p:sldId id="261" r:id="rId9"/>
+    <p:sldId id="266" r:id="rId10"/>
+    <p:sldId id="262" r:id="rId11"/>
+    <p:sldId id="265" r:id="rId12"/>
+    <p:sldId id="263" r:id="rId13"/>
+    <p:sldId id="264" r:id="rId14"/>
   </p:sldIdLst>
   <p:sldSz cx="9144000" cy="6858000" type="screen4x3"/>
   <p:notesSz cx="6858000" cy="9144000"/>
@@ -551,6 +554,101 @@
 </p:notes>
 </file>
 
+<file path=ppt/notesSlides/notesSlide10.xml><?xml version="1.0" encoding="utf-8"?>
+<p:notes xmlns:a="http://schemas.openxmlformats.org/drawingml/2006/main" xmlns:r="http://schemas.openxmlformats.org/officeDocument/2006/relationships" xmlns:p="http://schemas.openxmlformats.org/presentationml/2006/main" showMasterSp="0" showMasterPhAnim="0">
+  <p:cSld>
+    <p:spTree>
+      <p:nvGrpSpPr>
+        <p:cNvPr id="1" name="Shape 112"/>
+        <p:cNvGrpSpPr/>
+        <p:nvPr/>
+      </p:nvGrpSpPr>
+      <p:grpSpPr>
+        <a:xfrm>
+          <a:off x="0" y="0"/>
+          <a:ext cx="0" cy="0"/>
+          <a:chOff x="0" y="0"/>
+          <a:chExt cx="0" cy="0"/>
+        </a:xfrm>
+      </p:grpSpPr>
+      <p:sp>
+        <p:nvSpPr>
+          <p:cNvPr id="113" name="Shape 113"/>
+          <p:cNvSpPr>
+            <a:spLocks noGrp="1" noRot="1" noChangeAspect="1"/>
+          </p:cNvSpPr>
+          <p:nvPr>
+            <p:ph type="sldImg" idx="2"/>
+          </p:nvPr>
+        </p:nvSpPr>
+        <p:spPr>
+          <a:xfrm>
+            <a:off x="1143000" y="685800"/>
+            <a:ext cx="4572000" cy="3429000"/>
+          </a:xfrm>
+          <a:custGeom>
+            <a:avLst/>
+            <a:gdLst/>
+            <a:ahLst/>
+            <a:cxnLst/>
+            <a:rect l="0" t="0" r="0" b="0"/>
+            <a:pathLst>
+              <a:path w="120000" h="120000" extrusionOk="0">
+                <a:moveTo>
+                  <a:pt x="0" y="0"/>
+                </a:moveTo>
+                <a:lnTo>
+                  <a:pt x="120000" y="0"/>
+                </a:lnTo>
+                <a:lnTo>
+                  <a:pt x="120000" y="120000"/>
+                </a:lnTo>
+                <a:lnTo>
+                  <a:pt x="0" y="120000"/>
+                </a:lnTo>
+                <a:close/>
+              </a:path>
+            </a:pathLst>
+          </a:custGeom>
+        </p:spPr>
+      </p:sp>
+      <p:sp>
+        <p:nvSpPr>
+          <p:cNvPr id="114" name="Shape 114"/>
+          <p:cNvSpPr txBox="1">
+            <a:spLocks noGrp="1"/>
+          </p:cNvSpPr>
+          <p:nvPr>
+            <p:ph type="body" idx="1"/>
+          </p:nvPr>
+        </p:nvSpPr>
+        <p:spPr>
+          <a:xfrm>
+            <a:off x="685800" y="4343400"/>
+            <a:ext cx="5486399" cy="4114800"/>
+          </a:xfrm>
+          <a:prstGeom prst="rect">
+            <a:avLst/>
+          </a:prstGeom>
+        </p:spPr>
+        <p:txBody>
+          <a:bodyPr lIns="91425" tIns="91425" rIns="91425" bIns="91425" anchor="t" anchorCtr="0">
+            <a:spAutoFit/>
+          </a:bodyPr>
+          <a:lstStyle/>
+          <a:p>
+            <a:endParaRPr/>
+          </a:p>
+        </p:txBody>
+      </p:sp>
+    </p:spTree>
+  </p:cSld>
+  <p:clrMapOvr>
+    <a:masterClrMapping/>
+  </p:clrMapOvr>
+</p:notes>
+</file>
+
 <file path=ppt/notesSlides/notesSlide2.xml><?xml version="1.0" encoding="utf-8"?>
 <p:notes xmlns:a="http://schemas.openxmlformats.org/drawingml/2006/main" xmlns:r="http://schemas.openxmlformats.org/officeDocument/2006/relationships" xmlns:p="http://schemas.openxmlformats.org/presentationml/2006/main" showMasterSp="0" showMasterPhAnim="0">
   <p:cSld>
@@ -1140,6 +1238,72 @@
 </file>
 
 <file path=ppt/notesSlides/notesSlide8.xml><?xml version="1.0" encoding="utf-8"?>
+<p:notes xmlns:a="http://schemas.openxmlformats.org/drawingml/2006/main" xmlns:r="http://schemas.openxmlformats.org/officeDocument/2006/relationships" xmlns:p="http://schemas.openxmlformats.org/presentationml/2006/main">
+  <p:cSld>
+    <p:spTree>
+      <p:nvGrpSpPr>
+        <p:cNvPr id="1" name=""/>
+        <p:cNvGrpSpPr/>
+        <p:nvPr/>
+      </p:nvGrpSpPr>
+      <p:grpSpPr>
+        <a:xfrm>
+          <a:off x="0" y="0"/>
+          <a:ext cx="0" cy="0"/>
+          <a:chOff x="0" y="0"/>
+          <a:chExt cx="0" cy="0"/>
+        </a:xfrm>
+      </p:grpSpPr>
+      <p:sp>
+        <p:nvSpPr>
+          <p:cNvPr id="2" name="Folienbildplatzhalter 1"/>
+          <p:cNvSpPr>
+            <a:spLocks noGrp="1" noRot="1" noChangeAspect="1"/>
+          </p:cNvSpPr>
+          <p:nvPr>
+            <p:ph type="sldImg"/>
+          </p:nvPr>
+        </p:nvSpPr>
+        <p:spPr>
+          <a:xfrm>
+            <a:off x="1143000" y="685800"/>
+            <a:ext cx="4572000" cy="3429000"/>
+          </a:xfrm>
+        </p:spPr>
+      </p:sp>
+      <p:sp>
+        <p:nvSpPr>
+          <p:cNvPr id="3" name="Notizenplatzhalter 2"/>
+          <p:cNvSpPr>
+            <a:spLocks noGrp="1"/>
+          </p:cNvSpPr>
+          <p:nvPr>
+            <p:ph type="body" idx="1"/>
+          </p:nvPr>
+        </p:nvSpPr>
+        <p:spPr/>
+        <p:txBody>
+          <a:bodyPr/>
+          <a:lstStyle/>
+          <a:p>
+            <a:endParaRPr lang="de-DE" dirty="0"/>
+          </a:p>
+        </p:txBody>
+      </p:sp>
+    </p:spTree>
+    <p:extLst>
+      <p:ext uri="{BB962C8B-B14F-4D97-AF65-F5344CB8AC3E}">
+        <p14:creationId xmlns:p14="http://schemas.microsoft.com/office/powerpoint/2010/main" val="671046573"/>
+      </p:ext>
+    </p:extLst>
+  </p:cSld>
+  <p:clrMapOvr>
+    <a:masterClrMapping/>
+  </p:clrMapOvr>
+</p:notes>
+</file>
+
+<file path=ppt/notesSlides/notesSlide9.xml><?xml version="1.0" encoding="utf-8"?>
 <p:notes xmlns:a="http://schemas.openxmlformats.org/drawingml/2006/main" xmlns:r="http://schemas.openxmlformats.org/officeDocument/2006/relationships" xmlns:p="http://schemas.openxmlformats.org/presentationml/2006/main" showMasterSp="0" showMasterPhAnim="0">
   <p:cSld>
     <p:spTree>
@@ -1238,101 +1402,6 @@
               <a:rPr lang="de"/>
               <a:t>Es wurden über 100 Testergebnisse in über 450 Dateien erzeugt</a:t>
             </a:r>
-          </a:p>
-        </p:txBody>
-      </p:sp>
-    </p:spTree>
-  </p:cSld>
-  <p:clrMapOvr>
-    <a:masterClrMapping/>
-  </p:clrMapOvr>
-</p:notes>
-</file>
-
-<file path=ppt/notesSlides/notesSlide9.xml><?xml version="1.0" encoding="utf-8"?>
-<p:notes xmlns:a="http://schemas.openxmlformats.org/drawingml/2006/main" xmlns:r="http://schemas.openxmlformats.org/officeDocument/2006/relationships" xmlns:p="http://schemas.openxmlformats.org/presentationml/2006/main" showMasterSp="0" showMasterPhAnim="0">
-  <p:cSld>
-    <p:spTree>
-      <p:nvGrpSpPr>
-        <p:cNvPr id="1" name="Shape 112"/>
-        <p:cNvGrpSpPr/>
-        <p:nvPr/>
-      </p:nvGrpSpPr>
-      <p:grpSpPr>
-        <a:xfrm>
-          <a:off x="0" y="0"/>
-          <a:ext cx="0" cy="0"/>
-          <a:chOff x="0" y="0"/>
-          <a:chExt cx="0" cy="0"/>
-        </a:xfrm>
-      </p:grpSpPr>
-      <p:sp>
-        <p:nvSpPr>
-          <p:cNvPr id="113" name="Shape 113"/>
-          <p:cNvSpPr>
-            <a:spLocks noGrp="1" noRot="1" noChangeAspect="1"/>
-          </p:cNvSpPr>
-          <p:nvPr>
-            <p:ph type="sldImg" idx="2"/>
-          </p:nvPr>
-        </p:nvSpPr>
-        <p:spPr>
-          <a:xfrm>
-            <a:off x="1143000" y="685800"/>
-            <a:ext cx="4572000" cy="3429000"/>
-          </a:xfrm>
-          <a:custGeom>
-            <a:avLst/>
-            <a:gdLst/>
-            <a:ahLst/>
-            <a:cxnLst/>
-            <a:rect l="0" t="0" r="0" b="0"/>
-            <a:pathLst>
-              <a:path w="120000" h="120000" extrusionOk="0">
-                <a:moveTo>
-                  <a:pt x="0" y="0"/>
-                </a:moveTo>
-                <a:lnTo>
-                  <a:pt x="120000" y="0"/>
-                </a:lnTo>
-                <a:lnTo>
-                  <a:pt x="120000" y="120000"/>
-                </a:lnTo>
-                <a:lnTo>
-                  <a:pt x="0" y="120000"/>
-                </a:lnTo>
-                <a:close/>
-              </a:path>
-            </a:pathLst>
-          </a:custGeom>
-        </p:spPr>
-      </p:sp>
-      <p:sp>
-        <p:nvSpPr>
-          <p:cNvPr id="114" name="Shape 114"/>
-          <p:cNvSpPr txBox="1">
-            <a:spLocks noGrp="1"/>
-          </p:cNvSpPr>
-          <p:nvPr>
-            <p:ph type="body" idx="1"/>
-          </p:nvPr>
-        </p:nvSpPr>
-        <p:spPr>
-          <a:xfrm>
-            <a:off x="685800" y="4343400"/>
-            <a:ext cx="5486399" cy="4114800"/>
-          </a:xfrm>
-          <a:prstGeom prst="rect">
-            <a:avLst/>
-          </a:prstGeom>
-        </p:spPr>
-        <p:txBody>
-          <a:bodyPr lIns="91425" tIns="91425" rIns="91425" bIns="91425" anchor="t" anchorCtr="0">
-            <a:spAutoFit/>
-          </a:bodyPr>
-          <a:lstStyle/>
-          <a:p>
-            <a:endParaRPr/>
           </a:p>
         </p:txBody>
       </p:sp>
@@ -7556,13 +7625,13 @@
   <p:clrMapOvr>
     <a:masterClrMapping/>
   </p:clrMapOvr>
-  <mc:AlternateContent xmlns:mc="http://schemas.openxmlformats.org/markup-compatibility/2006">
-    <mc:Choice xmlns:p14="http://schemas.microsoft.com/office/powerpoint/2010/main" Requires="p14">
+  <mc:AlternateContent xmlns:mc="http://schemas.openxmlformats.org/markup-compatibility/2006" xmlns:p14="http://schemas.microsoft.com/office/powerpoint/2010/main">
+    <mc:Choice Requires="p14">
       <p:transition spd="med" p14:dur="700">
         <p:fade/>
       </p:transition>
     </mc:Choice>
-    <mc:Fallback>
+    <mc:Fallback xmlns="">
       <p:transition spd="med">
         <p:fade/>
       </p:transition>
@@ -7578,12 +7647,12 @@
 </p:sld>
 </file>
 
-<file path=ppt/slides/slide2.xml><?xml version="1.0" encoding="utf-8"?>
+<file path=ppt/slides/slide10.xml><?xml version="1.0" encoding="utf-8"?>
 <p:sld xmlns:a="http://schemas.openxmlformats.org/drawingml/2006/main" xmlns:r="http://schemas.openxmlformats.org/officeDocument/2006/relationships" xmlns:p="http://schemas.openxmlformats.org/presentationml/2006/main">
   <p:cSld>
     <p:spTree>
       <p:nvGrpSpPr>
-        <p:cNvPr id="1" name="Shape 62"/>
+        <p:cNvPr id="1" name=""/>
         <p:cNvGrpSpPr/>
         <p:nvPr/>
       </p:nvGrpSpPr>
@@ -7595,45 +7664,74 @@
           <a:chExt cx="0" cy="0"/>
         </a:xfrm>
       </p:grpSpPr>
+      <p:pic>
+        <p:nvPicPr>
+          <p:cNvPr id="1028" name="Picture 4" descr="../_images/bohachevsky.png"/>
+          <p:cNvPicPr>
+            <a:picLocks noChangeAspect="1" noChangeArrowheads="1"/>
+          </p:cNvPicPr>
+          <p:nvPr/>
+        </p:nvPicPr>
+        <p:blipFill>
+          <a:blip r:embed="rId3">
+            <a:extLst>
+              <a:ext uri="{28A0092B-C50C-407E-A947-70E740481C1C}">
+                <a14:useLocalDpi xmlns:a14="http://schemas.microsoft.com/office/drawing/2010/main" val="0"/>
+              </a:ext>
+            </a:extLst>
+          </a:blip>
+          <a:srcRect/>
+          <a:stretch>
+            <a:fillRect/>
+          </a:stretch>
+        </p:blipFill>
+        <p:spPr bwMode="auto">
+          <a:xfrm>
+            <a:off x="1547664" y="1530465"/>
+            <a:ext cx="7020565" cy="5265424"/>
+          </a:xfrm>
+          <a:prstGeom prst="rect">
+            <a:avLst/>
+          </a:prstGeom>
+          <a:noFill/>
+          <a:extLst>
+            <a:ext uri="{909E8E84-426E-40DD-AFC4-6F175D3DCCD1}">
+              <a14:hiddenFill xmlns:a14="http://schemas.microsoft.com/office/drawing/2010/main">
+                <a:solidFill>
+                  <a:srgbClr val="FFFFFF"/>
+                </a:solidFill>
+              </a14:hiddenFill>
+            </a:ext>
+          </a:extLst>
+        </p:spPr>
+      </p:pic>
       <p:sp>
         <p:nvSpPr>
-          <p:cNvPr id="63" name="Shape 63"/>
-          <p:cNvSpPr txBox="1">
+          <p:cNvPr id="2" name="Titel 1"/>
+          <p:cNvSpPr>
             <a:spLocks noGrp="1"/>
           </p:cNvSpPr>
           <p:nvPr>
             <p:ph type="title"/>
           </p:nvPr>
         </p:nvSpPr>
-        <p:spPr>
-          <a:xfrm>
-            <a:off x="457200" y="274637"/>
-            <a:ext cx="8229600" cy="1143000"/>
-          </a:xfrm>
-          <a:prstGeom prst="rect">
-            <a:avLst/>
-          </a:prstGeom>
-        </p:spPr>
+        <p:spPr/>
         <p:txBody>
-          <a:bodyPr lIns="91425" tIns="91425" rIns="91425" bIns="91425" anchor="ctr" anchorCtr="0">
-            <a:spAutoFit/>
-          </a:bodyPr>
+          <a:bodyPr/>
           <a:lstStyle/>
           <a:p>
-            <a:pPr>
-              <a:buNone/>
-            </a:pPr>
             <a:r>
-              <a:rPr lang="de"/>
-              <a:t>Überblick</a:t>
+              <a:rPr lang="de-DE" dirty="0" smtClean="0"/>
+              <a:t>Verhalten C-Funktion</a:t>
             </a:r>
+            <a:endParaRPr lang="de-DE" dirty="0"/>
           </a:p>
         </p:txBody>
       </p:sp>
       <p:sp>
         <p:nvSpPr>
-          <p:cNvPr id="64" name="Shape 64"/>
-          <p:cNvSpPr txBox="1">
+          <p:cNvPr id="3" name="Textplatzhalter 2"/>
+          <p:cNvSpPr>
             <a:spLocks noGrp="1"/>
           </p:cNvSpPr>
           <p:nvPr>
@@ -7643,137 +7741,93 @@
         <p:spPr>
           <a:xfrm>
             <a:off x="457200" y="1600200"/>
-            <a:ext cx="8229600" cy="4967700"/>
+            <a:ext cx="7931224" cy="604664"/>
+          </a:xfrm>
+        </p:spPr>
+        <p:txBody>
+          <a:bodyPr/>
+          <a:lstStyle/>
+          <a:p>
+            <a:r>
+              <a:rPr lang="de-DE" dirty="0"/>
+              <a:t>Vergleich zu </a:t>
+            </a:r>
+            <a:r>
+              <a:rPr lang="de-DE" dirty="0" err="1"/>
+              <a:t>Bohachevsky</a:t>
+            </a:r>
+            <a:r>
+              <a:rPr lang="de-DE" dirty="0"/>
+              <a:t> </a:t>
+            </a:r>
+            <a:endParaRPr lang="de-DE" dirty="0" smtClean="0"/>
+          </a:p>
+          <a:p>
+            <a:r>
+              <a:rPr lang="de-DE" dirty="0" smtClean="0"/>
+              <a:t>Funktion</a:t>
+            </a:r>
+            <a:endParaRPr lang="de-DE" dirty="0"/>
+          </a:p>
+          <a:p>
+            <a:pPr marL="0" indent="0">
+              <a:buNone/>
+            </a:pPr>
+            <a:endParaRPr lang="de-DE" dirty="0"/>
+          </a:p>
+        </p:txBody>
+      </p:sp>
+      <p:pic>
+        <p:nvPicPr>
+          <p:cNvPr id="1030" name="Picture 6" descr="f_{\text{Bohachevsky}}(\mathbf{x}) = \sum_{i=1}^{N-1}(x_i^2 + 2x_{i+1}^2 -                         0.3\cos(3\pi x_i) - 0.4\cos(4\pi x_{i+1}) + 0.7)"/>
+          <p:cNvPicPr>
+            <a:picLocks noChangeAspect="1" noChangeArrowheads="1"/>
+          </p:cNvPicPr>
+          <p:nvPr/>
+        </p:nvPicPr>
+        <p:blipFill>
+          <a:blip r:embed="rId4">
+            <a:extLst>
+              <a:ext uri="{28A0092B-C50C-407E-A947-70E740481C1C}">
+                <a14:useLocalDpi xmlns:a14="http://schemas.microsoft.com/office/drawing/2010/main" val="0"/>
+              </a:ext>
+            </a:extLst>
+          </a:blip>
+          <a:srcRect/>
+          <a:stretch>
+            <a:fillRect/>
+          </a:stretch>
+        </p:blipFill>
+        <p:spPr bwMode="auto">
+          <a:xfrm>
+            <a:off x="179512" y="6508400"/>
+            <a:ext cx="7128793" cy="302281"/>
           </a:xfrm>
           <a:prstGeom prst="rect">
             <a:avLst/>
           </a:prstGeom>
+          <a:noFill/>
+          <a:extLst>
+            <a:ext uri="{909E8E84-426E-40DD-AFC4-6F175D3DCCD1}">
+              <a14:hiddenFill xmlns:a14="http://schemas.microsoft.com/office/drawing/2010/main">
+                <a:solidFill>
+                  <a:srgbClr val="FFFFFF"/>
+                </a:solidFill>
+              </a14:hiddenFill>
+            </a:ext>
+          </a:extLst>
         </p:spPr>
-        <p:txBody>
-          <a:bodyPr lIns="91425" tIns="91425" rIns="91425" bIns="91425" anchor="t" anchorCtr="0">
-            <a:spAutoFit/>
-          </a:bodyPr>
-          <a:lstStyle/>
-          <a:p>
-            <a:pPr marL="457200" lvl="0" indent="-419100" rtl="0">
-              <a:buClr>
-                <a:schemeClr val="dk1"/>
-              </a:buClr>
-              <a:buSzPct val="100000"/>
-              <a:buFont typeface="Georgia"/>
-              <a:buAutoNum type="arabicPeriod"/>
-            </a:pPr>
-            <a:r>
-              <a:rPr lang="de"/>
-              <a:t>Einführung</a:t>
-            </a:r>
-          </a:p>
-          <a:p>
-            <a:pPr marL="914400" lvl="1" indent="-381000" rtl="0">
-              <a:buClr>
-                <a:schemeClr val="dk1"/>
-              </a:buClr>
-              <a:buSzPct val="80000"/>
-              <a:buFont typeface="Georgia"/>
-              <a:buAutoNum type="alphaLcPeriod"/>
-            </a:pPr>
-            <a:r>
-              <a:rPr lang="de"/>
-              <a:t>Programmiersprache und Oberfläche</a:t>
-            </a:r>
-          </a:p>
-          <a:p>
-            <a:pPr marL="914400" lvl="1" indent="-381000" rtl="0">
-              <a:buClr>
-                <a:schemeClr val="dk1"/>
-              </a:buClr>
-              <a:buSzPct val="80000"/>
-              <a:buFont typeface="Georgia"/>
-              <a:buAutoNum type="alphaLcPeriod"/>
-            </a:pPr>
-            <a:r>
-              <a:rPr lang="de"/>
-              <a:t>Bedienung</a:t>
-            </a:r>
-          </a:p>
-          <a:p>
-            <a:pPr marL="914400" lvl="1" indent="-381000" rtl="0">
-              <a:buClr>
-                <a:schemeClr val="dk1"/>
-              </a:buClr>
-              <a:buSzPct val="80000"/>
-              <a:buFont typeface="Georgia"/>
-              <a:buAutoNum type="alphaLcPeriod"/>
-            </a:pPr>
-            <a:r>
-              <a:rPr lang="de"/>
-              <a:t>Benchmarkschema (Standardwerte)</a:t>
-            </a:r>
-          </a:p>
-          <a:p>
-            <a:endParaRPr lang="de"/>
-          </a:p>
-          <a:p>
-            <a:pPr marL="457200" lvl="0" indent="-419100" rtl="0">
-              <a:buClr>
-                <a:schemeClr val="dk1"/>
-              </a:buClr>
-              <a:buSzPct val="100000"/>
-              <a:buFont typeface="Georgia"/>
-              <a:buAutoNum type="arabicPeriod"/>
-            </a:pPr>
-            <a:r>
-              <a:rPr lang="de"/>
-              <a:t>Verfahren und Ergebnisse</a:t>
-            </a:r>
-          </a:p>
-          <a:p>
-            <a:pPr marL="914400" lvl="1" indent="-381000" rtl="0">
-              <a:buClr>
-                <a:schemeClr val="dk1"/>
-              </a:buClr>
-              <a:buSzPct val="80000"/>
-              <a:buFont typeface="Georgia"/>
-              <a:buAutoNum type="alphaLcPeriod"/>
-            </a:pPr>
-            <a:r>
-              <a:rPr lang="de"/>
-              <a:t>Binärdarstellung / Relle Darstellung</a:t>
-            </a:r>
-          </a:p>
-          <a:p>
-            <a:pPr marL="914400" lvl="1" indent="-381000">
-              <a:buClr>
-                <a:schemeClr val="dk1"/>
-              </a:buClr>
-              <a:buSzPct val="80000"/>
-              <a:buFont typeface="Georgia"/>
-              <a:buAutoNum type="alphaLcPeriod"/>
-            </a:pPr>
-            <a:r>
-              <a:rPr lang="de"/>
-              <a:t>Mutationsverfahren</a:t>
-            </a:r>
-          </a:p>
-        </p:txBody>
-      </p:sp>
+      </p:pic>
     </p:spTree>
+    <p:extLst>
+      <p:ext uri="{BB962C8B-B14F-4D97-AF65-F5344CB8AC3E}">
+        <p14:creationId xmlns:p14="http://schemas.microsoft.com/office/powerpoint/2010/main" val="533751610"/>
+      </p:ext>
+    </p:extLst>
   </p:cSld>
   <p:clrMapOvr>
     <a:masterClrMapping/>
   </p:clrMapOvr>
-  <mc:AlternateContent xmlns:mc="http://schemas.openxmlformats.org/markup-compatibility/2006">
-    <mc:Choice xmlns:p14="http://schemas.microsoft.com/office/powerpoint/2010/main" Requires="p14">
-      <p:transition spd="med" p14:dur="700">
-        <p:fade/>
-      </p:transition>
-    </mc:Choice>
-    <mc:Fallback>
-      <p:transition spd="med">
-        <p:fade/>
-      </p:transition>
-    </mc:Fallback>
-  </mc:AlternateContent>
   <p:timing>
     <p:tnLst>
       <p:par>
@@ -7784,874 +7838,7 @@
 </p:sld>
 </file>
 
-<file path=ppt/slides/slide3.xml><?xml version="1.0" encoding="utf-8"?>
-<p:sld xmlns:a="http://schemas.openxmlformats.org/drawingml/2006/main" xmlns:r="http://schemas.openxmlformats.org/officeDocument/2006/relationships" xmlns:p="http://schemas.openxmlformats.org/presentationml/2006/main">
-  <p:cSld>
-    <p:spTree>
-      <p:nvGrpSpPr>
-        <p:cNvPr id="1" name="Shape 68"/>
-        <p:cNvGrpSpPr/>
-        <p:nvPr/>
-      </p:nvGrpSpPr>
-      <p:grpSpPr>
-        <a:xfrm>
-          <a:off x="0" y="0"/>
-          <a:ext cx="0" cy="0"/>
-          <a:chOff x="0" y="0"/>
-          <a:chExt cx="0" cy="0"/>
-        </a:xfrm>
-      </p:grpSpPr>
-      <p:sp>
-        <p:nvSpPr>
-          <p:cNvPr id="69" name="Shape 69"/>
-          <p:cNvSpPr txBox="1">
-            <a:spLocks noGrp="1"/>
-          </p:cNvSpPr>
-          <p:nvPr>
-            <p:ph type="title"/>
-          </p:nvPr>
-        </p:nvSpPr>
-        <p:spPr>
-          <a:xfrm>
-            <a:off x="457200" y="274637"/>
-            <a:ext cx="8229600" cy="1143000"/>
-          </a:xfrm>
-          <a:prstGeom prst="rect">
-            <a:avLst/>
-          </a:prstGeom>
-        </p:spPr>
-        <p:txBody>
-          <a:bodyPr lIns="91425" tIns="91425" rIns="91425" bIns="91425" anchor="ctr" anchorCtr="0">
-            <a:spAutoFit/>
-          </a:bodyPr>
-          <a:lstStyle/>
-          <a:p>
-            <a:pPr lvl="0" rtl="0">
-              <a:buNone/>
-            </a:pPr>
-            <a:r>
-              <a:rPr lang="de"/>
-              <a:t>1. Einführung</a:t>
-            </a:r>
-          </a:p>
-        </p:txBody>
-      </p:sp>
-      <p:sp>
-        <p:nvSpPr>
-          <p:cNvPr id="70" name="Shape 70"/>
-          <p:cNvSpPr txBox="1">
-            <a:spLocks noGrp="1"/>
-          </p:cNvSpPr>
-          <p:nvPr>
-            <p:ph type="body" idx="1"/>
-          </p:nvPr>
-        </p:nvSpPr>
-        <p:spPr>
-          <a:xfrm>
-            <a:off x="457200" y="1600200"/>
-            <a:ext cx="8229600" cy="4967700"/>
-          </a:xfrm>
-          <a:prstGeom prst="rect">
-            <a:avLst/>
-          </a:prstGeom>
-        </p:spPr>
-        <p:txBody>
-          <a:bodyPr lIns="91425" tIns="91425" rIns="91425" bIns="91425" anchor="t" anchorCtr="0">
-            <a:spAutoFit/>
-          </a:bodyPr>
-          <a:lstStyle/>
-          <a:p>
-            <a:pPr lvl="0" rtl="0">
-              <a:buNone/>
-            </a:pPr>
-            <a:r>
-              <a:rPr lang="de"/>
-              <a:t>Programmiersprache:</a:t>
-            </a:r>
-          </a:p>
-          <a:p>
-            <a:pPr marL="457200" lvl="0" indent="-419100" rtl="0">
-              <a:buClr>
-                <a:schemeClr val="dk1"/>
-              </a:buClr>
-              <a:buSzPct val="166666"/>
-              <a:buFont typeface="Arial"/>
-              <a:buChar char="•"/>
-            </a:pPr>
-            <a:r>
-              <a:rPr lang="de"/>
-              <a:t>Implementierung in C#</a:t>
-            </a:r>
-          </a:p>
-          <a:p>
-            <a:endParaRPr lang="de"/>
-          </a:p>
-          <a:p>
-            <a:endParaRPr lang="de"/>
-          </a:p>
-          <a:p>
-            <a:endParaRPr lang="de"/>
-          </a:p>
-        </p:txBody>
-      </p:sp>
-      <p:sp>
-        <p:nvSpPr>
-          <p:cNvPr id="71" name="Shape 71"/>
-          <p:cNvSpPr/>
-          <p:nvPr/>
-        </p:nvSpPr>
-        <p:spPr>
-          <a:xfrm>
-            <a:off x="1006998" y="2721574"/>
-            <a:ext cx="6752501" cy="3846325"/>
-          </a:xfrm>
-          <a:prstGeom prst="rect">
-            <a:avLst/>
-          </a:prstGeom>
-          <a:blipFill>
-            <a:blip r:embed="rId3"/>
-            <a:stretch>
-              <a:fillRect/>
-            </a:stretch>
-          </a:blipFill>
-        </p:spPr>
-      </p:sp>
-    </p:spTree>
-  </p:cSld>
-  <p:clrMapOvr>
-    <a:masterClrMapping/>
-  </p:clrMapOvr>
-  <mc:AlternateContent xmlns:mc="http://schemas.openxmlformats.org/markup-compatibility/2006">
-    <mc:Choice xmlns:p14="http://schemas.microsoft.com/office/powerpoint/2010/main" Requires="p14">
-      <p:transition spd="med" p14:dur="700">
-        <p:fade/>
-      </p:transition>
-    </mc:Choice>
-    <mc:Fallback>
-      <p:transition spd="med">
-        <p:fade/>
-      </p:transition>
-    </mc:Fallback>
-  </mc:AlternateContent>
-  <p:timing>
-    <p:tnLst>
-      <p:par>
-        <p:cTn id="1" dur="indefinite" restart="never" nodeType="tmRoot"/>
-      </p:par>
-    </p:tnLst>
-  </p:timing>
-</p:sld>
-</file>
-
-<file path=ppt/slides/slide4.xml><?xml version="1.0" encoding="utf-8"?>
-<p:sld xmlns:a="http://schemas.openxmlformats.org/drawingml/2006/main" xmlns:r="http://schemas.openxmlformats.org/officeDocument/2006/relationships" xmlns:p="http://schemas.openxmlformats.org/presentationml/2006/main">
-  <p:cSld>
-    <p:spTree>
-      <p:nvGrpSpPr>
-        <p:cNvPr id="1" name="Shape 75"/>
-        <p:cNvGrpSpPr/>
-        <p:nvPr/>
-      </p:nvGrpSpPr>
-      <p:grpSpPr>
-        <a:xfrm>
-          <a:off x="0" y="0"/>
-          <a:ext cx="0" cy="0"/>
-          <a:chOff x="0" y="0"/>
-          <a:chExt cx="0" cy="0"/>
-        </a:xfrm>
-      </p:grpSpPr>
-      <p:sp>
-        <p:nvSpPr>
-          <p:cNvPr id="76" name="Shape 76"/>
-          <p:cNvSpPr txBox="1">
-            <a:spLocks noGrp="1"/>
-          </p:cNvSpPr>
-          <p:nvPr>
-            <p:ph type="title"/>
-          </p:nvPr>
-        </p:nvSpPr>
-        <p:spPr>
-          <a:xfrm>
-            <a:off x="457200" y="274637"/>
-            <a:ext cx="8229600" cy="1143000"/>
-          </a:xfrm>
-          <a:prstGeom prst="rect">
-            <a:avLst/>
-          </a:prstGeom>
-        </p:spPr>
-        <p:txBody>
-          <a:bodyPr lIns="91425" tIns="91425" rIns="91425" bIns="91425" anchor="ctr" anchorCtr="0">
-            <a:spAutoFit/>
-          </a:bodyPr>
-          <a:lstStyle/>
-          <a:p>
-            <a:pPr>
-              <a:buNone/>
-            </a:pPr>
-            <a:r>
-              <a:rPr lang="de"/>
-              <a:t>1. Einführung</a:t>
-            </a:r>
-          </a:p>
-        </p:txBody>
-      </p:sp>
-      <p:sp>
-        <p:nvSpPr>
-          <p:cNvPr id="77" name="Shape 77"/>
-          <p:cNvSpPr txBox="1">
-            <a:spLocks noGrp="1"/>
-          </p:cNvSpPr>
-          <p:nvPr>
-            <p:ph type="body" idx="1"/>
-          </p:nvPr>
-        </p:nvSpPr>
-        <p:spPr>
-          <a:xfrm>
-            <a:off x="457200" y="1600200"/>
-            <a:ext cx="8229600" cy="4967700"/>
-          </a:xfrm>
-          <a:prstGeom prst="rect">
-            <a:avLst/>
-          </a:prstGeom>
-        </p:spPr>
-        <p:txBody>
-          <a:bodyPr lIns="91425" tIns="91425" rIns="91425" bIns="91425" anchor="t" anchorCtr="0">
-            <a:spAutoFit/>
-          </a:bodyPr>
-          <a:lstStyle/>
-          <a:p>
-            <a:pPr marL="0" marR="0" lvl="0" indent="0" algn="l" rtl="0">
-              <a:lnSpc>
-                <a:spcPct val="115000"/>
-              </a:lnSpc>
-              <a:spcBef>
-                <a:spcPts val="0"/>
-              </a:spcBef>
-              <a:spcAft>
-                <a:spcPts val="0"/>
-              </a:spcAft>
-              <a:buNone/>
-            </a:pPr>
-            <a:r>
-              <a:rPr lang="de" sz="2400"/>
-              <a:t>Benchmarkingschema</a:t>
-            </a:r>
-          </a:p>
-          <a:p>
-            <a:pPr marL="457200" lvl="0" indent="-381000" rtl="0">
-              <a:lnSpc>
-                <a:spcPct val="115000"/>
-              </a:lnSpc>
-              <a:spcBef>
-                <a:spcPts val="0"/>
-              </a:spcBef>
-              <a:buClr>
-                <a:schemeClr val="dk1"/>
-              </a:buClr>
-              <a:buSzPct val="166666"/>
-              <a:buFont typeface="Arial"/>
-              <a:buChar char="•"/>
-            </a:pPr>
-            <a:r>
-              <a:rPr lang="de" sz="2400"/>
-              <a:t>Elternpopulation            	= 100</a:t>
-            </a:r>
-          </a:p>
-          <a:p>
-            <a:pPr marL="457200" lvl="0" indent="-381000" rtl="0">
-              <a:lnSpc>
-                <a:spcPct val="115000"/>
-              </a:lnSpc>
-              <a:spcBef>
-                <a:spcPts val="0"/>
-              </a:spcBef>
-              <a:buClr>
-                <a:schemeClr val="dk1"/>
-              </a:buClr>
-              <a:buSzPct val="166666"/>
-              <a:buFont typeface="Arial"/>
-              <a:buChar char="•"/>
-            </a:pPr>
-            <a:r>
-              <a:rPr lang="de" sz="2400"/>
-              <a:t>Kindpopulation              	= 100</a:t>
-            </a:r>
-          </a:p>
-          <a:p>
-            <a:pPr marL="457200" lvl="0" indent="-381000" rtl="0">
-              <a:lnSpc>
-                <a:spcPct val="115000"/>
-              </a:lnSpc>
-              <a:spcBef>
-                <a:spcPts val="0"/>
-              </a:spcBef>
-              <a:buClr>
-                <a:schemeClr val="dk1"/>
-              </a:buClr>
-              <a:buSzPct val="166666"/>
-              <a:buFont typeface="Arial"/>
-              <a:buChar char="•"/>
-            </a:pPr>
-            <a:r>
-              <a:rPr lang="de" sz="2400"/>
-              <a:t>Intervall                       	= [-20, 30]</a:t>
-            </a:r>
-          </a:p>
-          <a:p>
-            <a:pPr marL="457200" lvl="0" indent="-381000" rtl="0">
-              <a:lnSpc>
-                <a:spcPct val="115000"/>
-              </a:lnSpc>
-              <a:spcBef>
-                <a:spcPts val="0"/>
-              </a:spcBef>
-              <a:buClr>
-                <a:schemeClr val="dk1"/>
-              </a:buClr>
-              <a:buSzPct val="166666"/>
-              <a:buFont typeface="Arial"/>
-              <a:buChar char="•"/>
-            </a:pPr>
-            <a:r>
-              <a:rPr lang="de" sz="2400"/>
-              <a:t>Gene (n)                      	= 5</a:t>
-            </a:r>
-          </a:p>
-          <a:p>
-            <a:pPr marL="457200" lvl="0" indent="-381000" rtl="0">
-              <a:lnSpc>
-                <a:spcPct val="115000"/>
-              </a:lnSpc>
-              <a:spcBef>
-                <a:spcPts val="0"/>
-              </a:spcBef>
-              <a:buClr>
-                <a:schemeClr val="dk1"/>
-              </a:buClr>
-              <a:buSzPct val="166666"/>
-              <a:buFont typeface="Arial"/>
-              <a:buChar char="•"/>
-            </a:pPr>
-            <a:r>
-              <a:rPr lang="de" sz="2400"/>
-              <a:t>Binärstringlänge (k)		= 10</a:t>
-            </a:r>
-          </a:p>
-          <a:p>
-            <a:pPr marL="457200" lvl="0" indent="-381000" rtl="0">
-              <a:lnSpc>
-                <a:spcPct val="115000"/>
-              </a:lnSpc>
-              <a:spcBef>
-                <a:spcPts val="0"/>
-              </a:spcBef>
-              <a:buClr>
-                <a:schemeClr val="dk1"/>
-              </a:buClr>
-              <a:buSzPct val="166666"/>
-              <a:buFont typeface="Arial"/>
-              <a:buChar char="•"/>
-            </a:pPr>
-            <a:r>
-              <a:rPr lang="de" sz="2400"/>
-              <a:t>Anteil der Mutation bei der Rekombination = 25 %</a:t>
-            </a:r>
-          </a:p>
-          <a:p>
-            <a:pPr marL="457200" lvl="0" indent="-381000" rtl="0">
-              <a:lnSpc>
-                <a:spcPct val="115000"/>
-              </a:lnSpc>
-              <a:spcBef>
-                <a:spcPts val="0"/>
-              </a:spcBef>
-              <a:buClr>
-                <a:schemeClr val="dk1"/>
-              </a:buClr>
-              <a:buSzPct val="166666"/>
-              <a:buFont typeface="Arial"/>
-              <a:buChar char="•"/>
-            </a:pPr>
-            <a:r>
-              <a:rPr lang="de" sz="2400"/>
-              <a:t>Rekombinationspunkte	= 5</a:t>
-            </a:r>
-          </a:p>
-          <a:p>
-            <a:pPr marL="457200" lvl="0" indent="-381000" rtl="0">
-              <a:lnSpc>
-                <a:spcPct val="115000"/>
-              </a:lnSpc>
-              <a:spcBef>
-                <a:spcPts val="0"/>
-              </a:spcBef>
-              <a:buClr>
-                <a:schemeClr val="dk1"/>
-              </a:buClr>
-              <a:buSzPct val="166666"/>
-              <a:buFont typeface="Arial"/>
-              <a:buChar char="•"/>
-            </a:pPr>
-            <a:r>
-              <a:rPr lang="de" sz="2400"/>
-              <a:t>Generationen			= 500</a:t>
-            </a:r>
-          </a:p>
-          <a:p>
-            <a:pPr marL="457200" lvl="0" indent="-381000" rtl="0">
-              <a:lnSpc>
-                <a:spcPct val="115000"/>
-              </a:lnSpc>
-              <a:spcBef>
-                <a:spcPts val="0"/>
-              </a:spcBef>
-              <a:buClr>
-                <a:schemeClr val="dk1"/>
-              </a:buClr>
-              <a:buSzPct val="166666"/>
-              <a:buFont typeface="Arial"/>
-              <a:buChar char="•"/>
-            </a:pPr>
-            <a:r>
-              <a:rPr lang="de" sz="2400"/>
-              <a:t>Selektion					= keine</a:t>
-            </a:r>
-          </a:p>
-          <a:p>
-            <a:endParaRPr lang="de" sz="2400"/>
-          </a:p>
-          <a:p>
-            <a:endParaRPr lang="de" sz="2400"/>
-          </a:p>
-        </p:txBody>
-      </p:sp>
-    </p:spTree>
-  </p:cSld>
-  <p:clrMapOvr>
-    <a:masterClrMapping/>
-  </p:clrMapOvr>
-  <mc:AlternateContent xmlns:mc="http://schemas.openxmlformats.org/markup-compatibility/2006">
-    <mc:Choice xmlns:p14="http://schemas.microsoft.com/office/powerpoint/2010/main" Requires="p14">
-      <p:transition spd="med" p14:dur="700">
-        <p:fade/>
-      </p:transition>
-    </mc:Choice>
-    <mc:Fallback>
-      <p:transition spd="med">
-        <p:fade/>
-      </p:transition>
-    </mc:Fallback>
-  </mc:AlternateContent>
-  <p:timing>
-    <p:tnLst>
-      <p:par>
-        <p:cTn id="1" dur="indefinite" restart="never" nodeType="tmRoot"/>
-      </p:par>
-    </p:tnLst>
-  </p:timing>
-</p:sld>
-</file>
-
-<file path=ppt/slides/slide5.xml><?xml version="1.0" encoding="utf-8"?>
-<p:sld xmlns:a="http://schemas.openxmlformats.org/drawingml/2006/main" xmlns:r="http://schemas.openxmlformats.org/officeDocument/2006/relationships" xmlns:p="http://schemas.openxmlformats.org/presentationml/2006/main">
-  <p:cSld>
-    <p:spTree>
-      <p:nvGrpSpPr>
-        <p:cNvPr id="1" name="Shape 81"/>
-        <p:cNvGrpSpPr/>
-        <p:nvPr/>
-      </p:nvGrpSpPr>
-      <p:grpSpPr>
-        <a:xfrm>
-          <a:off x="0" y="0"/>
-          <a:ext cx="0" cy="0"/>
-          <a:chOff x="0" y="0"/>
-          <a:chExt cx="0" cy="0"/>
-        </a:xfrm>
-      </p:grpSpPr>
-      <p:sp>
-        <p:nvSpPr>
-          <p:cNvPr id="82" name="Shape 82"/>
-          <p:cNvSpPr txBox="1">
-            <a:spLocks noGrp="1"/>
-          </p:cNvSpPr>
-          <p:nvPr>
-            <p:ph type="title"/>
-          </p:nvPr>
-        </p:nvSpPr>
-        <p:spPr>
-          <a:xfrm>
-            <a:off x="457200" y="274637"/>
-            <a:ext cx="8229600" cy="1143000"/>
-          </a:xfrm>
-          <a:prstGeom prst="rect">
-            <a:avLst/>
-          </a:prstGeom>
-        </p:spPr>
-        <p:txBody>
-          <a:bodyPr lIns="91425" tIns="91425" rIns="91425" bIns="91425" anchor="ctr" anchorCtr="0">
-            <a:spAutoFit/>
-          </a:bodyPr>
-          <a:lstStyle/>
-          <a:p>
-            <a:pPr>
-              <a:buNone/>
-            </a:pPr>
-            <a:r>
-              <a:rPr lang="de"/>
-              <a:t>Verhalten Griewank</a:t>
-            </a:r>
-          </a:p>
-        </p:txBody>
-      </p:sp>
-      <p:sp>
-        <p:nvSpPr>
-          <p:cNvPr id="83" name="Shape 83"/>
-          <p:cNvSpPr txBox="1">
-            <a:spLocks noGrp="1"/>
-          </p:cNvSpPr>
-          <p:nvPr>
-            <p:ph type="body" idx="1"/>
-          </p:nvPr>
-        </p:nvSpPr>
-        <p:spPr>
-          <a:xfrm>
-            <a:off x="457200" y="1600200"/>
-            <a:ext cx="8229600" cy="4967700"/>
-          </a:xfrm>
-          <a:prstGeom prst="rect">
-            <a:avLst/>
-          </a:prstGeom>
-        </p:spPr>
-        <p:txBody>
-          <a:bodyPr lIns="91425" tIns="91425" rIns="91425" bIns="91425" anchor="t" anchorCtr="0">
-            <a:spAutoFit/>
-          </a:bodyPr>
-          <a:lstStyle/>
-          <a:p>
-            <a:endParaRPr/>
-          </a:p>
-        </p:txBody>
-      </p:sp>
-      <p:sp>
-        <p:nvSpPr>
-          <p:cNvPr id="84" name="Shape 84"/>
-          <p:cNvSpPr/>
-          <p:nvPr/>
-        </p:nvSpPr>
-        <p:spPr>
-          <a:xfrm>
-            <a:off x="0" y="2444153"/>
-            <a:ext cx="9143999" cy="4212942"/>
-          </a:xfrm>
-          <a:prstGeom prst="rect">
-            <a:avLst/>
-          </a:prstGeom>
-          <a:blipFill>
-            <a:blip r:embed="rId3"/>
-            <a:stretch>
-              <a:fillRect/>
-            </a:stretch>
-          </a:blipFill>
-          <a:ln>
-            <a:noFill/>
-          </a:ln>
-        </p:spPr>
-      </p:sp>
-    </p:spTree>
-  </p:cSld>
-  <p:clrMapOvr>
-    <a:masterClrMapping/>
-  </p:clrMapOvr>
-  <mc:AlternateContent xmlns:mc="http://schemas.openxmlformats.org/markup-compatibility/2006">
-    <mc:Choice xmlns:p14="http://schemas.microsoft.com/office/powerpoint/2010/main" Requires="p14">
-      <p:transition spd="med" p14:dur="700">
-        <p:fade/>
-      </p:transition>
-    </mc:Choice>
-    <mc:Fallback>
-      <p:transition spd="med">
-        <p:fade/>
-      </p:transition>
-    </mc:Fallback>
-  </mc:AlternateContent>
-  <p:timing>
-    <p:tnLst>
-      <p:par>
-        <p:cTn id="1" dur="indefinite" restart="never" nodeType="tmRoot"/>
-      </p:par>
-    </p:tnLst>
-  </p:timing>
-</p:sld>
-</file>
-
-<file path=ppt/slides/slide6.xml><?xml version="1.0" encoding="utf-8"?>
-<p:sld xmlns:a="http://schemas.openxmlformats.org/drawingml/2006/main" xmlns:r="http://schemas.openxmlformats.org/officeDocument/2006/relationships" xmlns:p="http://schemas.openxmlformats.org/presentationml/2006/main">
-  <p:cSld>
-    <p:spTree>
-      <p:nvGrpSpPr>
-        <p:cNvPr id="1" name="Shape 88"/>
-        <p:cNvGrpSpPr/>
-        <p:nvPr/>
-      </p:nvGrpSpPr>
-      <p:grpSpPr>
-        <a:xfrm>
-          <a:off x="0" y="0"/>
-          <a:ext cx="0" cy="0"/>
-          <a:chOff x="0" y="0"/>
-          <a:chExt cx="0" cy="0"/>
-        </a:xfrm>
-      </p:grpSpPr>
-      <p:sp>
-        <p:nvSpPr>
-          <p:cNvPr id="89" name="Shape 89"/>
-          <p:cNvSpPr txBox="1">
-            <a:spLocks noGrp="1"/>
-          </p:cNvSpPr>
-          <p:nvPr>
-            <p:ph type="title"/>
-          </p:nvPr>
-        </p:nvSpPr>
-        <p:spPr>
-          <a:xfrm>
-            <a:off x="457200" y="274637"/>
-            <a:ext cx="8229600" cy="1143000"/>
-          </a:xfrm>
-          <a:prstGeom prst="rect">
-            <a:avLst/>
-          </a:prstGeom>
-        </p:spPr>
-        <p:txBody>
-          <a:bodyPr lIns="91425" tIns="91425" rIns="91425" bIns="91425" anchor="ctr" anchorCtr="0">
-            <a:spAutoFit/>
-          </a:bodyPr>
-          <a:lstStyle/>
-          <a:p>
-            <a:pPr>
-              <a:buNone/>
-            </a:pPr>
-            <a:r>
-              <a:rPr lang="de"/>
-              <a:t>Verhalten Ackley</a:t>
-            </a:r>
-          </a:p>
-        </p:txBody>
-      </p:sp>
-      <p:sp>
-        <p:nvSpPr>
-          <p:cNvPr id="90" name="Shape 90"/>
-          <p:cNvSpPr txBox="1">
-            <a:spLocks noGrp="1"/>
-          </p:cNvSpPr>
-          <p:nvPr>
-            <p:ph type="body" idx="1"/>
-          </p:nvPr>
-        </p:nvSpPr>
-        <p:spPr>
-          <a:xfrm>
-            <a:off x="457200" y="1600200"/>
-            <a:ext cx="8229600" cy="4967700"/>
-          </a:xfrm>
-          <a:prstGeom prst="rect">
-            <a:avLst/>
-          </a:prstGeom>
-        </p:spPr>
-        <p:txBody>
-          <a:bodyPr lIns="91425" tIns="91425" rIns="91425" bIns="91425" anchor="t" anchorCtr="0">
-            <a:spAutoFit/>
-          </a:bodyPr>
-          <a:lstStyle/>
-          <a:p>
-            <a:endParaRPr/>
-          </a:p>
-        </p:txBody>
-      </p:sp>
-      <p:sp>
-        <p:nvSpPr>
-          <p:cNvPr id="91" name="Shape 91"/>
-          <p:cNvSpPr/>
-          <p:nvPr/>
-        </p:nvSpPr>
-        <p:spPr>
-          <a:xfrm>
-            <a:off x="0" y="2711479"/>
-            <a:ext cx="9144000" cy="3856420"/>
-          </a:xfrm>
-          <a:prstGeom prst="rect">
-            <a:avLst/>
-          </a:prstGeom>
-          <a:blipFill>
-            <a:blip r:embed="rId3"/>
-            <a:stretch>
-              <a:fillRect/>
-            </a:stretch>
-          </a:blipFill>
-          <a:ln>
-            <a:noFill/>
-          </a:ln>
-        </p:spPr>
-      </p:sp>
-    </p:spTree>
-  </p:cSld>
-  <p:clrMapOvr>
-    <a:masterClrMapping/>
-  </p:clrMapOvr>
-  <mc:AlternateContent xmlns:mc="http://schemas.openxmlformats.org/markup-compatibility/2006">
-    <mc:Choice xmlns:p14="http://schemas.microsoft.com/office/powerpoint/2010/main" Requires="p14">
-      <p:transition spd="med" p14:dur="700">
-        <p:fade/>
-      </p:transition>
-    </mc:Choice>
-    <mc:Fallback>
-      <p:transition spd="med">
-        <p:fade/>
-      </p:transition>
-    </mc:Fallback>
-  </mc:AlternateContent>
-  <p:timing>
-    <p:tnLst>
-      <p:par>
-        <p:cTn id="1" dur="indefinite" restart="never" nodeType="tmRoot"/>
-      </p:par>
-    </p:tnLst>
-  </p:timing>
-</p:sld>
-</file>
-
-<file path=ppt/slides/slide7.xml><?xml version="1.0" encoding="utf-8"?>
-<p:sld xmlns:a="http://schemas.openxmlformats.org/drawingml/2006/main" xmlns:r="http://schemas.openxmlformats.org/officeDocument/2006/relationships" xmlns:p="http://schemas.openxmlformats.org/presentationml/2006/main">
-  <p:cSld>
-    <p:spTree>
-      <p:nvGrpSpPr>
-        <p:cNvPr id="1" name="Shape 95"/>
-        <p:cNvGrpSpPr/>
-        <p:nvPr/>
-      </p:nvGrpSpPr>
-      <p:grpSpPr>
-        <a:xfrm>
-          <a:off x="0" y="0"/>
-          <a:ext cx="0" cy="0"/>
-          <a:chOff x="0" y="0"/>
-          <a:chExt cx="0" cy="0"/>
-        </a:xfrm>
-      </p:grpSpPr>
-      <p:sp>
-        <p:nvSpPr>
-          <p:cNvPr id="96" name="Shape 96"/>
-          <p:cNvSpPr txBox="1">
-            <a:spLocks noGrp="1"/>
-          </p:cNvSpPr>
-          <p:nvPr>
-            <p:ph type="title"/>
-          </p:nvPr>
-        </p:nvSpPr>
-        <p:spPr>
-          <a:xfrm>
-            <a:off x="457200" y="274637"/>
-            <a:ext cx="8229600" cy="1143000"/>
-          </a:xfrm>
-          <a:prstGeom prst="rect">
-            <a:avLst/>
-          </a:prstGeom>
-        </p:spPr>
-        <p:txBody>
-          <a:bodyPr lIns="91425" tIns="91425" rIns="91425" bIns="91425" anchor="ctr" anchorCtr="0">
-            <a:spAutoFit/>
-          </a:bodyPr>
-          <a:lstStyle/>
-          <a:p>
-            <a:pPr>
-              <a:buNone/>
-            </a:pPr>
-            <a:r>
-              <a:rPr lang="de"/>
-              <a:t>Verhalten C-Funktion</a:t>
-            </a:r>
-          </a:p>
-        </p:txBody>
-      </p:sp>
-      <p:sp>
-        <p:nvSpPr>
-          <p:cNvPr id="97" name="Shape 97"/>
-          <p:cNvSpPr txBox="1">
-            <a:spLocks noGrp="1"/>
-          </p:cNvSpPr>
-          <p:nvPr>
-            <p:ph type="body" idx="1"/>
-          </p:nvPr>
-        </p:nvSpPr>
-        <p:spPr>
-          <a:xfrm>
-            <a:off x="457200" y="1600200"/>
-            <a:ext cx="8229600" cy="4967700"/>
-          </a:xfrm>
-          <a:prstGeom prst="rect">
-            <a:avLst/>
-          </a:prstGeom>
-        </p:spPr>
-        <p:txBody>
-          <a:bodyPr lIns="91425" tIns="91425" rIns="91425" bIns="91425" anchor="t" anchorCtr="0">
-            <a:spAutoFit/>
-          </a:bodyPr>
-          <a:lstStyle/>
-          <a:p>
-            <a:endParaRPr/>
-          </a:p>
-        </p:txBody>
-      </p:sp>
-      <p:sp>
-        <p:nvSpPr>
-          <p:cNvPr id="98" name="Shape 98"/>
-          <p:cNvSpPr/>
-          <p:nvPr/>
-        </p:nvSpPr>
-        <p:spPr>
-          <a:xfrm>
-            <a:off x="0" y="2626057"/>
-            <a:ext cx="9144001" cy="3941842"/>
-          </a:xfrm>
-          <a:prstGeom prst="rect">
-            <a:avLst/>
-          </a:prstGeom>
-          <a:blipFill>
-            <a:blip r:embed="rId3"/>
-            <a:stretch>
-              <a:fillRect/>
-            </a:stretch>
-          </a:blipFill>
-          <a:ln>
-            <a:noFill/>
-          </a:ln>
-        </p:spPr>
-      </p:sp>
-    </p:spTree>
-  </p:cSld>
-  <p:clrMapOvr>
-    <a:masterClrMapping/>
-  </p:clrMapOvr>
-  <mc:AlternateContent xmlns:mc="http://schemas.openxmlformats.org/markup-compatibility/2006">
-    <mc:Choice xmlns:p14="http://schemas.microsoft.com/office/powerpoint/2010/main" Requires="p14">
-      <p:transition spd="med" p14:dur="700">
-        <p:fade/>
-      </p:transition>
-    </mc:Choice>
-    <mc:Fallback>
-      <p:transition spd="med">
-        <p:fade/>
-      </p:transition>
-    </mc:Fallback>
-  </mc:AlternateContent>
-  <p:timing>
-    <p:tnLst>
-      <p:par>
-        <p:cTn id="1" dur="indefinite" restart="never" nodeType="tmRoot"/>
-      </p:par>
-    </p:tnLst>
-  </p:timing>
-</p:sld>
-</file>
-
-<file path=ppt/slides/slide8.xml><?xml version="1.0" encoding="utf-8"?>
+<file path=ppt/slides/slide11.xml><?xml version="1.0" encoding="utf-8"?>
 <p:sld xmlns:a="http://schemas.openxmlformats.org/drawingml/2006/main" xmlns:r="http://schemas.openxmlformats.org/officeDocument/2006/relationships" xmlns:p="http://schemas.openxmlformats.org/presentationml/2006/main">
   <p:cSld>
     <p:spTree>
@@ -8753,22 +7940,29 @@
   <p:clrMapOvr>
     <a:masterClrMapping/>
   </p:clrMapOvr>
-  <mc:AlternateContent xmlns:mc="http://schemas.openxmlformats.org/markup-compatibility/2006">
-    <mc:Choice xmlns:p14="http://schemas.microsoft.com/office/powerpoint/2010/main" Requires="p14">
+  <mc:AlternateContent xmlns:mc="http://schemas.openxmlformats.org/markup-compatibility/2006" xmlns:p14="http://schemas.microsoft.com/office/powerpoint/2010/main">
+    <mc:Choice Requires="p14">
       <p:transition spd="med" p14:dur="700">
         <p:fade/>
       </p:transition>
     </mc:Choice>
-    <mc:Fallback>
+    <mc:Fallback xmlns="">
       <p:transition spd="med">
         <p:fade/>
       </p:transition>
     </mc:Fallback>
   </mc:AlternateContent>
+  <p:timing>
+    <p:tnLst>
+      <p:par>
+        <p:cTn id="1" dur="indefinite" restart="never" nodeType="tmRoot"/>
+      </p:par>
+    </p:tnLst>
+  </p:timing>
 </p:sld>
 </file>
 
-<file path=ppt/slides/slide9.xml><?xml version="1.0" encoding="utf-8"?>
+<file path=ppt/slides/slide12.xml><?xml version="1.0" encoding="utf-8"?>
 <p:sld xmlns:a="http://schemas.openxmlformats.org/drawingml/2006/main" xmlns:r="http://schemas.openxmlformats.org/officeDocument/2006/relationships" xmlns:p="http://schemas.openxmlformats.org/presentationml/2006/main">
   <p:cSld>
     <p:spTree>
@@ -8860,13 +8054,1405 @@
   <p:clrMapOvr>
     <a:masterClrMapping/>
   </p:clrMapOvr>
-  <mc:AlternateContent xmlns:mc="http://schemas.openxmlformats.org/markup-compatibility/2006">
-    <mc:Choice xmlns:p14="http://schemas.microsoft.com/office/powerpoint/2010/main" Requires="p14">
+  <mc:AlternateContent xmlns:mc="http://schemas.openxmlformats.org/markup-compatibility/2006" xmlns:p14="http://schemas.microsoft.com/office/powerpoint/2010/main">
+    <mc:Choice Requires="p14">
       <p:transition spd="med" p14:dur="700">
         <p:fade/>
       </p:transition>
     </mc:Choice>
-    <mc:Fallback>
+    <mc:Fallback xmlns="">
+      <p:transition spd="med">
+        <p:fade/>
+      </p:transition>
+    </mc:Fallback>
+  </mc:AlternateContent>
+  <p:timing>
+    <p:tnLst>
+      <p:par>
+        <p:cTn id="1" dur="indefinite" restart="never" nodeType="tmRoot"/>
+      </p:par>
+    </p:tnLst>
+  </p:timing>
+</p:sld>
+</file>
+
+<file path=ppt/slides/slide2.xml><?xml version="1.0" encoding="utf-8"?>
+<p:sld xmlns:a="http://schemas.openxmlformats.org/drawingml/2006/main" xmlns:r="http://schemas.openxmlformats.org/officeDocument/2006/relationships" xmlns:p="http://schemas.openxmlformats.org/presentationml/2006/main">
+  <p:cSld>
+    <p:spTree>
+      <p:nvGrpSpPr>
+        <p:cNvPr id="1" name="Shape 62"/>
+        <p:cNvGrpSpPr/>
+        <p:nvPr/>
+      </p:nvGrpSpPr>
+      <p:grpSpPr>
+        <a:xfrm>
+          <a:off x="0" y="0"/>
+          <a:ext cx="0" cy="0"/>
+          <a:chOff x="0" y="0"/>
+          <a:chExt cx="0" cy="0"/>
+        </a:xfrm>
+      </p:grpSpPr>
+      <p:sp>
+        <p:nvSpPr>
+          <p:cNvPr id="63" name="Shape 63"/>
+          <p:cNvSpPr txBox="1">
+            <a:spLocks noGrp="1"/>
+          </p:cNvSpPr>
+          <p:nvPr>
+            <p:ph type="title"/>
+          </p:nvPr>
+        </p:nvSpPr>
+        <p:spPr>
+          <a:xfrm>
+            <a:off x="457200" y="274637"/>
+            <a:ext cx="8229600" cy="1143000"/>
+          </a:xfrm>
+          <a:prstGeom prst="rect">
+            <a:avLst/>
+          </a:prstGeom>
+        </p:spPr>
+        <p:txBody>
+          <a:bodyPr lIns="91425" tIns="91425" rIns="91425" bIns="91425" anchor="ctr" anchorCtr="0">
+            <a:spAutoFit/>
+          </a:bodyPr>
+          <a:lstStyle/>
+          <a:p>
+            <a:pPr>
+              <a:buNone/>
+            </a:pPr>
+            <a:r>
+              <a:rPr lang="de"/>
+              <a:t>Überblick</a:t>
+            </a:r>
+          </a:p>
+        </p:txBody>
+      </p:sp>
+      <p:sp>
+        <p:nvSpPr>
+          <p:cNvPr id="64" name="Shape 64"/>
+          <p:cNvSpPr txBox="1">
+            <a:spLocks noGrp="1"/>
+          </p:cNvSpPr>
+          <p:nvPr>
+            <p:ph type="body" idx="1"/>
+          </p:nvPr>
+        </p:nvSpPr>
+        <p:spPr>
+          <a:xfrm>
+            <a:off x="457200" y="1600200"/>
+            <a:ext cx="8229600" cy="4967700"/>
+          </a:xfrm>
+          <a:prstGeom prst="rect">
+            <a:avLst/>
+          </a:prstGeom>
+        </p:spPr>
+        <p:txBody>
+          <a:bodyPr lIns="91425" tIns="91425" rIns="91425" bIns="91425" anchor="t" anchorCtr="0">
+            <a:spAutoFit/>
+          </a:bodyPr>
+          <a:lstStyle/>
+          <a:p>
+            <a:pPr marL="457200" lvl="0" indent="-419100" rtl="0">
+              <a:buClr>
+                <a:schemeClr val="dk1"/>
+              </a:buClr>
+              <a:buSzPct val="100000"/>
+              <a:buFont typeface="Georgia"/>
+              <a:buAutoNum type="arabicPeriod"/>
+            </a:pPr>
+            <a:r>
+              <a:rPr lang="de"/>
+              <a:t>Einführung</a:t>
+            </a:r>
+          </a:p>
+          <a:p>
+            <a:pPr marL="914400" lvl="1" indent="-381000" rtl="0">
+              <a:buClr>
+                <a:schemeClr val="dk1"/>
+              </a:buClr>
+              <a:buSzPct val="80000"/>
+              <a:buFont typeface="Georgia"/>
+              <a:buAutoNum type="alphaLcPeriod"/>
+            </a:pPr>
+            <a:r>
+              <a:rPr lang="de"/>
+              <a:t>Programmiersprache und Oberfläche</a:t>
+            </a:r>
+          </a:p>
+          <a:p>
+            <a:pPr marL="914400" lvl="1" indent="-381000" rtl="0">
+              <a:buClr>
+                <a:schemeClr val="dk1"/>
+              </a:buClr>
+              <a:buSzPct val="80000"/>
+              <a:buFont typeface="Georgia"/>
+              <a:buAutoNum type="alphaLcPeriod"/>
+            </a:pPr>
+            <a:r>
+              <a:rPr lang="de"/>
+              <a:t>Bedienung</a:t>
+            </a:r>
+          </a:p>
+          <a:p>
+            <a:pPr marL="914400" lvl="1" indent="-381000" rtl="0">
+              <a:buClr>
+                <a:schemeClr val="dk1"/>
+              </a:buClr>
+              <a:buSzPct val="80000"/>
+              <a:buFont typeface="Georgia"/>
+              <a:buAutoNum type="alphaLcPeriod"/>
+            </a:pPr>
+            <a:r>
+              <a:rPr lang="de"/>
+              <a:t>Benchmarkschema (Standardwerte)</a:t>
+            </a:r>
+          </a:p>
+          <a:p>
+            <a:endParaRPr lang="de"/>
+          </a:p>
+          <a:p>
+            <a:pPr marL="457200" lvl="0" indent="-419100" rtl="0">
+              <a:buClr>
+                <a:schemeClr val="dk1"/>
+              </a:buClr>
+              <a:buSzPct val="100000"/>
+              <a:buFont typeface="Georgia"/>
+              <a:buAutoNum type="arabicPeriod"/>
+            </a:pPr>
+            <a:r>
+              <a:rPr lang="de"/>
+              <a:t>Verfahren und Ergebnisse</a:t>
+            </a:r>
+          </a:p>
+          <a:p>
+            <a:pPr marL="914400" lvl="1" indent="-381000" rtl="0">
+              <a:buClr>
+                <a:schemeClr val="dk1"/>
+              </a:buClr>
+              <a:buSzPct val="80000"/>
+              <a:buFont typeface="Georgia"/>
+              <a:buAutoNum type="alphaLcPeriod"/>
+            </a:pPr>
+            <a:r>
+              <a:rPr lang="de"/>
+              <a:t>Binärdarstellung / Relle Darstellung</a:t>
+            </a:r>
+          </a:p>
+          <a:p>
+            <a:pPr marL="914400" lvl="1" indent="-381000">
+              <a:buClr>
+                <a:schemeClr val="dk1"/>
+              </a:buClr>
+              <a:buSzPct val="80000"/>
+              <a:buFont typeface="Georgia"/>
+              <a:buAutoNum type="alphaLcPeriod"/>
+            </a:pPr>
+            <a:r>
+              <a:rPr lang="de"/>
+              <a:t>Mutationsverfahren</a:t>
+            </a:r>
+          </a:p>
+        </p:txBody>
+      </p:sp>
+    </p:spTree>
+  </p:cSld>
+  <p:clrMapOvr>
+    <a:masterClrMapping/>
+  </p:clrMapOvr>
+  <mc:AlternateContent xmlns:mc="http://schemas.openxmlformats.org/markup-compatibility/2006" xmlns:p14="http://schemas.microsoft.com/office/powerpoint/2010/main">
+    <mc:Choice Requires="p14">
+      <p:transition spd="med" p14:dur="700">
+        <p:fade/>
+      </p:transition>
+    </mc:Choice>
+    <mc:Fallback xmlns="">
+      <p:transition spd="med">
+        <p:fade/>
+      </p:transition>
+    </mc:Fallback>
+  </mc:AlternateContent>
+  <p:timing>
+    <p:tnLst>
+      <p:par>
+        <p:cTn id="1" dur="indefinite" restart="never" nodeType="tmRoot"/>
+      </p:par>
+    </p:tnLst>
+  </p:timing>
+</p:sld>
+</file>
+
+<file path=ppt/slides/slide3.xml><?xml version="1.0" encoding="utf-8"?>
+<p:sld xmlns:a="http://schemas.openxmlformats.org/drawingml/2006/main" xmlns:r="http://schemas.openxmlformats.org/officeDocument/2006/relationships" xmlns:p="http://schemas.openxmlformats.org/presentationml/2006/main">
+  <p:cSld>
+    <p:spTree>
+      <p:nvGrpSpPr>
+        <p:cNvPr id="1" name="Shape 68"/>
+        <p:cNvGrpSpPr/>
+        <p:nvPr/>
+      </p:nvGrpSpPr>
+      <p:grpSpPr>
+        <a:xfrm>
+          <a:off x="0" y="0"/>
+          <a:ext cx="0" cy="0"/>
+          <a:chOff x="0" y="0"/>
+          <a:chExt cx="0" cy="0"/>
+        </a:xfrm>
+      </p:grpSpPr>
+      <p:sp>
+        <p:nvSpPr>
+          <p:cNvPr id="69" name="Shape 69"/>
+          <p:cNvSpPr txBox="1">
+            <a:spLocks noGrp="1"/>
+          </p:cNvSpPr>
+          <p:nvPr>
+            <p:ph type="title"/>
+          </p:nvPr>
+        </p:nvSpPr>
+        <p:spPr>
+          <a:xfrm>
+            <a:off x="457200" y="274637"/>
+            <a:ext cx="8229600" cy="1143000"/>
+          </a:xfrm>
+          <a:prstGeom prst="rect">
+            <a:avLst/>
+          </a:prstGeom>
+        </p:spPr>
+        <p:txBody>
+          <a:bodyPr lIns="91425" tIns="91425" rIns="91425" bIns="91425" anchor="ctr" anchorCtr="0">
+            <a:spAutoFit/>
+          </a:bodyPr>
+          <a:lstStyle/>
+          <a:p>
+            <a:pPr lvl="0" rtl="0">
+              <a:buNone/>
+            </a:pPr>
+            <a:r>
+              <a:rPr lang="de"/>
+              <a:t>1. Einführung</a:t>
+            </a:r>
+          </a:p>
+        </p:txBody>
+      </p:sp>
+      <p:sp>
+        <p:nvSpPr>
+          <p:cNvPr id="70" name="Shape 70"/>
+          <p:cNvSpPr txBox="1">
+            <a:spLocks noGrp="1"/>
+          </p:cNvSpPr>
+          <p:nvPr>
+            <p:ph type="body" idx="1"/>
+          </p:nvPr>
+        </p:nvSpPr>
+        <p:spPr>
+          <a:xfrm>
+            <a:off x="457200" y="1600200"/>
+            <a:ext cx="8229600" cy="4967700"/>
+          </a:xfrm>
+          <a:prstGeom prst="rect">
+            <a:avLst/>
+          </a:prstGeom>
+        </p:spPr>
+        <p:txBody>
+          <a:bodyPr lIns="91425" tIns="91425" rIns="91425" bIns="91425" anchor="t" anchorCtr="0">
+            <a:spAutoFit/>
+          </a:bodyPr>
+          <a:lstStyle/>
+          <a:p>
+            <a:pPr lvl="0" rtl="0">
+              <a:buNone/>
+            </a:pPr>
+            <a:r>
+              <a:rPr lang="de"/>
+              <a:t>Programmiersprache:</a:t>
+            </a:r>
+          </a:p>
+          <a:p>
+            <a:pPr marL="457200" lvl="0" indent="-419100" rtl="0">
+              <a:buClr>
+                <a:schemeClr val="dk1"/>
+              </a:buClr>
+              <a:buSzPct val="166666"/>
+              <a:buFont typeface="Arial"/>
+              <a:buChar char="•"/>
+            </a:pPr>
+            <a:r>
+              <a:rPr lang="de"/>
+              <a:t>Implementierung in C#</a:t>
+            </a:r>
+          </a:p>
+          <a:p>
+            <a:endParaRPr lang="de"/>
+          </a:p>
+          <a:p>
+            <a:endParaRPr lang="de"/>
+          </a:p>
+          <a:p>
+            <a:endParaRPr lang="de"/>
+          </a:p>
+        </p:txBody>
+      </p:sp>
+      <p:sp>
+        <p:nvSpPr>
+          <p:cNvPr id="71" name="Shape 71"/>
+          <p:cNvSpPr/>
+          <p:nvPr/>
+        </p:nvSpPr>
+        <p:spPr>
+          <a:xfrm>
+            <a:off x="1006998" y="2721574"/>
+            <a:ext cx="6752501" cy="3846325"/>
+          </a:xfrm>
+          <a:prstGeom prst="rect">
+            <a:avLst/>
+          </a:prstGeom>
+          <a:blipFill>
+            <a:blip r:embed="rId3"/>
+            <a:stretch>
+              <a:fillRect/>
+            </a:stretch>
+          </a:blipFill>
+        </p:spPr>
+      </p:sp>
+    </p:spTree>
+  </p:cSld>
+  <p:clrMapOvr>
+    <a:masterClrMapping/>
+  </p:clrMapOvr>
+  <mc:AlternateContent xmlns:mc="http://schemas.openxmlformats.org/markup-compatibility/2006" xmlns:p14="http://schemas.microsoft.com/office/powerpoint/2010/main">
+    <mc:Choice Requires="p14">
+      <p:transition spd="med" p14:dur="700">
+        <p:fade/>
+      </p:transition>
+    </mc:Choice>
+    <mc:Fallback xmlns="">
+      <p:transition spd="med">
+        <p:fade/>
+      </p:transition>
+    </mc:Fallback>
+  </mc:AlternateContent>
+  <p:timing>
+    <p:tnLst>
+      <p:par>
+        <p:cTn id="1" dur="indefinite" restart="never" nodeType="tmRoot"/>
+      </p:par>
+    </p:tnLst>
+  </p:timing>
+</p:sld>
+</file>
+
+<file path=ppt/slides/slide4.xml><?xml version="1.0" encoding="utf-8"?>
+<p:sld xmlns:a="http://schemas.openxmlformats.org/drawingml/2006/main" xmlns:r="http://schemas.openxmlformats.org/officeDocument/2006/relationships" xmlns:p="http://schemas.openxmlformats.org/presentationml/2006/main">
+  <p:cSld>
+    <p:spTree>
+      <p:nvGrpSpPr>
+        <p:cNvPr id="1" name="Shape 75"/>
+        <p:cNvGrpSpPr/>
+        <p:nvPr/>
+      </p:nvGrpSpPr>
+      <p:grpSpPr>
+        <a:xfrm>
+          <a:off x="0" y="0"/>
+          <a:ext cx="0" cy="0"/>
+          <a:chOff x="0" y="0"/>
+          <a:chExt cx="0" cy="0"/>
+        </a:xfrm>
+      </p:grpSpPr>
+      <p:sp>
+        <p:nvSpPr>
+          <p:cNvPr id="76" name="Shape 76"/>
+          <p:cNvSpPr txBox="1">
+            <a:spLocks noGrp="1"/>
+          </p:cNvSpPr>
+          <p:nvPr>
+            <p:ph type="title"/>
+          </p:nvPr>
+        </p:nvSpPr>
+        <p:spPr>
+          <a:xfrm>
+            <a:off x="457200" y="274637"/>
+            <a:ext cx="8229600" cy="1143000"/>
+          </a:xfrm>
+          <a:prstGeom prst="rect">
+            <a:avLst/>
+          </a:prstGeom>
+        </p:spPr>
+        <p:txBody>
+          <a:bodyPr lIns="91425" tIns="91425" rIns="91425" bIns="91425" anchor="ctr" anchorCtr="0">
+            <a:spAutoFit/>
+          </a:bodyPr>
+          <a:lstStyle/>
+          <a:p>
+            <a:pPr>
+              <a:buNone/>
+            </a:pPr>
+            <a:r>
+              <a:rPr lang="de"/>
+              <a:t>1. Einführung</a:t>
+            </a:r>
+          </a:p>
+        </p:txBody>
+      </p:sp>
+      <p:sp>
+        <p:nvSpPr>
+          <p:cNvPr id="77" name="Shape 77"/>
+          <p:cNvSpPr txBox="1">
+            <a:spLocks noGrp="1"/>
+          </p:cNvSpPr>
+          <p:nvPr>
+            <p:ph type="body" idx="1"/>
+          </p:nvPr>
+        </p:nvSpPr>
+        <p:spPr>
+          <a:xfrm>
+            <a:off x="457200" y="1600200"/>
+            <a:ext cx="8229600" cy="4967700"/>
+          </a:xfrm>
+          <a:prstGeom prst="rect">
+            <a:avLst/>
+          </a:prstGeom>
+        </p:spPr>
+        <p:txBody>
+          <a:bodyPr lIns="91425" tIns="91425" rIns="91425" bIns="91425" anchor="t" anchorCtr="0">
+            <a:spAutoFit/>
+          </a:bodyPr>
+          <a:lstStyle/>
+          <a:p>
+            <a:pPr marL="0" marR="0" lvl="0" indent="0" algn="l" rtl="0">
+              <a:lnSpc>
+                <a:spcPct val="115000"/>
+              </a:lnSpc>
+              <a:spcBef>
+                <a:spcPts val="0"/>
+              </a:spcBef>
+              <a:spcAft>
+                <a:spcPts val="0"/>
+              </a:spcAft>
+              <a:buNone/>
+            </a:pPr>
+            <a:r>
+              <a:rPr lang="de" sz="2400"/>
+              <a:t>Benchmarkingschema</a:t>
+            </a:r>
+          </a:p>
+          <a:p>
+            <a:pPr marL="457200" lvl="0" indent="-381000" rtl="0">
+              <a:lnSpc>
+                <a:spcPct val="115000"/>
+              </a:lnSpc>
+              <a:spcBef>
+                <a:spcPts val="0"/>
+              </a:spcBef>
+              <a:buClr>
+                <a:schemeClr val="dk1"/>
+              </a:buClr>
+              <a:buSzPct val="166666"/>
+              <a:buFont typeface="Arial"/>
+              <a:buChar char="•"/>
+            </a:pPr>
+            <a:r>
+              <a:rPr lang="de" sz="2400"/>
+              <a:t>Elternpopulation            	= 100</a:t>
+            </a:r>
+          </a:p>
+          <a:p>
+            <a:pPr marL="457200" lvl="0" indent="-381000" rtl="0">
+              <a:lnSpc>
+                <a:spcPct val="115000"/>
+              </a:lnSpc>
+              <a:spcBef>
+                <a:spcPts val="0"/>
+              </a:spcBef>
+              <a:buClr>
+                <a:schemeClr val="dk1"/>
+              </a:buClr>
+              <a:buSzPct val="166666"/>
+              <a:buFont typeface="Arial"/>
+              <a:buChar char="•"/>
+            </a:pPr>
+            <a:r>
+              <a:rPr lang="de" sz="2400"/>
+              <a:t>Kindpopulation              	= 100</a:t>
+            </a:r>
+          </a:p>
+          <a:p>
+            <a:pPr marL="457200" lvl="0" indent="-381000" rtl="0">
+              <a:lnSpc>
+                <a:spcPct val="115000"/>
+              </a:lnSpc>
+              <a:spcBef>
+                <a:spcPts val="0"/>
+              </a:spcBef>
+              <a:buClr>
+                <a:schemeClr val="dk1"/>
+              </a:buClr>
+              <a:buSzPct val="166666"/>
+              <a:buFont typeface="Arial"/>
+              <a:buChar char="•"/>
+            </a:pPr>
+            <a:r>
+              <a:rPr lang="de" sz="2400"/>
+              <a:t>Intervall                       	= [-20, 30]</a:t>
+            </a:r>
+          </a:p>
+          <a:p>
+            <a:pPr marL="457200" lvl="0" indent="-381000" rtl="0">
+              <a:lnSpc>
+                <a:spcPct val="115000"/>
+              </a:lnSpc>
+              <a:spcBef>
+                <a:spcPts val="0"/>
+              </a:spcBef>
+              <a:buClr>
+                <a:schemeClr val="dk1"/>
+              </a:buClr>
+              <a:buSzPct val="166666"/>
+              <a:buFont typeface="Arial"/>
+              <a:buChar char="•"/>
+            </a:pPr>
+            <a:r>
+              <a:rPr lang="de" sz="2400"/>
+              <a:t>Gene (n)                      	= 5</a:t>
+            </a:r>
+          </a:p>
+          <a:p>
+            <a:pPr marL="457200" lvl="0" indent="-381000" rtl="0">
+              <a:lnSpc>
+                <a:spcPct val="115000"/>
+              </a:lnSpc>
+              <a:spcBef>
+                <a:spcPts val="0"/>
+              </a:spcBef>
+              <a:buClr>
+                <a:schemeClr val="dk1"/>
+              </a:buClr>
+              <a:buSzPct val="166666"/>
+              <a:buFont typeface="Arial"/>
+              <a:buChar char="•"/>
+            </a:pPr>
+            <a:r>
+              <a:rPr lang="de" sz="2400"/>
+              <a:t>Binärstringlänge (k)		= 10</a:t>
+            </a:r>
+          </a:p>
+          <a:p>
+            <a:pPr marL="457200" lvl="0" indent="-381000" rtl="0">
+              <a:lnSpc>
+                <a:spcPct val="115000"/>
+              </a:lnSpc>
+              <a:spcBef>
+                <a:spcPts val="0"/>
+              </a:spcBef>
+              <a:buClr>
+                <a:schemeClr val="dk1"/>
+              </a:buClr>
+              <a:buSzPct val="166666"/>
+              <a:buFont typeface="Arial"/>
+              <a:buChar char="•"/>
+            </a:pPr>
+            <a:r>
+              <a:rPr lang="de" sz="2400"/>
+              <a:t>Anteil der Mutation bei der Rekombination = 25 %</a:t>
+            </a:r>
+          </a:p>
+          <a:p>
+            <a:pPr marL="457200" lvl="0" indent="-381000" rtl="0">
+              <a:lnSpc>
+                <a:spcPct val="115000"/>
+              </a:lnSpc>
+              <a:spcBef>
+                <a:spcPts val="0"/>
+              </a:spcBef>
+              <a:buClr>
+                <a:schemeClr val="dk1"/>
+              </a:buClr>
+              <a:buSzPct val="166666"/>
+              <a:buFont typeface="Arial"/>
+              <a:buChar char="•"/>
+            </a:pPr>
+            <a:r>
+              <a:rPr lang="de" sz="2400"/>
+              <a:t>Rekombinationspunkte	= 5</a:t>
+            </a:r>
+          </a:p>
+          <a:p>
+            <a:pPr marL="457200" lvl="0" indent="-381000" rtl="0">
+              <a:lnSpc>
+                <a:spcPct val="115000"/>
+              </a:lnSpc>
+              <a:spcBef>
+                <a:spcPts val="0"/>
+              </a:spcBef>
+              <a:buClr>
+                <a:schemeClr val="dk1"/>
+              </a:buClr>
+              <a:buSzPct val="166666"/>
+              <a:buFont typeface="Arial"/>
+              <a:buChar char="•"/>
+            </a:pPr>
+            <a:r>
+              <a:rPr lang="de" sz="2400"/>
+              <a:t>Generationen			= 500</a:t>
+            </a:r>
+          </a:p>
+          <a:p>
+            <a:pPr marL="457200" lvl="0" indent="-381000" rtl="0">
+              <a:lnSpc>
+                <a:spcPct val="115000"/>
+              </a:lnSpc>
+              <a:spcBef>
+                <a:spcPts val="0"/>
+              </a:spcBef>
+              <a:buClr>
+                <a:schemeClr val="dk1"/>
+              </a:buClr>
+              <a:buSzPct val="166666"/>
+              <a:buFont typeface="Arial"/>
+              <a:buChar char="•"/>
+            </a:pPr>
+            <a:r>
+              <a:rPr lang="de" sz="2400"/>
+              <a:t>Selektion					= keine</a:t>
+            </a:r>
+          </a:p>
+          <a:p>
+            <a:endParaRPr lang="de" sz="2400"/>
+          </a:p>
+          <a:p>
+            <a:endParaRPr lang="de" sz="2400"/>
+          </a:p>
+        </p:txBody>
+      </p:sp>
+    </p:spTree>
+  </p:cSld>
+  <p:clrMapOvr>
+    <a:masterClrMapping/>
+  </p:clrMapOvr>
+  <mc:AlternateContent xmlns:mc="http://schemas.openxmlformats.org/markup-compatibility/2006" xmlns:p14="http://schemas.microsoft.com/office/powerpoint/2010/main">
+    <mc:Choice Requires="p14">
+      <p:transition spd="med" p14:dur="700">
+        <p:fade/>
+      </p:transition>
+    </mc:Choice>
+    <mc:Fallback xmlns="">
+      <p:transition spd="med">
+        <p:fade/>
+      </p:transition>
+    </mc:Fallback>
+  </mc:AlternateContent>
+  <p:timing>
+    <p:tnLst>
+      <p:par>
+        <p:cTn id="1" dur="indefinite" restart="never" nodeType="tmRoot"/>
+      </p:par>
+    </p:tnLst>
+  </p:timing>
+</p:sld>
+</file>
+
+<file path=ppt/slides/slide5.xml><?xml version="1.0" encoding="utf-8"?>
+<p:sld xmlns:a="http://schemas.openxmlformats.org/drawingml/2006/main" xmlns:r="http://schemas.openxmlformats.org/officeDocument/2006/relationships" xmlns:p="http://schemas.openxmlformats.org/presentationml/2006/main">
+  <p:cSld>
+    <p:spTree>
+      <p:nvGrpSpPr>
+        <p:cNvPr id="1" name="Shape 81"/>
+        <p:cNvGrpSpPr/>
+        <p:nvPr/>
+      </p:nvGrpSpPr>
+      <p:grpSpPr>
+        <a:xfrm>
+          <a:off x="0" y="0"/>
+          <a:ext cx="0" cy="0"/>
+          <a:chOff x="0" y="0"/>
+          <a:chExt cx="0" cy="0"/>
+        </a:xfrm>
+      </p:grpSpPr>
+      <p:sp>
+        <p:nvSpPr>
+          <p:cNvPr id="82" name="Shape 82"/>
+          <p:cNvSpPr txBox="1">
+            <a:spLocks noGrp="1"/>
+          </p:cNvSpPr>
+          <p:nvPr>
+            <p:ph type="title"/>
+          </p:nvPr>
+        </p:nvSpPr>
+        <p:spPr>
+          <a:xfrm>
+            <a:off x="457200" y="274637"/>
+            <a:ext cx="8229600" cy="1143000"/>
+          </a:xfrm>
+          <a:prstGeom prst="rect">
+            <a:avLst/>
+          </a:prstGeom>
+        </p:spPr>
+        <p:txBody>
+          <a:bodyPr lIns="91425" tIns="91425" rIns="91425" bIns="91425" anchor="ctr" anchorCtr="0">
+            <a:spAutoFit/>
+          </a:bodyPr>
+          <a:lstStyle/>
+          <a:p>
+            <a:pPr>
+              <a:buNone/>
+            </a:pPr>
+            <a:r>
+              <a:rPr lang="de"/>
+              <a:t>Verhalten Griewank</a:t>
+            </a:r>
+          </a:p>
+        </p:txBody>
+      </p:sp>
+      <p:sp>
+        <p:nvSpPr>
+          <p:cNvPr id="83" name="Shape 83"/>
+          <p:cNvSpPr txBox="1">
+            <a:spLocks noGrp="1"/>
+          </p:cNvSpPr>
+          <p:nvPr>
+            <p:ph type="body" idx="1"/>
+          </p:nvPr>
+        </p:nvSpPr>
+        <p:spPr>
+          <a:xfrm>
+            <a:off x="457200" y="1600200"/>
+            <a:ext cx="8229600" cy="4967700"/>
+          </a:xfrm>
+          <a:prstGeom prst="rect">
+            <a:avLst/>
+          </a:prstGeom>
+        </p:spPr>
+        <p:txBody>
+          <a:bodyPr lIns="91425" tIns="91425" rIns="91425" bIns="91425" anchor="t" anchorCtr="0">
+            <a:spAutoFit/>
+          </a:bodyPr>
+          <a:lstStyle/>
+          <a:p>
+            <a:endParaRPr/>
+          </a:p>
+        </p:txBody>
+      </p:sp>
+      <p:sp>
+        <p:nvSpPr>
+          <p:cNvPr id="84" name="Shape 84"/>
+          <p:cNvSpPr/>
+          <p:nvPr/>
+        </p:nvSpPr>
+        <p:spPr>
+          <a:xfrm>
+            <a:off x="0" y="2276872"/>
+            <a:ext cx="9143999" cy="4212942"/>
+          </a:xfrm>
+          <a:prstGeom prst="rect">
+            <a:avLst/>
+          </a:prstGeom>
+          <a:blipFill>
+            <a:blip r:embed="rId3"/>
+            <a:stretch>
+              <a:fillRect/>
+            </a:stretch>
+          </a:blipFill>
+          <a:ln>
+            <a:noFill/>
+          </a:ln>
+        </p:spPr>
+      </p:sp>
+    </p:spTree>
+  </p:cSld>
+  <p:clrMapOvr>
+    <a:masterClrMapping/>
+  </p:clrMapOvr>
+  <mc:AlternateContent xmlns:mc="http://schemas.openxmlformats.org/markup-compatibility/2006" xmlns:p14="http://schemas.microsoft.com/office/powerpoint/2010/main">
+    <mc:Choice Requires="p14">
+      <p:transition spd="med" p14:dur="700">
+        <p:fade/>
+      </p:transition>
+    </mc:Choice>
+    <mc:Fallback xmlns="">
+      <p:transition spd="med">
+        <p:fade/>
+      </p:transition>
+    </mc:Fallback>
+  </mc:AlternateContent>
+  <p:timing>
+    <p:tnLst>
+      <p:par>
+        <p:cTn id="1" dur="indefinite" restart="never" nodeType="tmRoot"/>
+      </p:par>
+    </p:tnLst>
+  </p:timing>
+</p:sld>
+</file>
+
+<file path=ppt/slides/slide6.xml><?xml version="1.0" encoding="utf-8"?>
+<p:sld xmlns:a="http://schemas.openxmlformats.org/drawingml/2006/main" xmlns:r="http://schemas.openxmlformats.org/officeDocument/2006/relationships" xmlns:p="http://schemas.openxmlformats.org/presentationml/2006/main">
+  <p:cSld>
+    <p:spTree>
+      <p:nvGrpSpPr>
+        <p:cNvPr id="1" name=""/>
+        <p:cNvGrpSpPr/>
+        <p:nvPr/>
+      </p:nvGrpSpPr>
+      <p:grpSpPr>
+        <a:xfrm>
+          <a:off x="0" y="0"/>
+          <a:ext cx="0" cy="0"/>
+          <a:chOff x="0" y="0"/>
+          <a:chExt cx="0" cy="0"/>
+        </a:xfrm>
+      </p:grpSpPr>
+      <p:sp>
+        <p:nvSpPr>
+          <p:cNvPr id="2" name="Titel 1"/>
+          <p:cNvSpPr>
+            <a:spLocks noGrp="1"/>
+          </p:cNvSpPr>
+          <p:nvPr>
+            <p:ph type="title"/>
+          </p:nvPr>
+        </p:nvSpPr>
+        <p:spPr/>
+        <p:txBody>
+          <a:bodyPr/>
+          <a:lstStyle/>
+          <a:p>
+            <a:r>
+              <a:rPr lang="de-DE" dirty="0" smtClean="0"/>
+              <a:t>Verhalten </a:t>
+            </a:r>
+            <a:r>
+              <a:rPr lang="de-DE" dirty="0" err="1" smtClean="0"/>
+              <a:t>Griewank</a:t>
+            </a:r>
+            <a:endParaRPr lang="de-DE" dirty="0"/>
+          </a:p>
+        </p:txBody>
+      </p:sp>
+      <p:sp>
+        <p:nvSpPr>
+          <p:cNvPr id="3" name="Textplatzhalter 2"/>
+          <p:cNvSpPr>
+            <a:spLocks noGrp="1"/>
+          </p:cNvSpPr>
+          <p:nvPr>
+            <p:ph type="body" idx="1"/>
+          </p:nvPr>
+        </p:nvSpPr>
+        <p:spPr/>
+        <p:txBody>
+          <a:bodyPr/>
+          <a:lstStyle/>
+          <a:p>
+            <a:endParaRPr lang="de-DE" dirty="0"/>
+          </a:p>
+        </p:txBody>
+      </p:sp>
+      <p:pic>
+        <p:nvPicPr>
+          <p:cNvPr id="3074" name="Picture 2" descr="../_images/griewank.png"/>
+          <p:cNvPicPr>
+            <a:picLocks noChangeAspect="1" noChangeArrowheads="1"/>
+          </p:cNvPicPr>
+          <p:nvPr/>
+        </p:nvPicPr>
+        <p:blipFill>
+          <a:blip r:embed="rId2">
+            <a:extLst>
+              <a:ext uri="{28A0092B-C50C-407E-A947-70E740481C1C}">
+                <a14:useLocalDpi xmlns:a14="http://schemas.microsoft.com/office/drawing/2010/main" val="0"/>
+              </a:ext>
+            </a:extLst>
+          </a:blip>
+          <a:srcRect/>
+          <a:stretch>
+            <a:fillRect/>
+          </a:stretch>
+        </p:blipFill>
+        <p:spPr bwMode="auto">
+          <a:xfrm>
+            <a:off x="1057434" y="1340768"/>
+            <a:ext cx="7220475" cy="5415356"/>
+          </a:xfrm>
+          <a:prstGeom prst="rect">
+            <a:avLst/>
+          </a:prstGeom>
+          <a:noFill/>
+          <a:extLst>
+            <a:ext uri="{909E8E84-426E-40DD-AFC4-6F175D3DCCD1}">
+              <a14:hiddenFill xmlns:a14="http://schemas.microsoft.com/office/drawing/2010/main">
+                <a:solidFill>
+                  <a:srgbClr val="FFFFFF"/>
+                </a:solidFill>
+              </a14:hiddenFill>
+            </a:ext>
+          </a:extLst>
+        </p:spPr>
+      </p:pic>
+      <p:pic>
+        <p:nvPicPr>
+          <p:cNvPr id="3076" name="Picture 4" descr="f_{\text{Griewank}}(\mathbf{x}) = \frac{1}{4000}\sum_{i=1}^N\,x_i^2 -                         \prod_{i=1}^N\cos\left(\frac{x_i}{\sqrt{i}}\right) + 1"/>
+          <p:cNvPicPr>
+            <a:picLocks noChangeAspect="1" noChangeArrowheads="1"/>
+          </p:cNvPicPr>
+          <p:nvPr/>
+        </p:nvPicPr>
+        <p:blipFill>
+          <a:blip r:embed="rId3">
+            <a:extLst>
+              <a:ext uri="{28A0092B-C50C-407E-A947-70E740481C1C}">
+                <a14:useLocalDpi xmlns:a14="http://schemas.microsoft.com/office/drawing/2010/main" val="0"/>
+              </a:ext>
+            </a:extLst>
+          </a:blip>
+          <a:srcRect/>
+          <a:stretch>
+            <a:fillRect/>
+          </a:stretch>
+        </p:blipFill>
+        <p:spPr bwMode="auto">
+          <a:xfrm>
+            <a:off x="60911" y="1340768"/>
+            <a:ext cx="4727113" cy="432048"/>
+          </a:xfrm>
+          <a:prstGeom prst="rect">
+            <a:avLst/>
+          </a:prstGeom>
+          <a:noFill/>
+          <a:extLst>
+            <a:ext uri="{909E8E84-426E-40DD-AFC4-6F175D3DCCD1}">
+              <a14:hiddenFill xmlns:a14="http://schemas.microsoft.com/office/drawing/2010/main">
+                <a:solidFill>
+                  <a:srgbClr val="FFFFFF"/>
+                </a:solidFill>
+              </a14:hiddenFill>
+            </a:ext>
+          </a:extLst>
+        </p:spPr>
+      </p:pic>
+    </p:spTree>
+    <p:extLst>
+      <p:ext uri="{BB962C8B-B14F-4D97-AF65-F5344CB8AC3E}">
+        <p14:creationId xmlns:p14="http://schemas.microsoft.com/office/powerpoint/2010/main" val="2571559777"/>
+      </p:ext>
+    </p:extLst>
+  </p:cSld>
+  <p:clrMapOvr>
+    <a:masterClrMapping/>
+  </p:clrMapOvr>
+</p:sld>
+</file>
+
+<file path=ppt/slides/slide7.xml><?xml version="1.0" encoding="utf-8"?>
+<p:sld xmlns:a="http://schemas.openxmlformats.org/drawingml/2006/main" xmlns:r="http://schemas.openxmlformats.org/officeDocument/2006/relationships" xmlns:p="http://schemas.openxmlformats.org/presentationml/2006/main">
+  <p:cSld>
+    <p:spTree>
+      <p:nvGrpSpPr>
+        <p:cNvPr id="1" name="Shape 88"/>
+        <p:cNvGrpSpPr/>
+        <p:nvPr/>
+      </p:nvGrpSpPr>
+      <p:grpSpPr>
+        <a:xfrm>
+          <a:off x="0" y="0"/>
+          <a:ext cx="0" cy="0"/>
+          <a:chOff x="0" y="0"/>
+          <a:chExt cx="0" cy="0"/>
+        </a:xfrm>
+      </p:grpSpPr>
+      <p:sp>
+        <p:nvSpPr>
+          <p:cNvPr id="89" name="Shape 89"/>
+          <p:cNvSpPr txBox="1">
+            <a:spLocks noGrp="1"/>
+          </p:cNvSpPr>
+          <p:nvPr>
+            <p:ph type="title"/>
+          </p:nvPr>
+        </p:nvSpPr>
+        <p:spPr>
+          <a:xfrm>
+            <a:off x="457200" y="274637"/>
+            <a:ext cx="8229600" cy="1143000"/>
+          </a:xfrm>
+          <a:prstGeom prst="rect">
+            <a:avLst/>
+          </a:prstGeom>
+        </p:spPr>
+        <p:txBody>
+          <a:bodyPr lIns="91425" tIns="91425" rIns="91425" bIns="91425" anchor="ctr" anchorCtr="0">
+            <a:spAutoFit/>
+          </a:bodyPr>
+          <a:lstStyle/>
+          <a:p>
+            <a:pPr>
+              <a:buNone/>
+            </a:pPr>
+            <a:r>
+              <a:rPr lang="de"/>
+              <a:t>Verhalten Ackley</a:t>
+            </a:r>
+          </a:p>
+        </p:txBody>
+      </p:sp>
+      <p:sp>
+        <p:nvSpPr>
+          <p:cNvPr id="90" name="Shape 90"/>
+          <p:cNvSpPr txBox="1">
+            <a:spLocks noGrp="1"/>
+          </p:cNvSpPr>
+          <p:nvPr>
+            <p:ph type="body" idx="1"/>
+          </p:nvPr>
+        </p:nvSpPr>
+        <p:spPr>
+          <a:xfrm>
+            <a:off x="457200" y="1600200"/>
+            <a:ext cx="8229600" cy="4967700"/>
+          </a:xfrm>
+          <a:prstGeom prst="rect">
+            <a:avLst/>
+          </a:prstGeom>
+        </p:spPr>
+        <p:txBody>
+          <a:bodyPr lIns="91425" tIns="91425" rIns="91425" bIns="91425" anchor="t" anchorCtr="0">
+            <a:spAutoFit/>
+          </a:bodyPr>
+          <a:lstStyle/>
+          <a:p>
+            <a:endParaRPr/>
+          </a:p>
+        </p:txBody>
+      </p:sp>
+      <p:sp>
+        <p:nvSpPr>
+          <p:cNvPr id="91" name="Shape 91"/>
+          <p:cNvSpPr/>
+          <p:nvPr/>
+        </p:nvSpPr>
+        <p:spPr>
+          <a:xfrm>
+            <a:off x="0" y="2711479"/>
+            <a:ext cx="9144000" cy="3856420"/>
+          </a:xfrm>
+          <a:prstGeom prst="rect">
+            <a:avLst/>
+          </a:prstGeom>
+          <a:blipFill>
+            <a:blip r:embed="rId3"/>
+            <a:stretch>
+              <a:fillRect/>
+            </a:stretch>
+          </a:blipFill>
+          <a:ln>
+            <a:noFill/>
+          </a:ln>
+        </p:spPr>
+      </p:sp>
+    </p:spTree>
+  </p:cSld>
+  <p:clrMapOvr>
+    <a:masterClrMapping/>
+  </p:clrMapOvr>
+  <mc:AlternateContent xmlns:mc="http://schemas.openxmlformats.org/markup-compatibility/2006" xmlns:p14="http://schemas.microsoft.com/office/powerpoint/2010/main">
+    <mc:Choice Requires="p14">
+      <p:transition spd="med" p14:dur="700">
+        <p:fade/>
+      </p:transition>
+    </mc:Choice>
+    <mc:Fallback xmlns="">
+      <p:transition spd="med">
+        <p:fade/>
+      </p:transition>
+    </mc:Fallback>
+  </mc:AlternateContent>
+  <p:timing>
+    <p:tnLst>
+      <p:par>
+        <p:cTn id="1" dur="indefinite" restart="never" nodeType="tmRoot"/>
+      </p:par>
+    </p:tnLst>
+  </p:timing>
+</p:sld>
+</file>
+
+<file path=ppt/slides/slide8.xml><?xml version="1.0" encoding="utf-8"?>
+<p:sld xmlns:a="http://schemas.openxmlformats.org/drawingml/2006/main" xmlns:r="http://schemas.openxmlformats.org/officeDocument/2006/relationships" xmlns:p="http://schemas.openxmlformats.org/presentationml/2006/main">
+  <p:cSld>
+    <p:spTree>
+      <p:nvGrpSpPr>
+        <p:cNvPr id="1" name=""/>
+        <p:cNvGrpSpPr/>
+        <p:nvPr/>
+      </p:nvGrpSpPr>
+      <p:grpSpPr>
+        <a:xfrm>
+          <a:off x="0" y="0"/>
+          <a:ext cx="0" cy="0"/>
+          <a:chOff x="0" y="0"/>
+          <a:chExt cx="0" cy="0"/>
+        </a:xfrm>
+      </p:grpSpPr>
+      <p:sp>
+        <p:nvSpPr>
+          <p:cNvPr id="2" name="Titel 1"/>
+          <p:cNvSpPr>
+            <a:spLocks noGrp="1"/>
+          </p:cNvSpPr>
+          <p:nvPr>
+            <p:ph type="title"/>
+          </p:nvPr>
+        </p:nvSpPr>
+        <p:spPr/>
+        <p:txBody>
+          <a:bodyPr/>
+          <a:lstStyle/>
+          <a:p>
+            <a:r>
+              <a:rPr lang="de-DE" dirty="0" smtClean="0"/>
+              <a:t>Verhalten Ackley</a:t>
+            </a:r>
+            <a:endParaRPr lang="de-DE" dirty="0"/>
+          </a:p>
+        </p:txBody>
+      </p:sp>
+      <p:sp>
+        <p:nvSpPr>
+          <p:cNvPr id="3" name="Textplatzhalter 2"/>
+          <p:cNvSpPr>
+            <a:spLocks noGrp="1"/>
+          </p:cNvSpPr>
+          <p:nvPr>
+            <p:ph type="body" idx="1"/>
+          </p:nvPr>
+        </p:nvSpPr>
+        <p:spPr/>
+        <p:txBody>
+          <a:bodyPr/>
+          <a:lstStyle/>
+          <a:p>
+            <a:endParaRPr lang="de-DE" dirty="0"/>
+          </a:p>
+        </p:txBody>
+      </p:sp>
+      <p:pic>
+        <p:nvPicPr>
+          <p:cNvPr id="2050" name="Picture 2" descr="../_images/ackley.png"/>
+          <p:cNvPicPr>
+            <a:picLocks noChangeAspect="1" noChangeArrowheads="1"/>
+          </p:cNvPicPr>
+          <p:nvPr/>
+        </p:nvPicPr>
+        <p:blipFill>
+          <a:blip r:embed="rId2">
+            <a:extLst>
+              <a:ext uri="{28A0092B-C50C-407E-A947-70E740481C1C}">
+                <a14:useLocalDpi xmlns:a14="http://schemas.microsoft.com/office/drawing/2010/main" val="0"/>
+              </a:ext>
+            </a:extLst>
+          </a:blip>
+          <a:srcRect/>
+          <a:stretch>
+            <a:fillRect/>
+          </a:stretch>
+        </p:blipFill>
+        <p:spPr bwMode="auto">
+          <a:xfrm>
+            <a:off x="1187624" y="1565412"/>
+            <a:ext cx="7056784" cy="5292588"/>
+          </a:xfrm>
+          <a:prstGeom prst="rect">
+            <a:avLst/>
+          </a:prstGeom>
+          <a:noFill/>
+          <a:extLst>
+            <a:ext uri="{909E8E84-426E-40DD-AFC4-6F175D3DCCD1}">
+              <a14:hiddenFill xmlns:a14="http://schemas.microsoft.com/office/drawing/2010/main">
+                <a:solidFill>
+                  <a:srgbClr val="FFFFFF"/>
+                </a:solidFill>
+              </a14:hiddenFill>
+            </a:ext>
+          </a:extLst>
+        </p:spPr>
+      </p:pic>
+      <p:pic>
+        <p:nvPicPr>
+          <p:cNvPr id="2052" name="Picture 4" descr="f_{\text{Ackley}}(\mathbf{x}) = 20 - 20\exp\left(-0.2\sqrt{\frac{1}{N}                             \sum_{i=1}^N x_i^2} \right)                            + e -                             \exp\left(\frac{1}{N}\sum_{i=1}^N \cos(2\pi x_i)                             \right)"/>
+          <p:cNvPicPr>
+            <a:picLocks noChangeAspect="1" noChangeArrowheads="1"/>
+          </p:cNvPicPr>
+          <p:nvPr/>
+        </p:nvPicPr>
+        <p:blipFill>
+          <a:blip r:embed="rId3">
+            <a:extLst>
+              <a:ext uri="{28A0092B-C50C-407E-A947-70E740481C1C}">
+                <a14:useLocalDpi xmlns:a14="http://schemas.microsoft.com/office/drawing/2010/main" val="0"/>
+              </a:ext>
+            </a:extLst>
+          </a:blip>
+          <a:srcRect/>
+          <a:stretch>
+            <a:fillRect/>
+          </a:stretch>
+        </p:blipFill>
+        <p:spPr bwMode="auto">
+          <a:xfrm>
+            <a:off x="323528" y="1565412"/>
+            <a:ext cx="5372100" cy="428626"/>
+          </a:xfrm>
+          <a:prstGeom prst="rect">
+            <a:avLst/>
+          </a:prstGeom>
+          <a:noFill/>
+          <a:extLst>
+            <a:ext uri="{909E8E84-426E-40DD-AFC4-6F175D3DCCD1}">
+              <a14:hiddenFill xmlns:a14="http://schemas.microsoft.com/office/drawing/2010/main">
+                <a:solidFill>
+                  <a:srgbClr val="FFFFFF"/>
+                </a:solidFill>
+              </a14:hiddenFill>
+            </a:ext>
+          </a:extLst>
+        </p:spPr>
+      </p:pic>
+    </p:spTree>
+    <p:extLst>
+      <p:ext uri="{BB962C8B-B14F-4D97-AF65-F5344CB8AC3E}">
+        <p14:creationId xmlns:p14="http://schemas.microsoft.com/office/powerpoint/2010/main" val="797349520"/>
+      </p:ext>
+    </p:extLst>
+  </p:cSld>
+  <p:clrMapOvr>
+    <a:masterClrMapping/>
+  </p:clrMapOvr>
+  <p:timing>
+    <p:tnLst>
+      <p:par>
+        <p:cTn id="1" dur="indefinite" restart="never" nodeType="tmRoot"/>
+      </p:par>
+    </p:tnLst>
+  </p:timing>
+</p:sld>
+</file>
+
+<file path=ppt/slides/slide9.xml><?xml version="1.0" encoding="utf-8"?>
+<p:sld xmlns:a="http://schemas.openxmlformats.org/drawingml/2006/main" xmlns:r="http://schemas.openxmlformats.org/officeDocument/2006/relationships" xmlns:p="http://schemas.openxmlformats.org/presentationml/2006/main">
+  <p:cSld>
+    <p:spTree>
+      <p:nvGrpSpPr>
+        <p:cNvPr id="1" name="Shape 95"/>
+        <p:cNvGrpSpPr/>
+        <p:nvPr/>
+      </p:nvGrpSpPr>
+      <p:grpSpPr>
+        <a:xfrm>
+          <a:off x="0" y="0"/>
+          <a:ext cx="0" cy="0"/>
+          <a:chOff x="0" y="0"/>
+          <a:chExt cx="0" cy="0"/>
+        </a:xfrm>
+      </p:grpSpPr>
+      <p:sp>
+        <p:nvSpPr>
+          <p:cNvPr id="96" name="Shape 96"/>
+          <p:cNvSpPr txBox="1">
+            <a:spLocks noGrp="1"/>
+          </p:cNvSpPr>
+          <p:nvPr>
+            <p:ph type="title"/>
+          </p:nvPr>
+        </p:nvSpPr>
+        <p:spPr>
+          <a:xfrm>
+            <a:off x="457200" y="274637"/>
+            <a:ext cx="8229600" cy="1143000"/>
+          </a:xfrm>
+          <a:prstGeom prst="rect">
+            <a:avLst/>
+          </a:prstGeom>
+        </p:spPr>
+        <p:txBody>
+          <a:bodyPr lIns="91425" tIns="91425" rIns="91425" bIns="91425" anchor="ctr" anchorCtr="0">
+            <a:spAutoFit/>
+          </a:bodyPr>
+          <a:lstStyle/>
+          <a:p>
+            <a:pPr>
+              <a:buNone/>
+            </a:pPr>
+            <a:r>
+              <a:rPr lang="de"/>
+              <a:t>Verhalten C-Funktion</a:t>
+            </a:r>
+          </a:p>
+        </p:txBody>
+      </p:sp>
+      <p:sp>
+        <p:nvSpPr>
+          <p:cNvPr id="97" name="Shape 97"/>
+          <p:cNvSpPr txBox="1">
+            <a:spLocks noGrp="1"/>
+          </p:cNvSpPr>
+          <p:nvPr>
+            <p:ph type="body" idx="1"/>
+          </p:nvPr>
+        </p:nvSpPr>
+        <p:spPr>
+          <a:xfrm>
+            <a:off x="457200" y="1600200"/>
+            <a:ext cx="8229600" cy="4967700"/>
+          </a:xfrm>
+          <a:prstGeom prst="rect">
+            <a:avLst/>
+          </a:prstGeom>
+        </p:spPr>
+        <p:txBody>
+          <a:bodyPr lIns="91425" tIns="91425" rIns="91425" bIns="91425" anchor="t" anchorCtr="0">
+            <a:spAutoFit/>
+          </a:bodyPr>
+          <a:lstStyle/>
+          <a:p>
+            <a:endParaRPr/>
+          </a:p>
+        </p:txBody>
+      </p:sp>
+      <p:sp>
+        <p:nvSpPr>
+          <p:cNvPr id="98" name="Shape 98"/>
+          <p:cNvSpPr/>
+          <p:nvPr/>
+        </p:nvSpPr>
+        <p:spPr>
+          <a:xfrm>
+            <a:off x="0" y="2564904"/>
+            <a:ext cx="9144001" cy="3941842"/>
+          </a:xfrm>
+          <a:prstGeom prst="rect">
+            <a:avLst/>
+          </a:prstGeom>
+          <a:blipFill>
+            <a:blip r:embed="rId3"/>
+            <a:stretch>
+              <a:fillRect/>
+            </a:stretch>
+          </a:blipFill>
+          <a:ln>
+            <a:noFill/>
+          </a:ln>
+        </p:spPr>
+      </p:sp>
+    </p:spTree>
+  </p:cSld>
+  <p:clrMapOvr>
+    <a:masterClrMapping/>
+  </p:clrMapOvr>
+  <mc:AlternateContent xmlns:mc="http://schemas.openxmlformats.org/markup-compatibility/2006" xmlns:p14="http://schemas.microsoft.com/office/powerpoint/2010/main">
+    <mc:Choice Requires="p14">
+      <p:transition spd="med" p14:dur="700">
+        <p:fade/>
+      </p:transition>
+    </mc:Choice>
+    <mc:Fallback xmlns="">
       <p:transition spd="med">
         <p:fade/>
       </p:transition>

--- a/evolotionaereAlgorithmen/trunk/SystemOfEquations/Ergebnisse/Präsi/Einführung.pptx
+++ b/evolotionaereAlgorithmen/trunk/SystemOfEquations/Ergebnisse/Präsi/Einführung.pptx
@@ -3,24 +3,26 @@
 <p:presentation xmlns:a="http://schemas.openxmlformats.org/drawingml/2006/main" xmlns:r="http://schemas.openxmlformats.org/officeDocument/2006/relationships" xmlns:p="http://schemas.openxmlformats.org/presentationml/2006/main" saveSubsetFonts="1" autoCompressPictures="0">
   <p:sldMasterIdLst>
     <p:sldMasterId id="2147483660" r:id="rId1"/>
-    <p:sldMasterId id="2147483661" r:id="rId2"/>
   </p:sldMasterIdLst>
   <p:notesMasterIdLst>
-    <p:notesMasterId r:id="rId15"/>
+    <p:notesMasterId r:id="rId17"/>
   </p:notesMasterIdLst>
   <p:sldIdLst>
-    <p:sldId id="256" r:id="rId3"/>
-    <p:sldId id="257" r:id="rId4"/>
-    <p:sldId id="258" r:id="rId5"/>
-    <p:sldId id="259" r:id="rId6"/>
-    <p:sldId id="260" r:id="rId7"/>
-    <p:sldId id="267" r:id="rId8"/>
-    <p:sldId id="261" r:id="rId9"/>
-    <p:sldId id="266" r:id="rId10"/>
-    <p:sldId id="262" r:id="rId11"/>
-    <p:sldId id="265" r:id="rId12"/>
+    <p:sldId id="256" r:id="rId2"/>
+    <p:sldId id="257" r:id="rId3"/>
+    <p:sldId id="258" r:id="rId4"/>
+    <p:sldId id="259" r:id="rId5"/>
+    <p:sldId id="260" r:id="rId6"/>
+    <p:sldId id="267" r:id="rId7"/>
+    <p:sldId id="261" r:id="rId8"/>
+    <p:sldId id="266" r:id="rId9"/>
+    <p:sldId id="262" r:id="rId10"/>
+    <p:sldId id="265" r:id="rId11"/>
+    <p:sldId id="268" r:id="rId12"/>
     <p:sldId id="263" r:id="rId13"/>
-    <p:sldId id="264" r:id="rId14"/>
+    <p:sldId id="270" r:id="rId14"/>
+    <p:sldId id="269" r:id="rId15"/>
+    <p:sldId id="264" r:id="rId16"/>
   </p:sldIdLst>
   <p:sldSz cx="9144000" cy="6858000" type="screen4x3"/>
   <p:notesSz cx="6858000" cy="9144000"/>
@@ -555,6 +557,71 @@
 </file>
 
 <file path=ppt/notesSlides/notesSlide10.xml><?xml version="1.0" encoding="utf-8"?>
+<p:notes xmlns:a="http://schemas.openxmlformats.org/drawingml/2006/main" xmlns:r="http://schemas.openxmlformats.org/officeDocument/2006/relationships" xmlns:p="http://schemas.openxmlformats.org/presentationml/2006/main">
+  <p:cSld>
+    <p:spTree>
+      <p:nvGrpSpPr>
+        <p:cNvPr id="1" name=""/>
+        <p:cNvGrpSpPr/>
+        <p:nvPr/>
+      </p:nvGrpSpPr>
+      <p:grpSpPr>
+        <a:xfrm>
+          <a:off x="0" y="0"/>
+          <a:ext cx="0" cy="0"/>
+          <a:chOff x="0" y="0"/>
+          <a:chExt cx="0" cy="0"/>
+        </a:xfrm>
+      </p:grpSpPr>
+      <p:sp>
+        <p:nvSpPr>
+          <p:cNvPr id="2" name="Folienbildplatzhalter 1"/>
+          <p:cNvSpPr>
+            <a:spLocks noGrp="1" noRot="1" noChangeAspect="1"/>
+          </p:cNvSpPr>
+          <p:nvPr>
+            <p:ph type="sldImg"/>
+          </p:nvPr>
+        </p:nvSpPr>
+        <p:spPr/>
+      </p:sp>
+      <p:sp>
+        <p:nvSpPr>
+          <p:cNvPr id="3" name="Notizenplatzhalter 2"/>
+          <p:cNvSpPr>
+            <a:spLocks noGrp="1"/>
+          </p:cNvSpPr>
+          <p:nvPr>
+            <p:ph type="body" idx="1"/>
+          </p:nvPr>
+        </p:nvSpPr>
+        <p:spPr/>
+        <p:txBody>
+          <a:bodyPr/>
+          <a:lstStyle/>
+          <a:p>
+            <a:r>
+              <a:rPr lang="de-DE" smtClean="0"/>
+              <a:t>Eventuell rausnehmen</a:t>
+            </a:r>
+            <a:endParaRPr lang="de-DE"/>
+          </a:p>
+        </p:txBody>
+      </p:sp>
+    </p:spTree>
+    <p:extLst>
+      <p:ext uri="{BB962C8B-B14F-4D97-AF65-F5344CB8AC3E}">
+        <p14:creationId xmlns:p14="http://schemas.microsoft.com/office/powerpoint/2010/main" val="1280242864"/>
+      </p:ext>
+    </p:extLst>
+  </p:cSld>
+  <p:clrMapOvr>
+    <a:masterClrMapping/>
+  </p:clrMapOvr>
+</p:notes>
+</file>
+
+<file path=ppt/notesSlides/notesSlide11.xml><?xml version="1.0" encoding="utf-8"?>
 <p:notes xmlns:a="http://schemas.openxmlformats.org/drawingml/2006/main" xmlns:r="http://schemas.openxmlformats.org/officeDocument/2006/relationships" xmlns:p="http://schemas.openxmlformats.org/presentationml/2006/main" showMasterSp="0" showMasterPhAnim="0">
   <p:cSld>
     <p:spTree>
@@ -2020,10 +2087,14 @@
           <a:lstStyle/>
           <a:p>
             <a:r>
-              <a:rPr lang="de-DE" dirty="0" smtClean="0"/>
+              <a:rPr lang="de-DE" dirty="0" smtClean="0">
+                <a:latin typeface="Georgia" pitchFamily="18" charset="0"/>
+              </a:rPr>
               <a:t>Dienstag, 14. August 2012</a:t>
             </a:r>
-            <a:endParaRPr lang="de-DE" dirty="0"/>
+            <a:endParaRPr lang="de-DE" dirty="0">
+              <a:latin typeface="Georgia" pitchFamily="18" charset="0"/>
+            </a:endParaRPr>
           </a:p>
         </p:txBody>
       </p:sp>
@@ -2192,517 +2263,6 @@
 </p:sldLayout>
 </file>
 
-<file path=ppt/slideLayouts/slideLayout10.xml><?xml version="1.0" encoding="utf-8"?>
-<p:sldLayout xmlns:a="http://schemas.openxmlformats.org/drawingml/2006/main" xmlns:r="http://schemas.openxmlformats.org/officeDocument/2006/relationships" xmlns:p="http://schemas.openxmlformats.org/presentationml/2006/main" matchingName="titleOnly" type="titleOnly">
-  <p:cSld name="titleOnly">
-    <p:spTree>
-      <p:nvGrpSpPr>
-        <p:cNvPr id="1" name="Shape 51"/>
-        <p:cNvGrpSpPr/>
-        <p:nvPr/>
-      </p:nvGrpSpPr>
-      <p:grpSpPr>
-        <a:xfrm>
-          <a:off x="0" y="0"/>
-          <a:ext cx="0" cy="0"/>
-          <a:chOff x="0" y="0"/>
-          <a:chExt cx="0" cy="0"/>
-        </a:xfrm>
-      </p:grpSpPr>
-      <p:sp>
-        <p:nvSpPr>
-          <p:cNvPr id="52" name="Shape 52"/>
-          <p:cNvSpPr txBox="1">
-            <a:spLocks noGrp="1"/>
-          </p:cNvSpPr>
-          <p:nvPr>
-            <p:ph type="title"/>
-          </p:nvPr>
-        </p:nvSpPr>
-        <p:spPr>
-          <a:xfrm>
-            <a:off x="457200" y="274637"/>
-            <a:ext cx="8229600" cy="1143000"/>
-          </a:xfrm>
-          <a:prstGeom prst="rect">
-            <a:avLst/>
-          </a:prstGeom>
-          <a:noFill/>
-          <a:ln>
-            <a:noFill/>
-          </a:ln>
-        </p:spPr>
-        <p:txBody>
-          <a:bodyPr lIns="91425" tIns="91425" rIns="91425" bIns="91425" anchor="b" anchorCtr="0"/>
-          <a:lstStyle>
-            <a:lvl1pPr algn="l" rtl="0">
-              <a:spcBef>
-                <a:spcPts val="0"/>
-              </a:spcBef>
-              <a:buSzPct val="100000"/>
-              <a:buFont typeface="Arial"/>
-              <a:buNone/>
-              <a:defRPr sz="3600" b="1">
-                <a:solidFill>
-                  <a:schemeClr val="dk1"/>
-                </a:solidFill>
-                <a:latin typeface="Arial"/>
-                <a:ea typeface="Arial"/>
-                <a:cs typeface="Arial"/>
-                <a:sym typeface="Arial"/>
-              </a:defRPr>
-            </a:lvl1pPr>
-            <a:lvl2pPr algn="l" rtl="0">
-              <a:spcBef>
-                <a:spcPts val="0"/>
-              </a:spcBef>
-              <a:buSzPct val="100000"/>
-              <a:buFont typeface="Arial"/>
-              <a:buNone/>
-              <a:defRPr sz="3600" b="1">
-                <a:solidFill>
-                  <a:schemeClr val="dk1"/>
-                </a:solidFill>
-                <a:latin typeface="Arial"/>
-                <a:ea typeface="Arial"/>
-                <a:cs typeface="Arial"/>
-                <a:sym typeface="Arial"/>
-              </a:defRPr>
-            </a:lvl2pPr>
-            <a:lvl3pPr algn="l" rtl="0">
-              <a:spcBef>
-                <a:spcPts val="0"/>
-              </a:spcBef>
-              <a:buSzPct val="100000"/>
-              <a:buFont typeface="Arial"/>
-              <a:buNone/>
-              <a:defRPr sz="3600" b="1">
-                <a:solidFill>
-                  <a:schemeClr val="dk1"/>
-                </a:solidFill>
-                <a:latin typeface="Arial"/>
-                <a:ea typeface="Arial"/>
-                <a:cs typeface="Arial"/>
-                <a:sym typeface="Arial"/>
-              </a:defRPr>
-            </a:lvl3pPr>
-            <a:lvl4pPr algn="l" rtl="0">
-              <a:spcBef>
-                <a:spcPts val="0"/>
-              </a:spcBef>
-              <a:buSzPct val="100000"/>
-              <a:buFont typeface="Arial"/>
-              <a:buNone/>
-              <a:defRPr sz="3600" b="1">
-                <a:solidFill>
-                  <a:schemeClr val="dk1"/>
-                </a:solidFill>
-                <a:latin typeface="Arial"/>
-                <a:ea typeface="Arial"/>
-                <a:cs typeface="Arial"/>
-                <a:sym typeface="Arial"/>
-              </a:defRPr>
-            </a:lvl4pPr>
-            <a:lvl5pPr algn="l" rtl="0">
-              <a:spcBef>
-                <a:spcPts val="0"/>
-              </a:spcBef>
-              <a:buSzPct val="100000"/>
-              <a:buFont typeface="Arial"/>
-              <a:buNone/>
-              <a:defRPr sz="3600" b="1">
-                <a:solidFill>
-                  <a:schemeClr val="dk1"/>
-                </a:solidFill>
-                <a:latin typeface="Arial"/>
-                <a:ea typeface="Arial"/>
-                <a:cs typeface="Arial"/>
-                <a:sym typeface="Arial"/>
-              </a:defRPr>
-            </a:lvl5pPr>
-            <a:lvl6pPr algn="l" rtl="0">
-              <a:spcBef>
-                <a:spcPts val="0"/>
-              </a:spcBef>
-              <a:buSzPct val="100000"/>
-              <a:buFont typeface="Arial"/>
-              <a:buNone/>
-              <a:defRPr sz="3600" b="1">
-                <a:solidFill>
-                  <a:schemeClr val="dk1"/>
-                </a:solidFill>
-                <a:latin typeface="Arial"/>
-                <a:ea typeface="Arial"/>
-                <a:cs typeface="Arial"/>
-                <a:sym typeface="Arial"/>
-              </a:defRPr>
-            </a:lvl6pPr>
-            <a:lvl7pPr algn="l" rtl="0">
-              <a:spcBef>
-                <a:spcPts val="0"/>
-              </a:spcBef>
-              <a:buSzPct val="100000"/>
-              <a:buFont typeface="Arial"/>
-              <a:buNone/>
-              <a:defRPr sz="3600" b="1">
-                <a:solidFill>
-                  <a:schemeClr val="dk1"/>
-                </a:solidFill>
-                <a:latin typeface="Arial"/>
-                <a:ea typeface="Arial"/>
-                <a:cs typeface="Arial"/>
-                <a:sym typeface="Arial"/>
-              </a:defRPr>
-            </a:lvl7pPr>
-            <a:lvl8pPr algn="l" rtl="0">
-              <a:spcBef>
-                <a:spcPts val="0"/>
-              </a:spcBef>
-              <a:buSzPct val="100000"/>
-              <a:buFont typeface="Arial"/>
-              <a:buNone/>
-              <a:defRPr sz="3600" b="1">
-                <a:solidFill>
-                  <a:schemeClr val="dk1"/>
-                </a:solidFill>
-                <a:latin typeface="Arial"/>
-                <a:ea typeface="Arial"/>
-                <a:cs typeface="Arial"/>
-                <a:sym typeface="Arial"/>
-              </a:defRPr>
-            </a:lvl8pPr>
-            <a:lvl9pPr algn="l" rtl="0">
-              <a:spcBef>
-                <a:spcPts val="0"/>
-              </a:spcBef>
-              <a:buSzPct val="100000"/>
-              <a:buFont typeface="Arial"/>
-              <a:buNone/>
-              <a:defRPr sz="3600" b="1">
-                <a:solidFill>
-                  <a:schemeClr val="dk1"/>
-                </a:solidFill>
-                <a:latin typeface="Arial"/>
-                <a:ea typeface="Arial"/>
-                <a:cs typeface="Arial"/>
-                <a:sym typeface="Arial"/>
-              </a:defRPr>
-            </a:lvl9pPr>
-          </a:lstStyle>
-          <a:p>
-            <a:endParaRPr/>
-          </a:p>
-        </p:txBody>
-      </p:sp>
-    </p:spTree>
-  </p:cSld>
-  <p:clrMapOvr>
-    <a:masterClrMapping/>
-  </p:clrMapOvr>
-  <p:timing>
-    <p:tnLst>
-      <p:par>
-        <p:cTn id="1" dur="indefinite" restart="never" nodeType="tmRoot"/>
-      </p:par>
-    </p:tnLst>
-  </p:timing>
-</p:sldLayout>
-</file>
-
-<file path=ppt/slideLayouts/slideLayout11.xml><?xml version="1.0" encoding="utf-8"?>
-<p:sldLayout xmlns:a="http://schemas.openxmlformats.org/drawingml/2006/main" xmlns:r="http://schemas.openxmlformats.org/officeDocument/2006/relationships" xmlns:p="http://schemas.openxmlformats.org/presentationml/2006/main" matchingName="CAPTION_ONLY">
-  <p:cSld name="CAPTION_ONLY">
-    <p:spTree>
-      <p:nvGrpSpPr>
-        <p:cNvPr id="1" name="Shape 53"/>
-        <p:cNvGrpSpPr/>
-        <p:nvPr/>
-      </p:nvGrpSpPr>
-      <p:grpSpPr>
-        <a:xfrm>
-          <a:off x="0" y="0"/>
-          <a:ext cx="0" cy="0"/>
-          <a:chOff x="0" y="0"/>
-          <a:chExt cx="0" cy="0"/>
-        </a:xfrm>
-      </p:grpSpPr>
-      <p:sp>
-        <p:nvSpPr>
-          <p:cNvPr id="54" name="Shape 54"/>
-          <p:cNvSpPr txBox="1">
-            <a:spLocks noGrp="1"/>
-          </p:cNvSpPr>
-          <p:nvPr>
-            <p:ph type="body" idx="1"/>
-          </p:nvPr>
-        </p:nvSpPr>
-        <p:spPr>
-          <a:xfrm>
-            <a:off x="457200" y="5875078"/>
-            <a:ext cx="8229600" cy="692693"/>
-          </a:xfrm>
-          <a:prstGeom prst="rect">
-            <a:avLst/>
-          </a:prstGeom>
-          <a:noFill/>
-          <a:ln>
-            <a:noFill/>
-          </a:ln>
-        </p:spPr>
-        <p:txBody>
-          <a:bodyPr lIns="91425" tIns="91425" rIns="91425" bIns="91425" anchor="t" anchorCtr="0"/>
-          <a:lstStyle>
-            <a:lvl1pPr marL="285750" indent="-285750" algn="ctr" rtl="0">
-              <a:lnSpc>
-                <a:spcPct val="100000"/>
-              </a:lnSpc>
-              <a:spcBef>
-                <a:spcPts val="360"/>
-              </a:spcBef>
-              <a:spcAft>
-                <a:spcPts val="0"/>
-              </a:spcAft>
-              <a:buClr>
-                <a:schemeClr val="dk1"/>
-              </a:buClr>
-              <a:buSzPct val="166666"/>
-              <a:buFont typeface="Arial"/>
-              <a:buChar char="•"/>
-              <a:defRPr sz="1800">
-                <a:solidFill>
-                  <a:schemeClr val="dk1"/>
-                </a:solidFill>
-              </a:defRPr>
-            </a:lvl1pPr>
-            <a:lvl2pPr marL="285750" indent="-285750" algn="ctr" rtl="0">
-              <a:lnSpc>
-                <a:spcPct val="100000"/>
-              </a:lnSpc>
-              <a:spcBef>
-                <a:spcPts val="360"/>
-              </a:spcBef>
-              <a:spcAft>
-                <a:spcPts val="0"/>
-              </a:spcAft>
-              <a:buClr>
-                <a:schemeClr val="dk1"/>
-              </a:buClr>
-              <a:buSzPct val="100000"/>
-              <a:buFont typeface="Courier New"/>
-              <a:buChar char="o"/>
-              <a:defRPr sz="1800">
-                <a:solidFill>
-                  <a:schemeClr val="dk1"/>
-                </a:solidFill>
-              </a:defRPr>
-            </a:lvl2pPr>
-            <a:lvl3pPr marL="285750" indent="-285750" algn="ctr" rtl="0">
-              <a:lnSpc>
-                <a:spcPct val="100000"/>
-              </a:lnSpc>
-              <a:spcBef>
-                <a:spcPts val="360"/>
-              </a:spcBef>
-              <a:spcAft>
-                <a:spcPts val="0"/>
-              </a:spcAft>
-              <a:buClr>
-                <a:schemeClr val="dk1"/>
-              </a:buClr>
-              <a:buSzPct val="100000"/>
-              <a:buFont typeface="Wingdings"/>
-              <a:buChar char="§"/>
-              <a:defRPr sz="1800">
-                <a:solidFill>
-                  <a:schemeClr val="dk1"/>
-                </a:solidFill>
-              </a:defRPr>
-            </a:lvl3pPr>
-            <a:lvl4pPr marL="285750" indent="-285750" algn="ctr" rtl="0">
-              <a:lnSpc>
-                <a:spcPct val="100000"/>
-              </a:lnSpc>
-              <a:spcBef>
-                <a:spcPts val="360"/>
-              </a:spcBef>
-              <a:spcAft>
-                <a:spcPts val="0"/>
-              </a:spcAft>
-              <a:buClr>
-                <a:schemeClr val="dk1"/>
-              </a:buClr>
-              <a:buSzPct val="166666"/>
-              <a:buFont typeface="Arial"/>
-              <a:buChar char="•"/>
-              <a:defRPr sz="1800">
-                <a:solidFill>
-                  <a:schemeClr val="dk1"/>
-                </a:solidFill>
-              </a:defRPr>
-            </a:lvl4pPr>
-            <a:lvl5pPr marL="285750" indent="-285750" algn="ctr" rtl="0">
-              <a:lnSpc>
-                <a:spcPct val="100000"/>
-              </a:lnSpc>
-              <a:spcBef>
-                <a:spcPts val="360"/>
-              </a:spcBef>
-              <a:spcAft>
-                <a:spcPts val="0"/>
-              </a:spcAft>
-              <a:buClr>
-                <a:schemeClr val="dk1"/>
-              </a:buClr>
-              <a:buSzPct val="100000"/>
-              <a:buFont typeface="Courier New"/>
-              <a:buChar char="o"/>
-              <a:defRPr sz="1800">
-                <a:solidFill>
-                  <a:schemeClr val="dk1"/>
-                </a:solidFill>
-              </a:defRPr>
-            </a:lvl5pPr>
-            <a:lvl6pPr marL="285750" indent="-285750" algn="ctr" rtl="0">
-              <a:lnSpc>
-                <a:spcPct val="100000"/>
-              </a:lnSpc>
-              <a:spcBef>
-                <a:spcPts val="360"/>
-              </a:spcBef>
-              <a:spcAft>
-                <a:spcPts val="0"/>
-              </a:spcAft>
-              <a:buClr>
-                <a:schemeClr val="dk1"/>
-              </a:buClr>
-              <a:buSzPct val="100000"/>
-              <a:buFont typeface="Wingdings"/>
-              <a:buChar char="§"/>
-              <a:defRPr sz="1800">
-                <a:solidFill>
-                  <a:schemeClr val="dk1"/>
-                </a:solidFill>
-              </a:defRPr>
-            </a:lvl6pPr>
-            <a:lvl7pPr marL="285750" indent="-285750" algn="ctr" rtl="0">
-              <a:lnSpc>
-                <a:spcPct val="100000"/>
-              </a:lnSpc>
-              <a:spcBef>
-                <a:spcPts val="360"/>
-              </a:spcBef>
-              <a:spcAft>
-                <a:spcPts val="0"/>
-              </a:spcAft>
-              <a:buClr>
-                <a:schemeClr val="dk1"/>
-              </a:buClr>
-              <a:buSzPct val="166666"/>
-              <a:buFont typeface="Arial"/>
-              <a:buChar char="•"/>
-              <a:defRPr sz="1800">
-                <a:solidFill>
-                  <a:schemeClr val="dk1"/>
-                </a:solidFill>
-              </a:defRPr>
-            </a:lvl7pPr>
-            <a:lvl8pPr marL="285750" indent="-285750" algn="ctr" rtl="0">
-              <a:lnSpc>
-                <a:spcPct val="100000"/>
-              </a:lnSpc>
-              <a:spcBef>
-                <a:spcPts val="360"/>
-              </a:spcBef>
-              <a:spcAft>
-                <a:spcPts val="0"/>
-              </a:spcAft>
-              <a:buClr>
-                <a:schemeClr val="dk1"/>
-              </a:buClr>
-              <a:buSzPct val="100000"/>
-              <a:buFont typeface="Courier New"/>
-              <a:buChar char="o"/>
-              <a:defRPr sz="1800">
-                <a:solidFill>
-                  <a:schemeClr val="dk1"/>
-                </a:solidFill>
-              </a:defRPr>
-            </a:lvl8pPr>
-            <a:lvl9pPr marL="285750" indent="-285750" algn="ctr" rtl="0">
-              <a:lnSpc>
-                <a:spcPct val="100000"/>
-              </a:lnSpc>
-              <a:spcBef>
-                <a:spcPts val="360"/>
-              </a:spcBef>
-              <a:spcAft>
-                <a:spcPts val="0"/>
-              </a:spcAft>
-              <a:buClr>
-                <a:schemeClr val="dk1"/>
-              </a:buClr>
-              <a:buSzPct val="100000"/>
-              <a:buFont typeface="Wingdings"/>
-              <a:buChar char="§"/>
-              <a:defRPr sz="1800">
-                <a:solidFill>
-                  <a:schemeClr val="dk1"/>
-                </a:solidFill>
-              </a:defRPr>
-            </a:lvl9pPr>
-          </a:lstStyle>
-          <a:p>
-            <a:endParaRPr/>
-          </a:p>
-        </p:txBody>
-      </p:sp>
-    </p:spTree>
-  </p:cSld>
-  <p:clrMapOvr>
-    <a:masterClrMapping/>
-  </p:clrMapOvr>
-  <p:timing>
-    <p:tnLst>
-      <p:par>
-        <p:cTn id="1" dur="indefinite" restart="never" nodeType="tmRoot"/>
-      </p:par>
-    </p:tnLst>
-  </p:timing>
-</p:sldLayout>
-</file>
-
-<file path=ppt/slideLayouts/slideLayout12.xml><?xml version="1.0" encoding="utf-8"?>
-<p:sldLayout xmlns:a="http://schemas.openxmlformats.org/drawingml/2006/main" xmlns:r="http://schemas.openxmlformats.org/officeDocument/2006/relationships" xmlns:p="http://schemas.openxmlformats.org/presentationml/2006/main" matchingName="blank" type="blank">
-  <p:cSld name="blank">
-    <p:spTree>
-      <p:nvGrpSpPr>
-        <p:cNvPr id="1" name="Shape 55"/>
-        <p:cNvGrpSpPr/>
-        <p:nvPr/>
-      </p:nvGrpSpPr>
-      <p:grpSpPr>
-        <a:xfrm>
-          <a:off x="0" y="0"/>
-          <a:ext cx="0" cy="0"/>
-          <a:chOff x="0" y="0"/>
-          <a:chExt cx="0" cy="0"/>
-        </a:xfrm>
-      </p:grpSpPr>
-    </p:spTree>
-  </p:cSld>
-  <p:clrMapOvr>
-    <a:masterClrMapping/>
-  </p:clrMapOvr>
-  <p:timing>
-    <p:tnLst>
-      <p:par>
-        <p:cTn id="1" dur="indefinite" restart="never" nodeType="tmRoot"/>
-      </p:par>
-    </p:tnLst>
-  </p:timing>
-</p:sldLayout>
-</file>
-
 <file path=ppt/slideLayouts/slideLayout2.xml><?xml version="1.0" encoding="utf-8"?>
 <p:sldLayout xmlns:a="http://schemas.openxmlformats.org/drawingml/2006/main" xmlns:r="http://schemas.openxmlformats.org/officeDocument/2006/relationships" xmlns:p="http://schemas.openxmlformats.org/presentationml/2006/main" matchingName="tx" userDrawn="1">
   <p:cSld name="tx">
@@ -3130,10 +2690,14 @@
           <a:lstStyle/>
           <a:p>
             <a:fld id="{5147181C-9E04-4FE9-8049-0C0CD2C68150}" type="slidenum">
-              <a:rPr lang="de-DE" smtClean="0"/>
+              <a:rPr lang="de-DE" smtClean="0">
+                <a:latin typeface="Georgia" pitchFamily="18" charset="0"/>
+              </a:rPr>
               <a:t>‹Nr.›</a:t>
             </a:fld>
-            <a:endParaRPr lang="de-DE" dirty="0"/>
+            <a:endParaRPr lang="de-DE" dirty="0">
+              <a:latin typeface="Georgia" pitchFamily="18" charset="0"/>
+            </a:endParaRPr>
           </a:p>
         </p:txBody>
       </p:sp>
@@ -4449,1127 +4013,6 @@
             <a:spAutoFit/>
           </a:bodyPr>
           <a:lstStyle/>
-          <a:p>
-            <a:endParaRPr/>
-          </a:p>
-        </p:txBody>
-      </p:sp>
-    </p:spTree>
-  </p:cSld>
-  <p:clrMapOvr>
-    <a:masterClrMapping/>
-  </p:clrMapOvr>
-  <p:timing>
-    <p:tnLst>
-      <p:par>
-        <p:cTn id="1" dur="indefinite" restart="never" nodeType="tmRoot"/>
-      </p:par>
-    </p:tnLst>
-  </p:timing>
-</p:sldLayout>
-</file>
-
-<file path=ppt/slideLayouts/slideLayout7.xml><?xml version="1.0" encoding="utf-8"?>
-<p:sldLayout xmlns:a="http://schemas.openxmlformats.org/drawingml/2006/main" xmlns:r="http://schemas.openxmlformats.org/officeDocument/2006/relationships" xmlns:p="http://schemas.openxmlformats.org/presentationml/2006/main" matchingName="title" type="title">
-  <p:cSld name="title">
-    <p:spTree>
-      <p:nvGrpSpPr>
-        <p:cNvPr id="1" name="Shape 41"/>
-        <p:cNvGrpSpPr/>
-        <p:nvPr/>
-      </p:nvGrpSpPr>
-      <p:grpSpPr>
-        <a:xfrm>
-          <a:off x="0" y="0"/>
-          <a:ext cx="0" cy="0"/>
-          <a:chOff x="0" y="0"/>
-          <a:chExt cx="0" cy="0"/>
-        </a:xfrm>
-      </p:grpSpPr>
-      <p:sp>
-        <p:nvSpPr>
-          <p:cNvPr id="42" name="Shape 42"/>
-          <p:cNvSpPr txBox="1">
-            <a:spLocks noGrp="1"/>
-          </p:cNvSpPr>
-          <p:nvPr>
-            <p:ph type="ctrTitle"/>
-          </p:nvPr>
-        </p:nvSpPr>
-        <p:spPr>
-          <a:xfrm>
-            <a:off x="685800" y="2111123"/>
-            <a:ext cx="7772400" cy="1546474"/>
-          </a:xfrm>
-          <a:prstGeom prst="rect">
-            <a:avLst/>
-          </a:prstGeom>
-          <a:noFill/>
-          <a:ln>
-            <a:noFill/>
-          </a:ln>
-        </p:spPr>
-        <p:txBody>
-          <a:bodyPr lIns="91425" tIns="91425" rIns="91425" bIns="91425" anchor="b" anchorCtr="0"/>
-          <a:lstStyle>
-            <a:lvl1pPr marL="0" indent="304800" algn="ctr" rtl="0">
-              <a:spcBef>
-                <a:spcPts val="0"/>
-              </a:spcBef>
-              <a:buClr>
-                <a:schemeClr val="dk1"/>
-              </a:buClr>
-              <a:buSzPct val="100000"/>
-              <a:buFont typeface="Arial"/>
-              <a:buNone/>
-              <a:defRPr sz="4800" b="1" i="0" u="none" strike="noStrike" cap="none" baseline="0">
-                <a:solidFill>
-                  <a:schemeClr val="dk1"/>
-                </a:solidFill>
-                <a:latin typeface="Arial"/>
-                <a:ea typeface="Arial"/>
-                <a:cs typeface="Arial"/>
-                <a:sym typeface="Arial"/>
-              </a:defRPr>
-            </a:lvl1pPr>
-            <a:lvl2pPr marL="0" indent="304800" algn="ctr" rtl="0">
-              <a:spcBef>
-                <a:spcPts val="0"/>
-              </a:spcBef>
-              <a:buClr>
-                <a:schemeClr val="dk1"/>
-              </a:buClr>
-              <a:buSzPct val="100000"/>
-              <a:buFont typeface="Arial"/>
-              <a:buNone/>
-              <a:defRPr sz="4800" b="1" i="0" u="none" strike="noStrike" cap="none" baseline="0">
-                <a:solidFill>
-                  <a:schemeClr val="dk1"/>
-                </a:solidFill>
-                <a:latin typeface="Arial"/>
-                <a:ea typeface="Arial"/>
-                <a:cs typeface="Arial"/>
-                <a:sym typeface="Arial"/>
-              </a:defRPr>
-            </a:lvl2pPr>
-            <a:lvl3pPr marL="0" indent="304800" algn="ctr" rtl="0">
-              <a:spcBef>
-                <a:spcPts val="0"/>
-              </a:spcBef>
-              <a:buClr>
-                <a:schemeClr val="dk1"/>
-              </a:buClr>
-              <a:buSzPct val="100000"/>
-              <a:buFont typeface="Arial"/>
-              <a:buNone/>
-              <a:defRPr sz="4800" b="1" i="0" u="none" strike="noStrike" cap="none" baseline="0">
-                <a:solidFill>
-                  <a:schemeClr val="dk1"/>
-                </a:solidFill>
-                <a:latin typeface="Arial"/>
-                <a:ea typeface="Arial"/>
-                <a:cs typeface="Arial"/>
-                <a:sym typeface="Arial"/>
-              </a:defRPr>
-            </a:lvl3pPr>
-            <a:lvl4pPr marL="0" indent="304800" algn="ctr" rtl="0">
-              <a:spcBef>
-                <a:spcPts val="0"/>
-              </a:spcBef>
-              <a:buClr>
-                <a:schemeClr val="dk1"/>
-              </a:buClr>
-              <a:buSzPct val="100000"/>
-              <a:buFont typeface="Arial"/>
-              <a:buNone/>
-              <a:defRPr sz="4800" b="1" i="0" u="none" strike="noStrike" cap="none" baseline="0">
-                <a:solidFill>
-                  <a:schemeClr val="dk1"/>
-                </a:solidFill>
-                <a:latin typeface="Arial"/>
-                <a:ea typeface="Arial"/>
-                <a:cs typeface="Arial"/>
-                <a:sym typeface="Arial"/>
-              </a:defRPr>
-            </a:lvl4pPr>
-            <a:lvl5pPr marL="0" indent="304800" algn="ctr" rtl="0">
-              <a:spcBef>
-                <a:spcPts val="0"/>
-              </a:spcBef>
-              <a:buClr>
-                <a:schemeClr val="dk1"/>
-              </a:buClr>
-              <a:buSzPct val="100000"/>
-              <a:buFont typeface="Arial"/>
-              <a:buNone/>
-              <a:defRPr sz="4800" b="1" i="0" u="none" strike="noStrike" cap="none" baseline="0">
-                <a:solidFill>
-                  <a:schemeClr val="dk1"/>
-                </a:solidFill>
-                <a:latin typeface="Arial"/>
-                <a:ea typeface="Arial"/>
-                <a:cs typeface="Arial"/>
-                <a:sym typeface="Arial"/>
-              </a:defRPr>
-            </a:lvl5pPr>
-            <a:lvl6pPr marL="0" indent="304800" algn="ctr" rtl="0">
-              <a:spcBef>
-                <a:spcPts val="0"/>
-              </a:spcBef>
-              <a:buClr>
-                <a:schemeClr val="dk1"/>
-              </a:buClr>
-              <a:buSzPct val="100000"/>
-              <a:buFont typeface="Arial"/>
-              <a:buNone/>
-              <a:defRPr sz="4800" b="1" i="0" u="none" strike="noStrike" cap="none" baseline="0">
-                <a:solidFill>
-                  <a:schemeClr val="dk1"/>
-                </a:solidFill>
-                <a:latin typeface="Arial"/>
-                <a:ea typeface="Arial"/>
-                <a:cs typeface="Arial"/>
-                <a:sym typeface="Arial"/>
-              </a:defRPr>
-            </a:lvl6pPr>
-            <a:lvl7pPr marL="0" indent="304800" algn="ctr" rtl="0">
-              <a:spcBef>
-                <a:spcPts val="0"/>
-              </a:spcBef>
-              <a:buClr>
-                <a:schemeClr val="dk1"/>
-              </a:buClr>
-              <a:buSzPct val="100000"/>
-              <a:buFont typeface="Arial"/>
-              <a:buNone/>
-              <a:defRPr sz="4800" b="1" i="0" u="none" strike="noStrike" cap="none" baseline="0">
-                <a:solidFill>
-                  <a:schemeClr val="dk1"/>
-                </a:solidFill>
-                <a:latin typeface="Arial"/>
-                <a:ea typeface="Arial"/>
-                <a:cs typeface="Arial"/>
-                <a:sym typeface="Arial"/>
-              </a:defRPr>
-            </a:lvl7pPr>
-            <a:lvl8pPr marL="0" indent="304800" algn="ctr" rtl="0">
-              <a:spcBef>
-                <a:spcPts val="0"/>
-              </a:spcBef>
-              <a:buClr>
-                <a:schemeClr val="dk1"/>
-              </a:buClr>
-              <a:buSzPct val="100000"/>
-              <a:buFont typeface="Arial"/>
-              <a:buNone/>
-              <a:defRPr sz="4800" b="1" i="0" u="none" strike="noStrike" cap="none" baseline="0">
-                <a:solidFill>
-                  <a:schemeClr val="dk1"/>
-                </a:solidFill>
-                <a:latin typeface="Arial"/>
-                <a:ea typeface="Arial"/>
-                <a:cs typeface="Arial"/>
-                <a:sym typeface="Arial"/>
-              </a:defRPr>
-            </a:lvl8pPr>
-            <a:lvl9pPr marL="0" indent="304800" algn="ctr" rtl="0">
-              <a:spcBef>
-                <a:spcPts val="0"/>
-              </a:spcBef>
-              <a:buClr>
-                <a:schemeClr val="dk1"/>
-              </a:buClr>
-              <a:buSzPct val="100000"/>
-              <a:buFont typeface="Arial"/>
-              <a:buNone/>
-              <a:defRPr sz="4800" b="1" i="0" u="none" strike="noStrike" cap="none" baseline="0">
-                <a:solidFill>
-                  <a:schemeClr val="dk1"/>
-                </a:solidFill>
-                <a:latin typeface="Arial"/>
-                <a:ea typeface="Arial"/>
-                <a:cs typeface="Arial"/>
-                <a:sym typeface="Arial"/>
-              </a:defRPr>
-            </a:lvl9pPr>
-          </a:lstStyle>
-          <a:p>
-            <a:endParaRPr/>
-          </a:p>
-        </p:txBody>
-      </p:sp>
-      <p:sp>
-        <p:nvSpPr>
-          <p:cNvPr id="43" name="Shape 43"/>
-          <p:cNvSpPr txBox="1">
-            <a:spLocks noGrp="1"/>
-          </p:cNvSpPr>
-          <p:nvPr>
-            <p:ph type="subTitle" idx="1"/>
-          </p:nvPr>
-        </p:nvSpPr>
-        <p:spPr>
-          <a:xfrm>
-            <a:off x="685800" y="3786737"/>
-            <a:ext cx="7772400" cy="1046317"/>
-          </a:xfrm>
-          <a:prstGeom prst="rect">
-            <a:avLst/>
-          </a:prstGeom>
-          <a:noFill/>
-          <a:ln>
-            <a:noFill/>
-          </a:ln>
-        </p:spPr>
-        <p:txBody>
-          <a:bodyPr lIns="91425" tIns="91425" rIns="91425" bIns="91425" anchor="t" anchorCtr="0"/>
-          <a:lstStyle>
-            <a:lvl1pPr marL="0" indent="190500" algn="ctr" rtl="0">
-              <a:lnSpc>
-                <a:spcPct val="100000"/>
-              </a:lnSpc>
-              <a:spcBef>
-                <a:spcPts val="0"/>
-              </a:spcBef>
-              <a:spcAft>
-                <a:spcPts val="0"/>
-              </a:spcAft>
-              <a:buClr>
-                <a:schemeClr val="dk2"/>
-              </a:buClr>
-              <a:buSzPct val="100000"/>
-              <a:buFont typeface="Arial"/>
-              <a:buNone/>
-              <a:defRPr sz="3000" b="0" i="0" u="none" strike="noStrike" cap="none" baseline="0">
-                <a:solidFill>
-                  <a:schemeClr val="dk2"/>
-                </a:solidFill>
-                <a:latin typeface="Arial"/>
-                <a:ea typeface="Arial"/>
-                <a:cs typeface="Arial"/>
-                <a:sym typeface="Arial"/>
-              </a:defRPr>
-            </a:lvl1pPr>
-            <a:lvl2pPr marL="0" indent="190500" algn="ctr" rtl="0">
-              <a:lnSpc>
-                <a:spcPct val="100000"/>
-              </a:lnSpc>
-              <a:spcBef>
-                <a:spcPts val="0"/>
-              </a:spcBef>
-              <a:spcAft>
-                <a:spcPts val="0"/>
-              </a:spcAft>
-              <a:buClr>
-                <a:schemeClr val="dk2"/>
-              </a:buClr>
-              <a:buSzPct val="100000"/>
-              <a:buFont typeface="Arial"/>
-              <a:buNone/>
-              <a:defRPr sz="3000" b="0" i="0" u="none" strike="noStrike" cap="none" baseline="0">
-                <a:solidFill>
-                  <a:schemeClr val="dk2"/>
-                </a:solidFill>
-                <a:latin typeface="Arial"/>
-                <a:ea typeface="Arial"/>
-                <a:cs typeface="Arial"/>
-                <a:sym typeface="Arial"/>
-              </a:defRPr>
-            </a:lvl2pPr>
-            <a:lvl3pPr marL="0" indent="190500" algn="ctr" rtl="0">
-              <a:lnSpc>
-                <a:spcPct val="100000"/>
-              </a:lnSpc>
-              <a:spcBef>
-                <a:spcPts val="0"/>
-              </a:spcBef>
-              <a:spcAft>
-                <a:spcPts val="0"/>
-              </a:spcAft>
-              <a:buClr>
-                <a:schemeClr val="dk2"/>
-              </a:buClr>
-              <a:buSzPct val="100000"/>
-              <a:buFont typeface="Arial"/>
-              <a:buNone/>
-              <a:defRPr sz="3000" b="0" i="0" u="none" strike="noStrike" cap="none" baseline="0">
-                <a:solidFill>
-                  <a:schemeClr val="dk2"/>
-                </a:solidFill>
-                <a:latin typeface="Arial"/>
-                <a:ea typeface="Arial"/>
-                <a:cs typeface="Arial"/>
-                <a:sym typeface="Arial"/>
-              </a:defRPr>
-            </a:lvl3pPr>
-            <a:lvl4pPr marL="0" indent="190500" algn="ctr" rtl="0">
-              <a:lnSpc>
-                <a:spcPct val="100000"/>
-              </a:lnSpc>
-              <a:spcBef>
-                <a:spcPts val="0"/>
-              </a:spcBef>
-              <a:spcAft>
-                <a:spcPts val="0"/>
-              </a:spcAft>
-              <a:buClr>
-                <a:schemeClr val="dk2"/>
-              </a:buClr>
-              <a:buSzPct val="100000"/>
-              <a:buFont typeface="Arial"/>
-              <a:buNone/>
-              <a:defRPr sz="3000" b="0" i="0" u="none" strike="noStrike" cap="none" baseline="0">
-                <a:solidFill>
-                  <a:schemeClr val="dk2"/>
-                </a:solidFill>
-                <a:latin typeface="Arial"/>
-                <a:ea typeface="Arial"/>
-                <a:cs typeface="Arial"/>
-                <a:sym typeface="Arial"/>
-              </a:defRPr>
-            </a:lvl4pPr>
-            <a:lvl5pPr marL="0" indent="190500" algn="ctr" rtl="0">
-              <a:lnSpc>
-                <a:spcPct val="100000"/>
-              </a:lnSpc>
-              <a:spcBef>
-                <a:spcPts val="0"/>
-              </a:spcBef>
-              <a:spcAft>
-                <a:spcPts val="0"/>
-              </a:spcAft>
-              <a:buClr>
-                <a:schemeClr val="dk2"/>
-              </a:buClr>
-              <a:buSzPct val="100000"/>
-              <a:buFont typeface="Arial"/>
-              <a:buNone/>
-              <a:defRPr sz="3000" b="0" i="0" u="none" strike="noStrike" cap="none" baseline="0">
-                <a:solidFill>
-                  <a:schemeClr val="dk2"/>
-                </a:solidFill>
-                <a:latin typeface="Arial"/>
-                <a:ea typeface="Arial"/>
-                <a:cs typeface="Arial"/>
-                <a:sym typeface="Arial"/>
-              </a:defRPr>
-            </a:lvl5pPr>
-            <a:lvl6pPr marL="0" indent="190500" algn="ctr" rtl="0">
-              <a:lnSpc>
-                <a:spcPct val="100000"/>
-              </a:lnSpc>
-              <a:spcBef>
-                <a:spcPts val="0"/>
-              </a:spcBef>
-              <a:spcAft>
-                <a:spcPts val="0"/>
-              </a:spcAft>
-              <a:buClr>
-                <a:schemeClr val="dk2"/>
-              </a:buClr>
-              <a:buSzPct val="100000"/>
-              <a:buFont typeface="Arial"/>
-              <a:buNone/>
-              <a:defRPr sz="3000" b="0" i="0" u="none" strike="noStrike" cap="none" baseline="0">
-                <a:solidFill>
-                  <a:schemeClr val="dk2"/>
-                </a:solidFill>
-                <a:latin typeface="Arial"/>
-                <a:ea typeface="Arial"/>
-                <a:cs typeface="Arial"/>
-                <a:sym typeface="Arial"/>
-              </a:defRPr>
-            </a:lvl6pPr>
-            <a:lvl7pPr marL="0" indent="190500" algn="ctr" rtl="0">
-              <a:lnSpc>
-                <a:spcPct val="100000"/>
-              </a:lnSpc>
-              <a:spcBef>
-                <a:spcPts val="0"/>
-              </a:spcBef>
-              <a:spcAft>
-                <a:spcPts val="0"/>
-              </a:spcAft>
-              <a:buClr>
-                <a:schemeClr val="dk2"/>
-              </a:buClr>
-              <a:buSzPct val="100000"/>
-              <a:buFont typeface="Arial"/>
-              <a:buNone/>
-              <a:defRPr sz="3000" b="0" i="0" u="none" strike="noStrike" cap="none" baseline="0">
-                <a:solidFill>
-                  <a:schemeClr val="dk2"/>
-                </a:solidFill>
-                <a:latin typeface="Arial"/>
-                <a:ea typeface="Arial"/>
-                <a:cs typeface="Arial"/>
-                <a:sym typeface="Arial"/>
-              </a:defRPr>
-            </a:lvl7pPr>
-            <a:lvl8pPr marL="0" indent="190500" algn="ctr" rtl="0">
-              <a:lnSpc>
-                <a:spcPct val="100000"/>
-              </a:lnSpc>
-              <a:spcBef>
-                <a:spcPts val="0"/>
-              </a:spcBef>
-              <a:spcAft>
-                <a:spcPts val="0"/>
-              </a:spcAft>
-              <a:buClr>
-                <a:schemeClr val="dk2"/>
-              </a:buClr>
-              <a:buSzPct val="100000"/>
-              <a:buFont typeface="Arial"/>
-              <a:buNone/>
-              <a:defRPr sz="3000" b="0" i="0" u="none" strike="noStrike" cap="none" baseline="0">
-                <a:solidFill>
-                  <a:schemeClr val="dk2"/>
-                </a:solidFill>
-                <a:latin typeface="Arial"/>
-                <a:ea typeface="Arial"/>
-                <a:cs typeface="Arial"/>
-                <a:sym typeface="Arial"/>
-              </a:defRPr>
-            </a:lvl8pPr>
-            <a:lvl9pPr marL="0" indent="190500" algn="ctr" rtl="0">
-              <a:lnSpc>
-                <a:spcPct val="100000"/>
-              </a:lnSpc>
-              <a:spcBef>
-                <a:spcPts val="0"/>
-              </a:spcBef>
-              <a:spcAft>
-                <a:spcPts val="0"/>
-              </a:spcAft>
-              <a:buClr>
-                <a:schemeClr val="dk2"/>
-              </a:buClr>
-              <a:buSzPct val="100000"/>
-              <a:buFont typeface="Arial"/>
-              <a:buNone/>
-              <a:defRPr sz="3000" b="0" i="0" u="none" strike="noStrike" cap="none" baseline="0">
-                <a:solidFill>
-                  <a:schemeClr val="dk2"/>
-                </a:solidFill>
-                <a:latin typeface="Arial"/>
-                <a:ea typeface="Arial"/>
-                <a:cs typeface="Arial"/>
-                <a:sym typeface="Arial"/>
-              </a:defRPr>
-            </a:lvl9pPr>
-          </a:lstStyle>
-          <a:p>
-            <a:endParaRPr/>
-          </a:p>
-        </p:txBody>
-      </p:sp>
-    </p:spTree>
-  </p:cSld>
-  <p:clrMapOvr>
-    <a:masterClrMapping/>
-  </p:clrMapOvr>
-  <p:timing>
-    <p:tnLst>
-      <p:par>
-        <p:cTn id="1" dur="indefinite" restart="never" nodeType="tmRoot"/>
-      </p:par>
-    </p:tnLst>
-  </p:timing>
-</p:sldLayout>
-</file>
-
-<file path=ppt/slideLayouts/slideLayout8.xml><?xml version="1.0" encoding="utf-8"?>
-<p:sldLayout xmlns:a="http://schemas.openxmlformats.org/drawingml/2006/main" xmlns:r="http://schemas.openxmlformats.org/officeDocument/2006/relationships" xmlns:p="http://schemas.openxmlformats.org/presentationml/2006/main" matchingName="tx" type="tx">
-  <p:cSld name="tx">
-    <p:spTree>
-      <p:nvGrpSpPr>
-        <p:cNvPr id="1" name="Shape 44"/>
-        <p:cNvGrpSpPr/>
-        <p:nvPr/>
-      </p:nvGrpSpPr>
-      <p:grpSpPr>
-        <a:xfrm>
-          <a:off x="0" y="0"/>
-          <a:ext cx="0" cy="0"/>
-          <a:chOff x="0" y="0"/>
-          <a:chExt cx="0" cy="0"/>
-        </a:xfrm>
-      </p:grpSpPr>
-      <p:sp>
-        <p:nvSpPr>
-          <p:cNvPr id="45" name="Shape 45"/>
-          <p:cNvSpPr txBox="1">
-            <a:spLocks noGrp="1"/>
-          </p:cNvSpPr>
-          <p:nvPr>
-            <p:ph type="title"/>
-          </p:nvPr>
-        </p:nvSpPr>
-        <p:spPr>
-          <a:xfrm>
-            <a:off x="457200" y="274637"/>
-            <a:ext cx="8229600" cy="1143000"/>
-          </a:xfrm>
-          <a:prstGeom prst="rect">
-            <a:avLst/>
-          </a:prstGeom>
-          <a:noFill/>
-          <a:ln>
-            <a:noFill/>
-          </a:ln>
-        </p:spPr>
-        <p:txBody>
-          <a:bodyPr lIns="91425" tIns="91425" rIns="91425" bIns="91425" anchor="b" anchorCtr="0"/>
-          <a:lstStyle>
-            <a:lvl1pPr algn="l" rtl="0">
-              <a:spcBef>
-                <a:spcPts val="0"/>
-              </a:spcBef>
-              <a:buSzPct val="100000"/>
-              <a:buFont typeface="Arial"/>
-              <a:buNone/>
-              <a:defRPr sz="3600" b="1">
-                <a:solidFill>
-                  <a:schemeClr val="dk1"/>
-                </a:solidFill>
-                <a:latin typeface="Arial"/>
-                <a:ea typeface="Arial"/>
-                <a:cs typeface="Arial"/>
-                <a:sym typeface="Arial"/>
-              </a:defRPr>
-            </a:lvl1pPr>
-            <a:lvl2pPr algn="l" rtl="0">
-              <a:spcBef>
-                <a:spcPts val="0"/>
-              </a:spcBef>
-              <a:buSzPct val="100000"/>
-              <a:buFont typeface="Arial"/>
-              <a:buNone/>
-              <a:defRPr sz="3600" b="1">
-                <a:solidFill>
-                  <a:schemeClr val="dk1"/>
-                </a:solidFill>
-                <a:latin typeface="Arial"/>
-                <a:ea typeface="Arial"/>
-                <a:cs typeface="Arial"/>
-                <a:sym typeface="Arial"/>
-              </a:defRPr>
-            </a:lvl2pPr>
-            <a:lvl3pPr algn="l" rtl="0">
-              <a:spcBef>
-                <a:spcPts val="0"/>
-              </a:spcBef>
-              <a:buSzPct val="100000"/>
-              <a:buFont typeface="Arial"/>
-              <a:buNone/>
-              <a:defRPr sz="3600" b="1">
-                <a:solidFill>
-                  <a:schemeClr val="dk1"/>
-                </a:solidFill>
-                <a:latin typeface="Arial"/>
-                <a:ea typeface="Arial"/>
-                <a:cs typeface="Arial"/>
-                <a:sym typeface="Arial"/>
-              </a:defRPr>
-            </a:lvl3pPr>
-            <a:lvl4pPr algn="l" rtl="0">
-              <a:spcBef>
-                <a:spcPts val="0"/>
-              </a:spcBef>
-              <a:buSzPct val="100000"/>
-              <a:buFont typeface="Arial"/>
-              <a:buNone/>
-              <a:defRPr sz="3600" b="1">
-                <a:solidFill>
-                  <a:schemeClr val="dk1"/>
-                </a:solidFill>
-                <a:latin typeface="Arial"/>
-                <a:ea typeface="Arial"/>
-                <a:cs typeface="Arial"/>
-                <a:sym typeface="Arial"/>
-              </a:defRPr>
-            </a:lvl4pPr>
-            <a:lvl5pPr algn="l" rtl="0">
-              <a:spcBef>
-                <a:spcPts val="0"/>
-              </a:spcBef>
-              <a:buSzPct val="100000"/>
-              <a:buFont typeface="Arial"/>
-              <a:buNone/>
-              <a:defRPr sz="3600" b="1">
-                <a:solidFill>
-                  <a:schemeClr val="dk1"/>
-                </a:solidFill>
-                <a:latin typeface="Arial"/>
-                <a:ea typeface="Arial"/>
-                <a:cs typeface="Arial"/>
-                <a:sym typeface="Arial"/>
-              </a:defRPr>
-            </a:lvl5pPr>
-            <a:lvl6pPr algn="l" rtl="0">
-              <a:spcBef>
-                <a:spcPts val="0"/>
-              </a:spcBef>
-              <a:buSzPct val="100000"/>
-              <a:buFont typeface="Arial"/>
-              <a:buNone/>
-              <a:defRPr sz="3600" b="1">
-                <a:solidFill>
-                  <a:schemeClr val="dk1"/>
-                </a:solidFill>
-                <a:latin typeface="Arial"/>
-                <a:ea typeface="Arial"/>
-                <a:cs typeface="Arial"/>
-                <a:sym typeface="Arial"/>
-              </a:defRPr>
-            </a:lvl6pPr>
-            <a:lvl7pPr algn="l" rtl="0">
-              <a:spcBef>
-                <a:spcPts val="0"/>
-              </a:spcBef>
-              <a:buSzPct val="100000"/>
-              <a:buFont typeface="Arial"/>
-              <a:buNone/>
-              <a:defRPr sz="3600" b="1">
-                <a:solidFill>
-                  <a:schemeClr val="dk1"/>
-                </a:solidFill>
-                <a:latin typeface="Arial"/>
-                <a:ea typeface="Arial"/>
-                <a:cs typeface="Arial"/>
-                <a:sym typeface="Arial"/>
-              </a:defRPr>
-            </a:lvl7pPr>
-            <a:lvl8pPr algn="l" rtl="0">
-              <a:spcBef>
-                <a:spcPts val="0"/>
-              </a:spcBef>
-              <a:buSzPct val="100000"/>
-              <a:buFont typeface="Arial"/>
-              <a:buNone/>
-              <a:defRPr sz="3600" b="1">
-                <a:solidFill>
-                  <a:schemeClr val="dk1"/>
-                </a:solidFill>
-                <a:latin typeface="Arial"/>
-                <a:ea typeface="Arial"/>
-                <a:cs typeface="Arial"/>
-                <a:sym typeface="Arial"/>
-              </a:defRPr>
-            </a:lvl8pPr>
-            <a:lvl9pPr algn="l" rtl="0">
-              <a:spcBef>
-                <a:spcPts val="0"/>
-              </a:spcBef>
-              <a:buSzPct val="100000"/>
-              <a:buFont typeface="Arial"/>
-              <a:buNone/>
-              <a:defRPr sz="3600" b="1">
-                <a:solidFill>
-                  <a:schemeClr val="dk1"/>
-                </a:solidFill>
-                <a:latin typeface="Arial"/>
-                <a:ea typeface="Arial"/>
-                <a:cs typeface="Arial"/>
-                <a:sym typeface="Arial"/>
-              </a:defRPr>
-            </a:lvl9pPr>
-          </a:lstStyle>
-          <a:p>
-            <a:endParaRPr/>
-          </a:p>
-        </p:txBody>
-      </p:sp>
-      <p:sp>
-        <p:nvSpPr>
-          <p:cNvPr id="46" name="Shape 46"/>
-          <p:cNvSpPr txBox="1">
-            <a:spLocks noGrp="1"/>
-          </p:cNvSpPr>
-          <p:nvPr>
-            <p:ph type="body" idx="1"/>
-          </p:nvPr>
-        </p:nvSpPr>
-        <p:spPr>
-          <a:xfrm>
-            <a:off x="457200" y="1600200"/>
-            <a:ext cx="8229600" cy="4967574"/>
-          </a:xfrm>
-          <a:prstGeom prst="rect">
-            <a:avLst/>
-          </a:prstGeom>
-          <a:noFill/>
-          <a:ln>
-            <a:noFill/>
-          </a:ln>
-        </p:spPr>
-        <p:txBody>
-          <a:bodyPr lIns="91425" tIns="91425" rIns="91425" bIns="91425" anchor="t" anchorCtr="0"/>
-          <a:lstStyle>
-            <a:lvl1pPr rtl="0">
-              <a:defRPr/>
-            </a:lvl1pPr>
-            <a:lvl2pPr marL="742950" indent="-285750" rtl="0">
-              <a:defRPr/>
-            </a:lvl2pPr>
-            <a:lvl3pPr marL="1143000" indent="-228600" rtl="0">
-              <a:defRPr/>
-            </a:lvl3pPr>
-            <a:lvl4pPr marL="1600200" indent="-228600" rtl="0">
-              <a:defRPr/>
-            </a:lvl4pPr>
-            <a:lvl5pPr rtl="0">
-              <a:defRPr sz="1800"/>
-            </a:lvl5pPr>
-            <a:lvl6pPr rtl="0">
-              <a:defRPr sz="1800"/>
-            </a:lvl6pPr>
-            <a:lvl7pPr rtl="0">
-              <a:defRPr sz="1800"/>
-            </a:lvl7pPr>
-            <a:lvl8pPr rtl="0">
-              <a:defRPr sz="1800"/>
-            </a:lvl8pPr>
-            <a:lvl9pPr rtl="0">
-              <a:defRPr sz="1800"/>
-            </a:lvl9pPr>
-          </a:lstStyle>
-          <a:p>
-            <a:endParaRPr/>
-          </a:p>
-        </p:txBody>
-      </p:sp>
-    </p:spTree>
-  </p:cSld>
-  <p:clrMapOvr>
-    <a:masterClrMapping/>
-  </p:clrMapOvr>
-  <p:timing>
-    <p:tnLst>
-      <p:par>
-        <p:cTn id="1" dur="indefinite" restart="never" nodeType="tmRoot"/>
-      </p:par>
-    </p:tnLst>
-  </p:timing>
-</p:sldLayout>
-</file>
-
-<file path=ppt/slideLayouts/slideLayout9.xml><?xml version="1.0" encoding="utf-8"?>
-<p:sldLayout xmlns:a="http://schemas.openxmlformats.org/drawingml/2006/main" xmlns:r="http://schemas.openxmlformats.org/officeDocument/2006/relationships" xmlns:p="http://schemas.openxmlformats.org/presentationml/2006/main" matchingName="twoColTx" type="twoColTx">
-  <p:cSld name="twoColTx">
-    <p:spTree>
-      <p:nvGrpSpPr>
-        <p:cNvPr id="1" name="Shape 47"/>
-        <p:cNvGrpSpPr/>
-        <p:nvPr/>
-      </p:nvGrpSpPr>
-      <p:grpSpPr>
-        <a:xfrm>
-          <a:off x="0" y="0"/>
-          <a:ext cx="0" cy="0"/>
-          <a:chOff x="0" y="0"/>
-          <a:chExt cx="0" cy="0"/>
-        </a:xfrm>
-      </p:grpSpPr>
-      <p:sp>
-        <p:nvSpPr>
-          <p:cNvPr id="48" name="Shape 48"/>
-          <p:cNvSpPr txBox="1">
-            <a:spLocks noGrp="1"/>
-          </p:cNvSpPr>
-          <p:nvPr>
-            <p:ph type="title"/>
-          </p:nvPr>
-        </p:nvSpPr>
-        <p:spPr>
-          <a:xfrm>
-            <a:off x="457200" y="274637"/>
-            <a:ext cx="8229600" cy="1143000"/>
-          </a:xfrm>
-          <a:prstGeom prst="rect">
-            <a:avLst/>
-          </a:prstGeom>
-          <a:noFill/>
-          <a:ln>
-            <a:noFill/>
-          </a:ln>
-        </p:spPr>
-        <p:txBody>
-          <a:bodyPr lIns="91425" tIns="91425" rIns="91425" bIns="91425" anchor="b" anchorCtr="0"/>
-          <a:lstStyle>
-            <a:lvl1pPr algn="l" rtl="0">
-              <a:spcBef>
-                <a:spcPts val="0"/>
-              </a:spcBef>
-              <a:buSzPct val="100000"/>
-              <a:buFont typeface="Arial"/>
-              <a:buNone/>
-              <a:defRPr sz="3600" b="1">
-                <a:solidFill>
-                  <a:schemeClr val="dk1"/>
-                </a:solidFill>
-                <a:latin typeface="Arial"/>
-                <a:ea typeface="Arial"/>
-                <a:cs typeface="Arial"/>
-                <a:sym typeface="Arial"/>
-              </a:defRPr>
-            </a:lvl1pPr>
-            <a:lvl2pPr algn="l" rtl="0">
-              <a:spcBef>
-                <a:spcPts val="0"/>
-              </a:spcBef>
-              <a:buSzPct val="100000"/>
-              <a:buFont typeface="Arial"/>
-              <a:buNone/>
-              <a:defRPr sz="3600" b="1">
-                <a:solidFill>
-                  <a:schemeClr val="dk1"/>
-                </a:solidFill>
-                <a:latin typeface="Arial"/>
-                <a:ea typeface="Arial"/>
-                <a:cs typeface="Arial"/>
-                <a:sym typeface="Arial"/>
-              </a:defRPr>
-            </a:lvl2pPr>
-            <a:lvl3pPr algn="l" rtl="0">
-              <a:spcBef>
-                <a:spcPts val="0"/>
-              </a:spcBef>
-              <a:buSzPct val="100000"/>
-              <a:buFont typeface="Arial"/>
-              <a:buNone/>
-              <a:defRPr sz="3600" b="1">
-                <a:solidFill>
-                  <a:schemeClr val="dk1"/>
-                </a:solidFill>
-                <a:latin typeface="Arial"/>
-                <a:ea typeface="Arial"/>
-                <a:cs typeface="Arial"/>
-                <a:sym typeface="Arial"/>
-              </a:defRPr>
-            </a:lvl3pPr>
-            <a:lvl4pPr algn="l" rtl="0">
-              <a:spcBef>
-                <a:spcPts val="0"/>
-              </a:spcBef>
-              <a:buSzPct val="100000"/>
-              <a:buFont typeface="Arial"/>
-              <a:buNone/>
-              <a:defRPr sz="3600" b="1">
-                <a:solidFill>
-                  <a:schemeClr val="dk1"/>
-                </a:solidFill>
-                <a:latin typeface="Arial"/>
-                <a:ea typeface="Arial"/>
-                <a:cs typeface="Arial"/>
-                <a:sym typeface="Arial"/>
-              </a:defRPr>
-            </a:lvl4pPr>
-            <a:lvl5pPr algn="l" rtl="0">
-              <a:spcBef>
-                <a:spcPts val="0"/>
-              </a:spcBef>
-              <a:buSzPct val="100000"/>
-              <a:buFont typeface="Arial"/>
-              <a:buNone/>
-              <a:defRPr sz="3600" b="1">
-                <a:solidFill>
-                  <a:schemeClr val="dk1"/>
-                </a:solidFill>
-                <a:latin typeface="Arial"/>
-                <a:ea typeface="Arial"/>
-                <a:cs typeface="Arial"/>
-                <a:sym typeface="Arial"/>
-              </a:defRPr>
-            </a:lvl5pPr>
-            <a:lvl6pPr algn="l" rtl="0">
-              <a:spcBef>
-                <a:spcPts val="0"/>
-              </a:spcBef>
-              <a:buSzPct val="100000"/>
-              <a:buFont typeface="Arial"/>
-              <a:buNone/>
-              <a:defRPr sz="3600" b="1">
-                <a:solidFill>
-                  <a:schemeClr val="dk1"/>
-                </a:solidFill>
-                <a:latin typeface="Arial"/>
-                <a:ea typeface="Arial"/>
-                <a:cs typeface="Arial"/>
-                <a:sym typeface="Arial"/>
-              </a:defRPr>
-            </a:lvl6pPr>
-            <a:lvl7pPr algn="l" rtl="0">
-              <a:spcBef>
-                <a:spcPts val="0"/>
-              </a:spcBef>
-              <a:buSzPct val="100000"/>
-              <a:buFont typeface="Arial"/>
-              <a:buNone/>
-              <a:defRPr sz="3600" b="1">
-                <a:solidFill>
-                  <a:schemeClr val="dk1"/>
-                </a:solidFill>
-                <a:latin typeface="Arial"/>
-                <a:ea typeface="Arial"/>
-                <a:cs typeface="Arial"/>
-                <a:sym typeface="Arial"/>
-              </a:defRPr>
-            </a:lvl7pPr>
-            <a:lvl8pPr algn="l" rtl="0">
-              <a:spcBef>
-                <a:spcPts val="0"/>
-              </a:spcBef>
-              <a:buSzPct val="100000"/>
-              <a:buFont typeface="Arial"/>
-              <a:buNone/>
-              <a:defRPr sz="3600" b="1">
-                <a:solidFill>
-                  <a:schemeClr val="dk1"/>
-                </a:solidFill>
-                <a:latin typeface="Arial"/>
-                <a:ea typeface="Arial"/>
-                <a:cs typeface="Arial"/>
-                <a:sym typeface="Arial"/>
-              </a:defRPr>
-            </a:lvl8pPr>
-            <a:lvl9pPr algn="l" rtl="0">
-              <a:spcBef>
-                <a:spcPts val="0"/>
-              </a:spcBef>
-              <a:buSzPct val="100000"/>
-              <a:buFont typeface="Arial"/>
-              <a:buNone/>
-              <a:defRPr sz="3600" b="1">
-                <a:solidFill>
-                  <a:schemeClr val="dk1"/>
-                </a:solidFill>
-                <a:latin typeface="Arial"/>
-                <a:ea typeface="Arial"/>
-                <a:cs typeface="Arial"/>
-                <a:sym typeface="Arial"/>
-              </a:defRPr>
-            </a:lvl9pPr>
-          </a:lstStyle>
-          <a:p>
-            <a:endParaRPr/>
-          </a:p>
-        </p:txBody>
-      </p:sp>
-      <p:sp>
-        <p:nvSpPr>
-          <p:cNvPr id="49" name="Shape 49"/>
-          <p:cNvSpPr txBox="1">
-            <a:spLocks noGrp="1"/>
-          </p:cNvSpPr>
-          <p:nvPr>
-            <p:ph type="body" idx="1"/>
-          </p:nvPr>
-        </p:nvSpPr>
-        <p:spPr>
-          <a:xfrm>
-            <a:off x="457200" y="1600200"/>
-            <a:ext cx="3994525" cy="4967574"/>
-          </a:xfrm>
-          <a:prstGeom prst="rect">
-            <a:avLst/>
-          </a:prstGeom>
-          <a:noFill/>
-          <a:ln>
-            <a:noFill/>
-          </a:ln>
-        </p:spPr>
-        <p:txBody>
-          <a:bodyPr lIns="91425" tIns="91425" rIns="91425" bIns="91425" anchor="t" anchorCtr="0"/>
-          <a:lstStyle>
-            <a:lvl1pPr rtl="0">
-              <a:defRPr/>
-            </a:lvl1pPr>
-            <a:lvl2pPr rtl="0">
-              <a:defRPr/>
-            </a:lvl2pPr>
-            <a:lvl3pPr rtl="0">
-              <a:defRPr/>
-            </a:lvl3pPr>
-            <a:lvl4pPr rtl="0">
-              <a:defRPr/>
-            </a:lvl4pPr>
-            <a:lvl5pPr rtl="0">
-              <a:defRPr sz="1800"/>
-            </a:lvl5pPr>
-            <a:lvl6pPr rtl="0">
-              <a:defRPr sz="1800"/>
-            </a:lvl6pPr>
-            <a:lvl7pPr rtl="0">
-              <a:defRPr sz="1800"/>
-            </a:lvl7pPr>
-            <a:lvl8pPr rtl="0">
-              <a:defRPr sz="1800"/>
-            </a:lvl8pPr>
-            <a:lvl9pPr rtl="0">
-              <a:defRPr sz="1800"/>
-            </a:lvl9pPr>
-          </a:lstStyle>
-          <a:p>
-            <a:endParaRPr/>
-          </a:p>
-        </p:txBody>
-      </p:sp>
-      <p:sp>
-        <p:nvSpPr>
-          <p:cNvPr id="50" name="Shape 50"/>
-          <p:cNvSpPr txBox="1">
-            <a:spLocks noGrp="1"/>
-          </p:cNvSpPr>
-          <p:nvPr>
-            <p:ph type="body" idx="2"/>
-          </p:nvPr>
-        </p:nvSpPr>
-        <p:spPr>
-          <a:xfrm>
-            <a:off x="4692273" y="1600200"/>
-            <a:ext cx="3994525" cy="4967574"/>
-          </a:xfrm>
-          <a:prstGeom prst="rect">
-            <a:avLst/>
-          </a:prstGeom>
-          <a:noFill/>
-          <a:ln>
-            <a:noFill/>
-          </a:ln>
-        </p:spPr>
-        <p:txBody>
-          <a:bodyPr lIns="91425" tIns="91425" rIns="91425" bIns="91425" anchor="t" anchorCtr="0"/>
-          <a:lstStyle>
-            <a:lvl1pPr rtl="0">
-              <a:defRPr/>
-            </a:lvl1pPr>
-            <a:lvl2pPr rtl="0">
-              <a:defRPr/>
-            </a:lvl2pPr>
-            <a:lvl3pPr rtl="0">
-              <a:defRPr/>
-            </a:lvl3pPr>
-            <a:lvl4pPr rtl="0">
-              <a:defRPr/>
-            </a:lvl4pPr>
-            <a:lvl5pPr rtl="0">
-              <a:defRPr sz="1800"/>
-            </a:lvl5pPr>
-            <a:lvl6pPr rtl="0">
-              <a:defRPr sz="1800"/>
-            </a:lvl6pPr>
-            <a:lvl7pPr rtl="0">
-              <a:defRPr sz="1800"/>
-            </a:lvl7pPr>
-            <a:lvl8pPr rtl="0">
-              <a:defRPr sz="1800"/>
-            </a:lvl8pPr>
-            <a:lvl9pPr rtl="0">
-              <a:defRPr sz="1800"/>
-            </a:lvl9pPr>
-          </a:lstStyle>
           <a:p>
             <a:endParaRPr/>
           </a:p>
@@ -6060,958 +4503,6 @@
     <p:sldLayoutId id="2147483651" r:id="rId4"/>
     <p:sldLayoutId id="2147483652" r:id="rId5"/>
     <p:sldLayoutId id="2147483653" r:id="rId6"/>
-  </p:sldLayoutIdLst>
-  <p:timing>
-    <p:tnLst>
-      <p:par>
-        <p:cTn id="1" dur="indefinite" restart="never" nodeType="tmRoot"/>
-      </p:par>
-    </p:tnLst>
-  </p:timing>
-  <p:hf hdr="0" ftr="0"/>
-  <p:txStyles>
-    <p:titleStyle>
-      <a:defPPr marR="0" algn="l" rtl="0">
-        <a:lnSpc>
-          <a:spcPct val="100000"/>
-        </a:lnSpc>
-        <a:spcBef>
-          <a:spcPts val="0"/>
-        </a:spcBef>
-        <a:spcAft>
-          <a:spcPts val="0"/>
-        </a:spcAft>
-      </a:defPPr>
-      <a:lvl1pPr marR="0" algn="l" rtl="0">
-        <a:lnSpc>
-          <a:spcPct val="100000"/>
-        </a:lnSpc>
-        <a:spcBef>
-          <a:spcPts val="0"/>
-        </a:spcBef>
-        <a:spcAft>
-          <a:spcPts val="0"/>
-        </a:spcAft>
-        <a:buNone/>
-        <a:defRPr sz="1400" b="0" i="0" u="none" strike="noStrike" cap="none" baseline="0">
-          <a:solidFill>
-            <a:srgbClr val="000000"/>
-          </a:solidFill>
-          <a:latin typeface="Arial"/>
-          <a:ea typeface="Arial"/>
-          <a:cs typeface="Arial"/>
-          <a:sym typeface="Arial"/>
-          <a:rtl val="0"/>
-        </a:defRPr>
-      </a:lvl1pPr>
-      <a:lvl2pPr marR="0" algn="l" rtl="0">
-        <a:lnSpc>
-          <a:spcPct val="100000"/>
-        </a:lnSpc>
-        <a:spcBef>
-          <a:spcPts val="0"/>
-        </a:spcBef>
-        <a:spcAft>
-          <a:spcPts val="0"/>
-        </a:spcAft>
-        <a:buNone/>
-        <a:defRPr sz="1400" b="0" i="0" u="none" strike="noStrike" cap="none" baseline="0">
-          <a:solidFill>
-            <a:srgbClr val="000000"/>
-          </a:solidFill>
-          <a:latin typeface="Arial"/>
-          <a:ea typeface="Arial"/>
-          <a:cs typeface="Arial"/>
-          <a:sym typeface="Arial"/>
-          <a:rtl val="0"/>
-        </a:defRPr>
-      </a:lvl2pPr>
-    </p:titleStyle>
-    <p:bodyStyle>
-      <a:defPPr marR="0" algn="l" rtl="0">
-        <a:lnSpc>
-          <a:spcPct val="100000"/>
-        </a:lnSpc>
-        <a:spcBef>
-          <a:spcPts val="0"/>
-        </a:spcBef>
-        <a:spcAft>
-          <a:spcPts val="0"/>
-        </a:spcAft>
-      </a:defPPr>
-      <a:lvl1pPr marR="0" algn="l" rtl="0">
-        <a:lnSpc>
-          <a:spcPct val="100000"/>
-        </a:lnSpc>
-        <a:spcBef>
-          <a:spcPts val="0"/>
-        </a:spcBef>
-        <a:spcAft>
-          <a:spcPts val="0"/>
-        </a:spcAft>
-        <a:buNone/>
-        <a:defRPr sz="1400" b="0" i="0" u="none" strike="noStrike" cap="none" baseline="0">
-          <a:solidFill>
-            <a:srgbClr val="000000"/>
-          </a:solidFill>
-          <a:latin typeface="Arial"/>
-          <a:ea typeface="Arial"/>
-          <a:cs typeface="Arial"/>
-          <a:sym typeface="Arial"/>
-          <a:rtl val="0"/>
-        </a:defRPr>
-      </a:lvl1pPr>
-      <a:lvl2pPr marR="0" algn="l" rtl="0">
-        <a:lnSpc>
-          <a:spcPct val="100000"/>
-        </a:lnSpc>
-        <a:spcBef>
-          <a:spcPts val="0"/>
-        </a:spcBef>
-        <a:spcAft>
-          <a:spcPts val="0"/>
-        </a:spcAft>
-        <a:buNone/>
-        <a:defRPr sz="1400" b="0" i="0" u="none" strike="noStrike" cap="none" baseline="0">
-          <a:solidFill>
-            <a:srgbClr val="000000"/>
-          </a:solidFill>
-          <a:latin typeface="Arial"/>
-          <a:ea typeface="Arial"/>
-          <a:cs typeface="Arial"/>
-          <a:sym typeface="Arial"/>
-          <a:rtl val="0"/>
-        </a:defRPr>
-      </a:lvl2pPr>
-      <a:lvl3pPr marR="0" algn="l" rtl="0">
-        <a:lnSpc>
-          <a:spcPct val="100000"/>
-        </a:lnSpc>
-        <a:spcBef>
-          <a:spcPts val="0"/>
-        </a:spcBef>
-        <a:spcAft>
-          <a:spcPts val="0"/>
-        </a:spcAft>
-        <a:buNone/>
-        <a:defRPr sz="1400" b="0" i="0" u="none" strike="noStrike" cap="none" baseline="0">
-          <a:solidFill>
-            <a:srgbClr val="000000"/>
-          </a:solidFill>
-          <a:latin typeface="Arial"/>
-          <a:ea typeface="Arial"/>
-          <a:cs typeface="Arial"/>
-          <a:sym typeface="Arial"/>
-          <a:rtl val="0"/>
-        </a:defRPr>
-      </a:lvl3pPr>
-      <a:lvl4pPr marR="0" algn="l" rtl="0">
-        <a:lnSpc>
-          <a:spcPct val="100000"/>
-        </a:lnSpc>
-        <a:spcBef>
-          <a:spcPts val="0"/>
-        </a:spcBef>
-        <a:spcAft>
-          <a:spcPts val="0"/>
-        </a:spcAft>
-        <a:buNone/>
-        <a:defRPr sz="1400" b="0" i="0" u="none" strike="noStrike" cap="none" baseline="0">
-          <a:solidFill>
-            <a:srgbClr val="000000"/>
-          </a:solidFill>
-          <a:latin typeface="Arial"/>
-          <a:ea typeface="Arial"/>
-          <a:cs typeface="Arial"/>
-          <a:sym typeface="Arial"/>
-          <a:rtl val="0"/>
-        </a:defRPr>
-      </a:lvl4pPr>
-      <a:lvl5pPr marR="0" algn="l" rtl="0">
-        <a:lnSpc>
-          <a:spcPct val="100000"/>
-        </a:lnSpc>
-        <a:spcBef>
-          <a:spcPts val="0"/>
-        </a:spcBef>
-        <a:spcAft>
-          <a:spcPts val="0"/>
-        </a:spcAft>
-        <a:buNone/>
-        <a:defRPr sz="1400" b="0" i="0" u="none" strike="noStrike" cap="none" baseline="0">
-          <a:solidFill>
-            <a:srgbClr val="000000"/>
-          </a:solidFill>
-          <a:latin typeface="Arial"/>
-          <a:ea typeface="Arial"/>
-          <a:cs typeface="Arial"/>
-          <a:sym typeface="Arial"/>
-          <a:rtl val="0"/>
-        </a:defRPr>
-      </a:lvl5pPr>
-      <a:lvl6pPr marR="0" algn="l" rtl="0">
-        <a:lnSpc>
-          <a:spcPct val="100000"/>
-        </a:lnSpc>
-        <a:spcBef>
-          <a:spcPts val="0"/>
-        </a:spcBef>
-        <a:spcAft>
-          <a:spcPts val="0"/>
-        </a:spcAft>
-        <a:buNone/>
-        <a:defRPr sz="1400" b="0" i="0" u="none" strike="noStrike" cap="none" baseline="0">
-          <a:solidFill>
-            <a:srgbClr val="000000"/>
-          </a:solidFill>
-          <a:latin typeface="Arial"/>
-          <a:ea typeface="Arial"/>
-          <a:cs typeface="Arial"/>
-          <a:sym typeface="Arial"/>
-          <a:rtl val="0"/>
-        </a:defRPr>
-      </a:lvl6pPr>
-      <a:lvl7pPr marR="0" algn="l" rtl="0">
-        <a:lnSpc>
-          <a:spcPct val="100000"/>
-        </a:lnSpc>
-        <a:spcBef>
-          <a:spcPts val="0"/>
-        </a:spcBef>
-        <a:spcAft>
-          <a:spcPts val="0"/>
-        </a:spcAft>
-        <a:buNone/>
-        <a:defRPr sz="1400" b="0" i="0" u="none" strike="noStrike" cap="none" baseline="0">
-          <a:solidFill>
-            <a:srgbClr val="000000"/>
-          </a:solidFill>
-          <a:latin typeface="Arial"/>
-          <a:ea typeface="Arial"/>
-          <a:cs typeface="Arial"/>
-          <a:sym typeface="Arial"/>
-          <a:rtl val="0"/>
-        </a:defRPr>
-      </a:lvl7pPr>
-      <a:lvl8pPr marR="0" algn="l" rtl="0">
-        <a:lnSpc>
-          <a:spcPct val="100000"/>
-        </a:lnSpc>
-        <a:spcBef>
-          <a:spcPts val="0"/>
-        </a:spcBef>
-        <a:spcAft>
-          <a:spcPts val="0"/>
-        </a:spcAft>
-        <a:buNone/>
-        <a:defRPr sz="1400" b="0" i="0" u="none" strike="noStrike" cap="none" baseline="0">
-          <a:solidFill>
-            <a:srgbClr val="000000"/>
-          </a:solidFill>
-          <a:latin typeface="Arial"/>
-          <a:ea typeface="Arial"/>
-          <a:cs typeface="Arial"/>
-          <a:sym typeface="Arial"/>
-          <a:rtl val="0"/>
-        </a:defRPr>
-      </a:lvl8pPr>
-      <a:lvl9pPr marR="0" algn="l" rtl="0">
-        <a:lnSpc>
-          <a:spcPct val="100000"/>
-        </a:lnSpc>
-        <a:spcBef>
-          <a:spcPts val="0"/>
-        </a:spcBef>
-        <a:spcAft>
-          <a:spcPts val="0"/>
-        </a:spcAft>
-        <a:buNone/>
-        <a:defRPr sz="1400" b="0" i="0" u="none" strike="noStrike" cap="none" baseline="0">
-          <a:solidFill>
-            <a:srgbClr val="000000"/>
-          </a:solidFill>
-          <a:latin typeface="Arial"/>
-          <a:ea typeface="Arial"/>
-          <a:cs typeface="Arial"/>
-          <a:sym typeface="Arial"/>
-          <a:rtl val="0"/>
-        </a:defRPr>
-      </a:lvl9pPr>
-    </p:bodyStyle>
-    <p:otherStyle>
-      <a:defPPr marR="0" algn="l" rtl="0">
-        <a:lnSpc>
-          <a:spcPct val="100000"/>
-        </a:lnSpc>
-        <a:spcBef>
-          <a:spcPts val="0"/>
-        </a:spcBef>
-        <a:spcAft>
-          <a:spcPts val="0"/>
-        </a:spcAft>
-      </a:defPPr>
-      <a:lvl1pPr marR="0" algn="l" rtl="0">
-        <a:lnSpc>
-          <a:spcPct val="100000"/>
-        </a:lnSpc>
-        <a:spcBef>
-          <a:spcPts val="0"/>
-        </a:spcBef>
-        <a:spcAft>
-          <a:spcPts val="0"/>
-        </a:spcAft>
-        <a:buNone/>
-        <a:defRPr sz="1400" b="0" i="0" u="none" strike="noStrike" cap="none" baseline="0">
-          <a:solidFill>
-            <a:srgbClr val="000000"/>
-          </a:solidFill>
-          <a:latin typeface="Arial"/>
-          <a:ea typeface="Arial"/>
-          <a:cs typeface="Arial"/>
-          <a:sym typeface="Arial"/>
-          <a:rtl val="0"/>
-        </a:defRPr>
-      </a:lvl1pPr>
-      <a:lvl2pPr marR="0" algn="l" rtl="0">
-        <a:lnSpc>
-          <a:spcPct val="100000"/>
-        </a:lnSpc>
-        <a:spcBef>
-          <a:spcPts val="0"/>
-        </a:spcBef>
-        <a:spcAft>
-          <a:spcPts val="0"/>
-        </a:spcAft>
-        <a:buNone/>
-        <a:defRPr sz="1400" b="0" i="0" u="none" strike="noStrike" cap="none" baseline="0">
-          <a:solidFill>
-            <a:srgbClr val="000000"/>
-          </a:solidFill>
-          <a:latin typeface="Arial"/>
-          <a:ea typeface="Arial"/>
-          <a:cs typeface="Arial"/>
-          <a:sym typeface="Arial"/>
-          <a:rtl val="0"/>
-        </a:defRPr>
-      </a:lvl2pPr>
-      <a:lvl3pPr marR="0" algn="l" rtl="0">
-        <a:lnSpc>
-          <a:spcPct val="100000"/>
-        </a:lnSpc>
-        <a:spcBef>
-          <a:spcPts val="0"/>
-        </a:spcBef>
-        <a:spcAft>
-          <a:spcPts val="0"/>
-        </a:spcAft>
-        <a:buNone/>
-        <a:defRPr sz="1400" b="0" i="0" u="none" strike="noStrike" cap="none" baseline="0">
-          <a:solidFill>
-            <a:srgbClr val="000000"/>
-          </a:solidFill>
-          <a:latin typeface="Arial"/>
-          <a:ea typeface="Arial"/>
-          <a:cs typeface="Arial"/>
-          <a:sym typeface="Arial"/>
-          <a:rtl val="0"/>
-        </a:defRPr>
-      </a:lvl3pPr>
-      <a:lvl4pPr marR="0" algn="l" rtl="0">
-        <a:lnSpc>
-          <a:spcPct val="100000"/>
-        </a:lnSpc>
-        <a:spcBef>
-          <a:spcPts val="0"/>
-        </a:spcBef>
-        <a:spcAft>
-          <a:spcPts val="0"/>
-        </a:spcAft>
-        <a:buNone/>
-        <a:defRPr sz="1400" b="0" i="0" u="none" strike="noStrike" cap="none" baseline="0">
-          <a:solidFill>
-            <a:srgbClr val="000000"/>
-          </a:solidFill>
-          <a:latin typeface="Arial"/>
-          <a:ea typeface="Arial"/>
-          <a:cs typeface="Arial"/>
-          <a:sym typeface="Arial"/>
-          <a:rtl val="0"/>
-        </a:defRPr>
-      </a:lvl4pPr>
-      <a:lvl5pPr marR="0" algn="l" rtl="0">
-        <a:lnSpc>
-          <a:spcPct val="100000"/>
-        </a:lnSpc>
-        <a:spcBef>
-          <a:spcPts val="0"/>
-        </a:spcBef>
-        <a:spcAft>
-          <a:spcPts val="0"/>
-        </a:spcAft>
-        <a:buNone/>
-        <a:defRPr sz="1400" b="0" i="0" u="none" strike="noStrike" cap="none" baseline="0">
-          <a:solidFill>
-            <a:srgbClr val="000000"/>
-          </a:solidFill>
-          <a:latin typeface="Arial"/>
-          <a:ea typeface="Arial"/>
-          <a:cs typeface="Arial"/>
-          <a:sym typeface="Arial"/>
-          <a:rtl val="0"/>
-        </a:defRPr>
-      </a:lvl5pPr>
-      <a:lvl6pPr marR="0" algn="l" rtl="0">
-        <a:lnSpc>
-          <a:spcPct val="100000"/>
-        </a:lnSpc>
-        <a:spcBef>
-          <a:spcPts val="0"/>
-        </a:spcBef>
-        <a:spcAft>
-          <a:spcPts val="0"/>
-        </a:spcAft>
-        <a:buNone/>
-        <a:defRPr sz="1400" b="0" i="0" u="none" strike="noStrike" cap="none" baseline="0">
-          <a:solidFill>
-            <a:srgbClr val="000000"/>
-          </a:solidFill>
-          <a:latin typeface="Arial"/>
-          <a:ea typeface="Arial"/>
-          <a:cs typeface="Arial"/>
-          <a:sym typeface="Arial"/>
-          <a:rtl val="0"/>
-        </a:defRPr>
-      </a:lvl6pPr>
-      <a:lvl7pPr marR="0" algn="l" rtl="0">
-        <a:lnSpc>
-          <a:spcPct val="100000"/>
-        </a:lnSpc>
-        <a:spcBef>
-          <a:spcPts val="0"/>
-        </a:spcBef>
-        <a:spcAft>
-          <a:spcPts val="0"/>
-        </a:spcAft>
-        <a:buNone/>
-        <a:defRPr sz="1400" b="0" i="0" u="none" strike="noStrike" cap="none" baseline="0">
-          <a:solidFill>
-            <a:srgbClr val="000000"/>
-          </a:solidFill>
-          <a:latin typeface="Arial"/>
-          <a:ea typeface="Arial"/>
-          <a:cs typeface="Arial"/>
-          <a:sym typeface="Arial"/>
-          <a:rtl val="0"/>
-        </a:defRPr>
-      </a:lvl7pPr>
-      <a:lvl8pPr marR="0" algn="l" rtl="0">
-        <a:lnSpc>
-          <a:spcPct val="100000"/>
-        </a:lnSpc>
-        <a:spcBef>
-          <a:spcPts val="0"/>
-        </a:spcBef>
-        <a:spcAft>
-          <a:spcPts val="0"/>
-        </a:spcAft>
-        <a:buNone/>
-        <a:defRPr sz="1400" b="0" i="0" u="none" strike="noStrike" cap="none" baseline="0">
-          <a:solidFill>
-            <a:srgbClr val="000000"/>
-          </a:solidFill>
-          <a:latin typeface="Arial"/>
-          <a:ea typeface="Arial"/>
-          <a:cs typeface="Arial"/>
-          <a:sym typeface="Arial"/>
-          <a:rtl val="0"/>
-        </a:defRPr>
-      </a:lvl8pPr>
-      <a:lvl9pPr marR="0" algn="l" rtl="0">
-        <a:lnSpc>
-          <a:spcPct val="100000"/>
-        </a:lnSpc>
-        <a:spcBef>
-          <a:spcPts val="0"/>
-        </a:spcBef>
-        <a:spcAft>
-          <a:spcPts val="0"/>
-        </a:spcAft>
-        <a:buNone/>
-        <a:defRPr sz="1400" b="0" i="0" u="none" strike="noStrike" cap="none" baseline="0">
-          <a:solidFill>
-            <a:srgbClr val="000000"/>
-          </a:solidFill>
-          <a:latin typeface="Arial"/>
-          <a:ea typeface="Arial"/>
-          <a:cs typeface="Arial"/>
-          <a:sym typeface="Arial"/>
-          <a:rtl val="0"/>
-        </a:defRPr>
-      </a:lvl9pPr>
-    </p:otherStyle>
-  </p:txStyles>
-</p:sldMaster>
-</file>
-
-<file path=ppt/slideMasters/slideMaster2.xml><?xml version="1.0" encoding="utf-8"?>
-<p:sldMaster xmlns:a="http://schemas.openxmlformats.org/drawingml/2006/main" xmlns:r="http://schemas.openxmlformats.org/officeDocument/2006/relationships" xmlns:p="http://schemas.openxmlformats.org/presentationml/2006/main">
-  <p:cSld>
-    <p:bg>
-      <p:bgPr>
-        <a:solidFill>
-          <a:schemeClr val="lt1"/>
-        </a:solidFill>
-        <a:effectLst/>
-      </p:bgPr>
-    </p:bg>
-    <p:spTree>
-      <p:nvGrpSpPr>
-        <p:cNvPr id="1" name="Shape 38"/>
-        <p:cNvGrpSpPr/>
-        <p:nvPr/>
-      </p:nvGrpSpPr>
-      <p:grpSpPr>
-        <a:xfrm>
-          <a:off x="0" y="0"/>
-          <a:ext cx="0" cy="0"/>
-          <a:chOff x="0" y="0"/>
-          <a:chExt cx="0" cy="0"/>
-        </a:xfrm>
-      </p:grpSpPr>
-      <p:sp>
-        <p:nvSpPr>
-          <p:cNvPr id="39" name="Shape 39"/>
-          <p:cNvSpPr txBox="1">
-            <a:spLocks noGrp="1"/>
-          </p:cNvSpPr>
-          <p:nvPr>
-            <p:ph type="title"/>
-          </p:nvPr>
-        </p:nvSpPr>
-        <p:spPr>
-          <a:xfrm>
-            <a:off x="457200" y="274637"/>
-            <a:ext cx="8229600" cy="1143000"/>
-          </a:xfrm>
-          <a:prstGeom prst="rect">
-            <a:avLst/>
-          </a:prstGeom>
-          <a:noFill/>
-          <a:ln>
-            <a:noFill/>
-          </a:ln>
-        </p:spPr>
-        <p:txBody>
-          <a:bodyPr lIns="91425" tIns="91425" rIns="91425" bIns="91425" anchor="b" anchorCtr="0"/>
-          <a:lstStyle>
-            <a:lvl1pPr marL="0" indent="228600" algn="l" rtl="0">
-              <a:spcBef>
-                <a:spcPts val="0"/>
-              </a:spcBef>
-              <a:buClr>
-                <a:schemeClr val="dk1"/>
-              </a:buClr>
-              <a:buSzPct val="100000"/>
-              <a:buFont typeface="Arial"/>
-              <a:buNone/>
-              <a:defRPr sz="3600" b="1" i="0" u="none" strike="noStrike" cap="none" baseline="0">
-                <a:solidFill>
-                  <a:schemeClr val="dk1"/>
-                </a:solidFill>
-                <a:latin typeface="Arial"/>
-                <a:ea typeface="Arial"/>
-                <a:cs typeface="Arial"/>
-                <a:sym typeface="Arial"/>
-              </a:defRPr>
-            </a:lvl1pPr>
-            <a:lvl2pPr marL="0" indent="228600" algn="l" rtl="0">
-              <a:spcBef>
-                <a:spcPts val="0"/>
-              </a:spcBef>
-              <a:buClr>
-                <a:schemeClr val="dk1"/>
-              </a:buClr>
-              <a:buSzPct val="100000"/>
-              <a:buFont typeface="Arial"/>
-              <a:buNone/>
-              <a:defRPr sz="3600" b="1" i="0" u="none" strike="noStrike" cap="none" baseline="0">
-                <a:solidFill>
-                  <a:schemeClr val="dk1"/>
-                </a:solidFill>
-                <a:latin typeface="Arial"/>
-                <a:ea typeface="Arial"/>
-                <a:cs typeface="Arial"/>
-                <a:sym typeface="Arial"/>
-              </a:defRPr>
-            </a:lvl2pPr>
-            <a:lvl3pPr marL="0" indent="228600" algn="l" rtl="0">
-              <a:spcBef>
-                <a:spcPts val="0"/>
-              </a:spcBef>
-              <a:buClr>
-                <a:schemeClr val="dk1"/>
-              </a:buClr>
-              <a:buSzPct val="100000"/>
-              <a:buFont typeface="Arial"/>
-              <a:buNone/>
-              <a:defRPr sz="3600" b="1" i="0" u="none" strike="noStrike" cap="none" baseline="0">
-                <a:solidFill>
-                  <a:schemeClr val="dk1"/>
-                </a:solidFill>
-                <a:latin typeface="Arial"/>
-                <a:ea typeface="Arial"/>
-                <a:cs typeface="Arial"/>
-                <a:sym typeface="Arial"/>
-              </a:defRPr>
-            </a:lvl3pPr>
-            <a:lvl4pPr marL="0" indent="228600" algn="l" rtl="0">
-              <a:spcBef>
-                <a:spcPts val="0"/>
-              </a:spcBef>
-              <a:buClr>
-                <a:schemeClr val="dk1"/>
-              </a:buClr>
-              <a:buSzPct val="100000"/>
-              <a:buFont typeface="Arial"/>
-              <a:buNone/>
-              <a:defRPr sz="3600" b="1" i="0" u="none" strike="noStrike" cap="none" baseline="0">
-                <a:solidFill>
-                  <a:schemeClr val="dk1"/>
-                </a:solidFill>
-                <a:latin typeface="Arial"/>
-                <a:ea typeface="Arial"/>
-                <a:cs typeface="Arial"/>
-                <a:sym typeface="Arial"/>
-              </a:defRPr>
-            </a:lvl4pPr>
-            <a:lvl5pPr marL="0" indent="228600" algn="l" rtl="0">
-              <a:spcBef>
-                <a:spcPts val="0"/>
-              </a:spcBef>
-              <a:buClr>
-                <a:schemeClr val="dk1"/>
-              </a:buClr>
-              <a:buSzPct val="100000"/>
-              <a:buFont typeface="Arial"/>
-              <a:buNone/>
-              <a:defRPr sz="3600" b="1" i="0" u="none" strike="noStrike" cap="none" baseline="0">
-                <a:solidFill>
-                  <a:schemeClr val="dk1"/>
-                </a:solidFill>
-                <a:latin typeface="Arial"/>
-                <a:ea typeface="Arial"/>
-                <a:cs typeface="Arial"/>
-                <a:sym typeface="Arial"/>
-              </a:defRPr>
-            </a:lvl5pPr>
-            <a:lvl6pPr marL="0" indent="228600" algn="l" rtl="0">
-              <a:spcBef>
-                <a:spcPts val="0"/>
-              </a:spcBef>
-              <a:buClr>
-                <a:schemeClr val="dk1"/>
-              </a:buClr>
-              <a:buSzPct val="100000"/>
-              <a:buFont typeface="Arial"/>
-              <a:buNone/>
-              <a:defRPr sz="3600" b="1" i="0" u="none" strike="noStrike" cap="none" baseline="0">
-                <a:solidFill>
-                  <a:schemeClr val="dk1"/>
-                </a:solidFill>
-                <a:latin typeface="Arial"/>
-                <a:ea typeface="Arial"/>
-                <a:cs typeface="Arial"/>
-                <a:sym typeface="Arial"/>
-              </a:defRPr>
-            </a:lvl6pPr>
-            <a:lvl7pPr marL="0" indent="228600" algn="l" rtl="0">
-              <a:spcBef>
-                <a:spcPts val="0"/>
-              </a:spcBef>
-              <a:buClr>
-                <a:schemeClr val="dk1"/>
-              </a:buClr>
-              <a:buSzPct val="100000"/>
-              <a:buFont typeface="Arial"/>
-              <a:buNone/>
-              <a:defRPr sz="3600" b="1" i="0" u="none" strike="noStrike" cap="none" baseline="0">
-                <a:solidFill>
-                  <a:schemeClr val="dk1"/>
-                </a:solidFill>
-                <a:latin typeface="Arial"/>
-                <a:ea typeface="Arial"/>
-                <a:cs typeface="Arial"/>
-                <a:sym typeface="Arial"/>
-              </a:defRPr>
-            </a:lvl7pPr>
-            <a:lvl8pPr marL="0" indent="228600" algn="l" rtl="0">
-              <a:spcBef>
-                <a:spcPts val="0"/>
-              </a:spcBef>
-              <a:buClr>
-                <a:schemeClr val="dk1"/>
-              </a:buClr>
-              <a:buSzPct val="100000"/>
-              <a:buFont typeface="Arial"/>
-              <a:buNone/>
-              <a:defRPr sz="3600" b="1" i="0" u="none" strike="noStrike" cap="none" baseline="0">
-                <a:solidFill>
-                  <a:schemeClr val="dk1"/>
-                </a:solidFill>
-                <a:latin typeface="Arial"/>
-                <a:ea typeface="Arial"/>
-                <a:cs typeface="Arial"/>
-                <a:sym typeface="Arial"/>
-              </a:defRPr>
-            </a:lvl8pPr>
-            <a:lvl9pPr marL="0" indent="228600" algn="l" rtl="0">
-              <a:spcBef>
-                <a:spcPts val="0"/>
-              </a:spcBef>
-              <a:buClr>
-                <a:schemeClr val="dk1"/>
-              </a:buClr>
-              <a:buSzPct val="100000"/>
-              <a:buFont typeface="Arial"/>
-              <a:buNone/>
-              <a:defRPr sz="3600" b="1" i="0" u="none" strike="noStrike" cap="none" baseline="0">
-                <a:solidFill>
-                  <a:schemeClr val="dk1"/>
-                </a:solidFill>
-                <a:latin typeface="Arial"/>
-                <a:ea typeface="Arial"/>
-                <a:cs typeface="Arial"/>
-                <a:sym typeface="Arial"/>
-              </a:defRPr>
-            </a:lvl9pPr>
-          </a:lstStyle>
-          <a:p>
-            <a:endParaRPr/>
-          </a:p>
-        </p:txBody>
-      </p:sp>
-      <p:sp>
-        <p:nvSpPr>
-          <p:cNvPr id="40" name="Shape 40"/>
-          <p:cNvSpPr txBox="1">
-            <a:spLocks noGrp="1"/>
-          </p:cNvSpPr>
-          <p:nvPr>
-            <p:ph type="body" idx="1"/>
-          </p:nvPr>
-        </p:nvSpPr>
-        <p:spPr>
-          <a:xfrm>
-            <a:off x="457200" y="1600200"/>
-            <a:ext cx="8229600" cy="4967574"/>
-          </a:xfrm>
-          <a:prstGeom prst="rect">
-            <a:avLst/>
-          </a:prstGeom>
-          <a:noFill/>
-          <a:ln>
-            <a:noFill/>
-          </a:ln>
-        </p:spPr>
-        <p:txBody>
-          <a:bodyPr lIns="91425" tIns="91425" rIns="91425" bIns="91425" anchor="t" anchorCtr="0"/>
-          <a:lstStyle>
-            <a:lvl1pPr marL="342900" indent="-342900" algn="l" rtl="0">
-              <a:spcBef>
-                <a:spcPts val="600"/>
-              </a:spcBef>
-              <a:buClr>
-                <a:schemeClr val="dk1"/>
-              </a:buClr>
-              <a:buSzPct val="166666"/>
-              <a:buFont typeface="Arial"/>
-              <a:buChar char="•"/>
-              <a:defRPr sz="3000" b="0" i="0" u="none" strike="noStrike" cap="none" baseline="0">
-                <a:solidFill>
-                  <a:schemeClr val="dk1"/>
-                </a:solidFill>
-                <a:latin typeface="Arial"/>
-                <a:ea typeface="Arial"/>
-                <a:cs typeface="Arial"/>
-                <a:sym typeface="Arial"/>
-              </a:defRPr>
-            </a:lvl1pPr>
-            <a:lvl2pPr marL="742950" indent="-285750" algn="l" rtl="0">
-              <a:spcBef>
-                <a:spcPts val="480"/>
-              </a:spcBef>
-              <a:buClr>
-                <a:schemeClr val="dk1"/>
-              </a:buClr>
-              <a:buSzPct val="100000"/>
-              <a:buFont typeface="Courier New"/>
-              <a:buChar char="o"/>
-              <a:defRPr sz="2400" b="0" i="0" u="none" strike="noStrike" cap="none" baseline="0">
-                <a:solidFill>
-                  <a:schemeClr val="dk1"/>
-                </a:solidFill>
-                <a:latin typeface="Arial"/>
-                <a:ea typeface="Arial"/>
-                <a:cs typeface="Arial"/>
-                <a:sym typeface="Arial"/>
-              </a:defRPr>
-            </a:lvl2pPr>
-            <a:lvl3pPr marL="1143000" indent="-228600" algn="l" rtl="0">
-              <a:spcBef>
-                <a:spcPts val="480"/>
-              </a:spcBef>
-              <a:buClr>
-                <a:schemeClr val="dk1"/>
-              </a:buClr>
-              <a:buSzPct val="100000"/>
-              <a:buFont typeface="Wingdings"/>
-              <a:buChar char="§"/>
-              <a:defRPr sz="2400" b="0" i="0" u="none" strike="noStrike" cap="none" baseline="0">
-                <a:solidFill>
-                  <a:schemeClr val="dk1"/>
-                </a:solidFill>
-                <a:latin typeface="Arial"/>
-                <a:ea typeface="Arial"/>
-                <a:cs typeface="Arial"/>
-                <a:sym typeface="Arial"/>
-              </a:defRPr>
-            </a:lvl3pPr>
-            <a:lvl4pPr marL="1600200" indent="-228600" algn="l" rtl="0">
-              <a:spcBef>
-                <a:spcPts val="360"/>
-              </a:spcBef>
-              <a:buClr>
-                <a:schemeClr val="dk1"/>
-              </a:buClr>
-              <a:buSzPct val="166666"/>
-              <a:buFont typeface="Arial"/>
-              <a:buChar char="•"/>
-              <a:defRPr sz="1800" b="0" i="0" u="none" strike="noStrike" cap="none" baseline="0">
-                <a:solidFill>
-                  <a:schemeClr val="dk1"/>
-                </a:solidFill>
-                <a:latin typeface="Arial"/>
-                <a:ea typeface="Arial"/>
-                <a:cs typeface="Arial"/>
-                <a:sym typeface="Arial"/>
-              </a:defRPr>
-            </a:lvl4pPr>
-            <a:lvl5pPr marL="2057400" indent="-228600" algn="l" rtl="0">
-              <a:spcBef>
-                <a:spcPts val="360"/>
-              </a:spcBef>
-              <a:buClr>
-                <a:schemeClr val="dk1"/>
-              </a:buClr>
-              <a:buSzPct val="100000"/>
-              <a:buFont typeface="Courier New"/>
-              <a:buChar char="o"/>
-              <a:defRPr sz="1800" b="0" i="0" u="none" strike="noStrike" cap="none" baseline="0">
-                <a:solidFill>
-                  <a:schemeClr val="dk1"/>
-                </a:solidFill>
-                <a:latin typeface="Arial"/>
-                <a:ea typeface="Arial"/>
-                <a:cs typeface="Arial"/>
-                <a:sym typeface="Arial"/>
-              </a:defRPr>
-            </a:lvl5pPr>
-            <a:lvl6pPr marL="2514600" indent="-228600" algn="l" rtl="0">
-              <a:spcBef>
-                <a:spcPts val="360"/>
-              </a:spcBef>
-              <a:buClr>
-                <a:schemeClr val="dk1"/>
-              </a:buClr>
-              <a:buSzPct val="100000"/>
-              <a:buFont typeface="Wingdings"/>
-              <a:buChar char="§"/>
-              <a:defRPr sz="1800" b="0" i="0" u="none" strike="noStrike" cap="none" baseline="0">
-                <a:solidFill>
-                  <a:schemeClr val="dk1"/>
-                </a:solidFill>
-                <a:latin typeface="Arial"/>
-                <a:ea typeface="Arial"/>
-                <a:cs typeface="Arial"/>
-                <a:sym typeface="Arial"/>
-              </a:defRPr>
-            </a:lvl6pPr>
-            <a:lvl7pPr marL="2971800" indent="-228600" algn="l" rtl="0">
-              <a:spcBef>
-                <a:spcPts val="360"/>
-              </a:spcBef>
-              <a:buClr>
-                <a:schemeClr val="dk1"/>
-              </a:buClr>
-              <a:buSzPct val="166666"/>
-              <a:buFont typeface="Arial"/>
-              <a:buChar char="•"/>
-              <a:defRPr sz="1800" b="0" i="0" u="none" strike="noStrike" cap="none" baseline="0">
-                <a:solidFill>
-                  <a:schemeClr val="dk1"/>
-                </a:solidFill>
-                <a:latin typeface="Arial"/>
-                <a:ea typeface="Arial"/>
-                <a:cs typeface="Arial"/>
-                <a:sym typeface="Arial"/>
-              </a:defRPr>
-            </a:lvl7pPr>
-            <a:lvl8pPr marL="3429000" indent="-228600" algn="l" rtl="0">
-              <a:spcBef>
-                <a:spcPts val="360"/>
-              </a:spcBef>
-              <a:buClr>
-                <a:schemeClr val="dk1"/>
-              </a:buClr>
-              <a:buSzPct val="100000"/>
-              <a:buFont typeface="Courier New"/>
-              <a:buChar char="o"/>
-              <a:defRPr sz="1800" b="0" i="0" u="none" strike="noStrike" cap="none" baseline="0">
-                <a:solidFill>
-                  <a:schemeClr val="dk1"/>
-                </a:solidFill>
-                <a:latin typeface="Arial"/>
-                <a:ea typeface="Arial"/>
-                <a:cs typeface="Arial"/>
-                <a:sym typeface="Arial"/>
-              </a:defRPr>
-            </a:lvl8pPr>
-            <a:lvl9pPr marL="3886200" indent="-228600" algn="l" rtl="0">
-              <a:spcBef>
-                <a:spcPts val="360"/>
-              </a:spcBef>
-              <a:buClr>
-                <a:schemeClr val="dk1"/>
-              </a:buClr>
-              <a:buSzPct val="100000"/>
-              <a:buFont typeface="Wingdings"/>
-              <a:buChar char="§"/>
-              <a:defRPr sz="1800" b="0" i="0" u="none" strike="noStrike" cap="none" baseline="0">
-                <a:solidFill>
-                  <a:schemeClr val="dk1"/>
-                </a:solidFill>
-                <a:latin typeface="Arial"/>
-                <a:ea typeface="Arial"/>
-                <a:cs typeface="Arial"/>
-                <a:sym typeface="Arial"/>
-              </a:defRPr>
-            </a:lvl9pPr>
-          </a:lstStyle>
-          <a:p>
-            <a:endParaRPr/>
-          </a:p>
-        </p:txBody>
-      </p:sp>
-    </p:spTree>
-  </p:cSld>
-  <p:clrMap bg1="lt1" tx1="dk1" bg2="dk2" tx2="lt2" accent1="accent1" accent2="accent2" accent3="accent3" accent4="accent4" accent5="accent5" accent6="accent6" hlink="hlink" folHlink="folHlink"/>
-  <p:sldLayoutIdLst>
-    <p:sldLayoutId id="2147483654" r:id="rId1"/>
-    <p:sldLayoutId id="2147483655" r:id="rId2"/>
-    <p:sldLayoutId id="2147483656" r:id="rId3"/>
-    <p:sldLayoutId id="2147483657" r:id="rId4"/>
-    <p:sldLayoutId id="2147483658" r:id="rId5"/>
-    <p:sldLayoutId id="2147483659" r:id="rId6"/>
   </p:sldLayoutIdLst>
   <p:timing>
     <p:tnLst>
@@ -7741,7 +5232,7 @@
         <p:spPr>
           <a:xfrm>
             <a:off x="457200" y="1600200"/>
-            <a:ext cx="7931224" cy="604664"/>
+            <a:ext cx="5194920" cy="1540768"/>
           </a:xfrm>
         </p:spPr>
         <p:txBody>
@@ -7763,9 +5254,16 @@
             <a:endParaRPr lang="de-DE" dirty="0" smtClean="0"/>
           </a:p>
           <a:p>
+            <a:pPr marL="0" indent="0">
+              <a:buNone/>
+            </a:pPr>
+            <a:r>
+              <a:rPr lang="de-DE" dirty="0"/>
+              <a:t> </a:t>
+            </a:r>
             <a:r>
               <a:rPr lang="de-DE" dirty="0" smtClean="0"/>
-              <a:t>Funktion</a:t>
+              <a:t>   Funktion</a:t>
             </a:r>
             <a:endParaRPr lang="de-DE" dirty="0"/>
           </a:p>
@@ -7839,6 +5337,85 @@
 </file>
 
 <file path=ppt/slides/slide11.xml><?xml version="1.0" encoding="utf-8"?>
+<p:sld xmlns:a="http://schemas.openxmlformats.org/drawingml/2006/main" xmlns:r="http://schemas.openxmlformats.org/officeDocument/2006/relationships" xmlns:p="http://schemas.openxmlformats.org/presentationml/2006/main">
+  <p:cSld>
+    <p:spTree>
+      <p:nvGrpSpPr>
+        <p:cNvPr id="1" name=""/>
+        <p:cNvGrpSpPr/>
+        <p:nvPr/>
+      </p:nvGrpSpPr>
+      <p:grpSpPr>
+        <a:xfrm>
+          <a:off x="0" y="0"/>
+          <a:ext cx="0" cy="0"/>
+          <a:chOff x="0" y="0"/>
+          <a:chExt cx="0" cy="0"/>
+        </a:xfrm>
+      </p:grpSpPr>
+      <p:sp>
+        <p:nvSpPr>
+          <p:cNvPr id="6" name="Titel 5"/>
+          <p:cNvSpPr>
+            <a:spLocks noGrp="1"/>
+          </p:cNvSpPr>
+          <p:nvPr>
+            <p:ph type="ctrTitle"/>
+          </p:nvPr>
+        </p:nvSpPr>
+        <p:spPr/>
+        <p:txBody>
+          <a:bodyPr/>
+          <a:lstStyle/>
+          <a:p>
+            <a:r>
+              <a:rPr lang="de-DE" dirty="0" err="1" smtClean="0"/>
+              <a:t>Benchmarkingschema</a:t>
+            </a:r>
+            <a:endParaRPr lang="de-DE" dirty="0"/>
+          </a:p>
+        </p:txBody>
+      </p:sp>
+      <p:sp>
+        <p:nvSpPr>
+          <p:cNvPr id="7" name="Untertitel 6"/>
+          <p:cNvSpPr>
+            <a:spLocks noGrp="1"/>
+          </p:cNvSpPr>
+          <p:nvPr>
+            <p:ph type="subTitle" idx="1"/>
+          </p:nvPr>
+        </p:nvSpPr>
+        <p:spPr/>
+        <p:txBody>
+          <a:bodyPr/>
+          <a:lstStyle/>
+          <a:p>
+            <a:endParaRPr lang="de-DE"/>
+          </a:p>
+        </p:txBody>
+      </p:sp>
+    </p:spTree>
+    <p:extLst>
+      <p:ext uri="{BB962C8B-B14F-4D97-AF65-F5344CB8AC3E}">
+        <p14:creationId xmlns:p14="http://schemas.microsoft.com/office/powerpoint/2010/main" val="2579080222"/>
+      </p:ext>
+    </p:extLst>
+  </p:cSld>
+  <p:clrMapOvr>
+    <a:masterClrMapping/>
+  </p:clrMapOvr>
+  <p:timing>
+    <p:tnLst>
+      <p:par>
+        <p:cTn id="1" dur="indefinite" restart="never" nodeType="tmRoot"/>
+      </p:par>
+    </p:tnLst>
+  </p:timing>
+</p:sld>
+</file>
+
+<file path=ppt/slides/slide12.xml><?xml version="1.0" encoding="utf-8"?>
 <p:sld xmlns:a="http://schemas.openxmlformats.org/drawingml/2006/main" xmlns:r="http://schemas.openxmlformats.org/officeDocument/2006/relationships" xmlns:p="http://schemas.openxmlformats.org/presentationml/2006/main">
   <p:cSld>
     <p:spTree>
@@ -7962,7 +5539,185 @@
 </p:sld>
 </file>
 
-<file path=ppt/slides/slide12.xml><?xml version="1.0" encoding="utf-8"?>
+<file path=ppt/slides/slide13.xml><?xml version="1.0" encoding="utf-8"?>
+<p:sld xmlns:a="http://schemas.openxmlformats.org/drawingml/2006/main" xmlns:r="http://schemas.openxmlformats.org/officeDocument/2006/relationships" xmlns:p="http://schemas.openxmlformats.org/presentationml/2006/main">
+  <p:cSld>
+    <p:spTree>
+      <p:nvGrpSpPr>
+        <p:cNvPr id="1" name=""/>
+        <p:cNvGrpSpPr/>
+        <p:nvPr/>
+      </p:nvGrpSpPr>
+      <p:grpSpPr>
+        <a:xfrm>
+          <a:off x="0" y="0"/>
+          <a:ext cx="0" cy="0"/>
+          <a:chOff x="0" y="0"/>
+          <a:chExt cx="0" cy="0"/>
+        </a:xfrm>
+      </p:grpSpPr>
+      <p:sp>
+        <p:nvSpPr>
+          <p:cNvPr id="4" name="Titel 3"/>
+          <p:cNvSpPr>
+            <a:spLocks noGrp="1"/>
+          </p:cNvSpPr>
+          <p:nvPr>
+            <p:ph type="ctrTitle"/>
+          </p:nvPr>
+        </p:nvSpPr>
+        <p:spPr/>
+        <p:txBody>
+          <a:bodyPr/>
+          <a:lstStyle/>
+          <a:p>
+            <a:r>
+              <a:rPr lang="de-DE" dirty="0" smtClean="0"/>
+              <a:t>Verfahren und Ergebnisse</a:t>
+            </a:r>
+            <a:endParaRPr lang="de-DE" dirty="0"/>
+          </a:p>
+        </p:txBody>
+      </p:sp>
+      <p:sp>
+        <p:nvSpPr>
+          <p:cNvPr id="5" name="Untertitel 4"/>
+          <p:cNvSpPr>
+            <a:spLocks noGrp="1"/>
+          </p:cNvSpPr>
+          <p:nvPr>
+            <p:ph type="subTitle" idx="1"/>
+          </p:nvPr>
+        </p:nvSpPr>
+        <p:spPr/>
+        <p:txBody>
+          <a:bodyPr/>
+          <a:lstStyle/>
+          <a:p>
+            <a:endParaRPr lang="de-DE"/>
+          </a:p>
+        </p:txBody>
+      </p:sp>
+    </p:spTree>
+    <p:extLst>
+      <p:ext uri="{BB962C8B-B14F-4D97-AF65-F5344CB8AC3E}">
+        <p14:creationId xmlns:p14="http://schemas.microsoft.com/office/powerpoint/2010/main" val="1173584748"/>
+      </p:ext>
+    </p:extLst>
+  </p:cSld>
+  <p:clrMapOvr>
+    <a:masterClrMapping/>
+  </p:clrMapOvr>
+</p:sld>
+</file>
+
+<file path=ppt/slides/slide14.xml><?xml version="1.0" encoding="utf-8"?>
+<p:sld xmlns:a="http://schemas.openxmlformats.org/drawingml/2006/main" xmlns:r="http://schemas.openxmlformats.org/officeDocument/2006/relationships" xmlns:p="http://schemas.openxmlformats.org/presentationml/2006/main">
+  <p:cSld>
+    <p:spTree>
+      <p:nvGrpSpPr>
+        <p:cNvPr id="1" name=""/>
+        <p:cNvGrpSpPr/>
+        <p:nvPr/>
+      </p:nvGrpSpPr>
+      <p:grpSpPr>
+        <a:xfrm>
+          <a:off x="0" y="0"/>
+          <a:ext cx="0" cy="0"/>
+          <a:chOff x="0" y="0"/>
+          <a:chExt cx="0" cy="0"/>
+        </a:xfrm>
+      </p:grpSpPr>
+      <p:sp>
+        <p:nvSpPr>
+          <p:cNvPr id="2" name="Titel 1"/>
+          <p:cNvSpPr>
+            <a:spLocks noGrp="1"/>
+          </p:cNvSpPr>
+          <p:nvPr>
+            <p:ph type="title"/>
+          </p:nvPr>
+        </p:nvSpPr>
+        <p:spPr/>
+        <p:txBody>
+          <a:bodyPr/>
+          <a:lstStyle/>
+          <a:p>
+            <a:r>
+              <a:rPr lang="de-DE" dirty="0" smtClean="0"/>
+              <a:t>Verfahren und Ergebnisse</a:t>
+            </a:r>
+            <a:endParaRPr lang="de-DE" dirty="0"/>
+          </a:p>
+        </p:txBody>
+      </p:sp>
+      <p:sp>
+        <p:nvSpPr>
+          <p:cNvPr id="3" name="Textplatzhalter 2"/>
+          <p:cNvSpPr>
+            <a:spLocks noGrp="1"/>
+          </p:cNvSpPr>
+          <p:nvPr>
+            <p:ph type="body" idx="1"/>
+          </p:nvPr>
+        </p:nvSpPr>
+        <p:spPr/>
+        <p:txBody>
+          <a:bodyPr/>
+          <a:lstStyle/>
+          <a:p>
+            <a:r>
+              <a:rPr lang="de-DE" dirty="0" err="1" smtClean="0"/>
+              <a:t>Relle</a:t>
+            </a:r>
+            <a:r>
+              <a:rPr lang="de-DE" dirty="0" smtClean="0"/>
+              <a:t> Darstellung</a:t>
+            </a:r>
+          </a:p>
+          <a:p>
+            <a:r>
+              <a:rPr lang="de-DE" dirty="0" smtClean="0"/>
+              <a:t>Binärdarstellung</a:t>
+            </a:r>
+          </a:p>
+          <a:p>
+            <a:r>
+              <a:rPr lang="de-DE" dirty="0" smtClean="0"/>
+              <a:t>Granularitätsproblem</a:t>
+            </a:r>
+          </a:p>
+          <a:p>
+            <a:r>
+              <a:rPr lang="de-DE" dirty="0" smtClean="0"/>
+              <a:t>Mutationsverfahren und Parameter</a:t>
+            </a:r>
+          </a:p>
+          <a:p>
+            <a:endParaRPr lang="de-DE" dirty="0" smtClean="0"/>
+          </a:p>
+          <a:p>
+            <a:endParaRPr lang="de-DE" dirty="0" smtClean="0"/>
+          </a:p>
+          <a:p>
+            <a:endParaRPr lang="de-DE" dirty="0"/>
+          </a:p>
+        </p:txBody>
+      </p:sp>
+    </p:spTree>
+    <p:extLst>
+      <p:ext uri="{BB962C8B-B14F-4D97-AF65-F5344CB8AC3E}">
+        <p14:creationId xmlns:p14="http://schemas.microsoft.com/office/powerpoint/2010/main" val="3643252665"/>
+      </p:ext>
+    </p:extLst>
+  </p:cSld>
+  <p:clrMapOvr>
+    <a:masterClrMapping/>
+  </p:clrMapOvr>
+</p:sld>
+</file>
+
+<file path=ppt/slides/slide15.xml><?xml version="1.0" encoding="utf-8"?>
 <p:sld xmlns:a="http://schemas.openxmlformats.org/drawingml/2006/main" xmlns:r="http://schemas.openxmlformats.org/officeDocument/2006/relationships" xmlns:p="http://schemas.openxmlformats.org/presentationml/2006/main">
   <p:cSld>
     <p:spTree>
@@ -8162,7 +5917,7 @@
               <a:buAutoNum type="arabicPeriod"/>
             </a:pPr>
             <a:r>
-              <a:rPr lang="de"/>
+              <a:rPr lang="de" dirty="0"/>
               <a:t>Einführung</a:t>
             </a:r>
           </a:p>
@@ -8176,7 +5931,7 @@
               <a:buAutoNum type="alphaLcPeriod"/>
             </a:pPr>
             <a:r>
-              <a:rPr lang="de"/>
+              <a:rPr lang="de" dirty="0"/>
               <a:t>Programmiersprache und Oberfläche</a:t>
             </a:r>
           </a:p>
@@ -8190,7 +5945,7 @@
               <a:buAutoNum type="alphaLcPeriod"/>
             </a:pPr>
             <a:r>
-              <a:rPr lang="de"/>
+              <a:rPr lang="de" dirty="0"/>
               <a:t>Bedienung</a:t>
             </a:r>
           </a:p>
@@ -8204,12 +5959,12 @@
               <a:buAutoNum type="alphaLcPeriod"/>
             </a:pPr>
             <a:r>
-              <a:rPr lang="de"/>
+              <a:rPr lang="de" dirty="0"/>
               <a:t>Benchmarkschema (Standardwerte)</a:t>
             </a:r>
           </a:p>
           <a:p>
-            <a:endParaRPr lang="de"/>
+            <a:endParaRPr lang="de" dirty="0"/>
           </a:p>
           <a:p>
             <a:pPr marL="457200" lvl="0" indent="-419100" rtl="0">
@@ -8221,7 +5976,7 @@
               <a:buAutoNum type="arabicPeriod"/>
             </a:pPr>
             <a:r>
-              <a:rPr lang="de"/>
+              <a:rPr lang="de" dirty="0"/>
               <a:t>Verfahren und Ergebnisse</a:t>
             </a:r>
           </a:p>
@@ -8235,7 +5990,7 @@
               <a:buAutoNum type="alphaLcPeriod"/>
             </a:pPr>
             <a:r>
-              <a:rPr lang="de"/>
+              <a:rPr lang="de" dirty="0"/>
               <a:t>Binärdarstellung / Relle Darstellung</a:t>
             </a:r>
           </a:p>
@@ -8249,7 +6004,7 @@
               <a:buAutoNum type="alphaLcPeriod"/>
             </a:pPr>
             <a:r>
-              <a:rPr lang="de"/>
+              <a:rPr lang="de" dirty="0"/>
               <a:t>Mutationsverfahren</a:t>
             </a:r>
           </a:p>
@@ -8347,7 +6102,7 @@
         <p:spPr>
           <a:xfrm>
             <a:off x="457200" y="1600200"/>
-            <a:ext cx="8229600" cy="4967700"/>
+            <a:ext cx="8229600" cy="2800736"/>
           </a:xfrm>
           <a:prstGeom prst="rect">
             <a:avLst/>
@@ -8363,9 +6118,10 @@
               <a:buNone/>
             </a:pPr>
             <a:r>
-              <a:rPr lang="de"/>
-              <a:t>Programmiersprache:</a:t>
+              <a:rPr lang="de" dirty="0" smtClean="0"/>
+              <a:t>Programmiersprache und Oberfläche:</a:t>
             </a:r>
+            <a:endParaRPr lang="de" dirty="0"/>
           </a:p>
           <a:p>
             <a:pPr marL="457200" lvl="0" indent="-419100" rtl="0">
@@ -8377,31 +6133,33 @@
               <a:buChar char="•"/>
             </a:pPr>
             <a:r>
-              <a:rPr lang="de"/>
+              <a:rPr lang="de" dirty="0"/>
               <a:t>Implementierung in C#</a:t>
             </a:r>
           </a:p>
           <a:p>
-            <a:endParaRPr lang="de"/>
-          </a:p>
-          <a:p>
-            <a:endParaRPr lang="de"/>
-          </a:p>
-          <a:p>
-            <a:endParaRPr lang="de"/>
+            <a:endParaRPr lang="de" dirty="0"/>
+          </a:p>
+          <a:p>
+            <a:endParaRPr lang="de" dirty="0"/>
+          </a:p>
+          <a:p>
+            <a:endParaRPr lang="de" dirty="0"/>
           </a:p>
         </p:txBody>
       </p:sp>
       <p:sp>
         <p:nvSpPr>
           <p:cNvPr id="71" name="Shape 71"/>
-          <p:cNvSpPr/>
+          <p:cNvSpPr>
+            <a:spLocks noChangeAspect="1"/>
+          </p:cNvSpPr>
           <p:nvPr/>
         </p:nvSpPr>
         <p:spPr>
           <a:xfrm>
-            <a:off x="1006998" y="2721574"/>
-            <a:ext cx="6752501" cy="3846325"/>
+            <a:off x="971600" y="2712767"/>
+            <a:ext cx="7261794" cy="4136426"/>
           </a:xfrm>
           <a:prstGeom prst="rect">
             <a:avLst/>
@@ -8506,7 +6264,7 @@
         <p:spPr>
           <a:xfrm>
             <a:off x="457200" y="1600200"/>
-            <a:ext cx="8229600" cy="4967700"/>
+            <a:ext cx="8229600" cy="1501919"/>
           </a:xfrm>
           <a:prstGeom prst="rect">
             <a:avLst/>
@@ -8531,198 +6289,322 @@
               <a:buNone/>
             </a:pPr>
             <a:r>
-              <a:rPr lang="de" sz="2400"/>
+              <a:rPr lang="de" sz="2400" dirty="0"/>
               <a:t>Benchmarkingschema</a:t>
             </a:r>
           </a:p>
           <a:p>
-            <a:pPr marL="457200" lvl="0" indent="-381000" rtl="0">
-              <a:lnSpc>
-                <a:spcPct val="115000"/>
-              </a:lnSpc>
-              <a:spcBef>
-                <a:spcPts val="0"/>
-              </a:spcBef>
-              <a:buClr>
-                <a:schemeClr val="dk1"/>
-              </a:buClr>
-              <a:buSzPct val="166666"/>
-              <a:buFont typeface="Arial"/>
-              <a:buChar char="•"/>
-            </a:pPr>
-            <a:r>
-              <a:rPr lang="de" sz="2400"/>
-              <a:t>Elternpopulation            	= 100</a:t>
-            </a:r>
-          </a:p>
-          <a:p>
-            <a:pPr marL="457200" lvl="0" indent="-381000" rtl="0">
-              <a:lnSpc>
-                <a:spcPct val="115000"/>
-              </a:lnSpc>
-              <a:spcBef>
-                <a:spcPts val="0"/>
-              </a:spcBef>
-              <a:buClr>
-                <a:schemeClr val="dk1"/>
-              </a:buClr>
-              <a:buSzPct val="166666"/>
-              <a:buFont typeface="Arial"/>
-              <a:buChar char="•"/>
-            </a:pPr>
-            <a:r>
-              <a:rPr lang="de" sz="2400"/>
-              <a:t>Kindpopulation              	= 100</a:t>
-            </a:r>
-          </a:p>
-          <a:p>
-            <a:pPr marL="457200" lvl="0" indent="-381000" rtl="0">
-              <a:lnSpc>
-                <a:spcPct val="115000"/>
-              </a:lnSpc>
-              <a:spcBef>
-                <a:spcPts val="0"/>
-              </a:spcBef>
-              <a:buClr>
-                <a:schemeClr val="dk1"/>
-              </a:buClr>
-              <a:buSzPct val="166666"/>
-              <a:buFont typeface="Arial"/>
-              <a:buChar char="•"/>
-            </a:pPr>
-            <a:r>
-              <a:rPr lang="de" sz="2400"/>
-              <a:t>Intervall                       	= [-20, 30]</a:t>
-            </a:r>
-          </a:p>
-          <a:p>
-            <a:pPr marL="457200" lvl="0" indent="-381000" rtl="0">
-              <a:lnSpc>
-                <a:spcPct val="115000"/>
-              </a:lnSpc>
-              <a:spcBef>
-                <a:spcPts val="0"/>
-              </a:spcBef>
-              <a:buClr>
-                <a:schemeClr val="dk1"/>
-              </a:buClr>
-              <a:buSzPct val="166666"/>
-              <a:buFont typeface="Arial"/>
-              <a:buChar char="•"/>
-            </a:pPr>
-            <a:r>
-              <a:rPr lang="de" sz="2400"/>
-              <a:t>Gene (n)                      	= 5</a:t>
-            </a:r>
-          </a:p>
-          <a:p>
-            <a:pPr marL="457200" lvl="0" indent="-381000" rtl="0">
-              <a:lnSpc>
-                <a:spcPct val="115000"/>
-              </a:lnSpc>
-              <a:spcBef>
-                <a:spcPts val="0"/>
-              </a:spcBef>
-              <a:buClr>
-                <a:schemeClr val="dk1"/>
-              </a:buClr>
-              <a:buSzPct val="166666"/>
-              <a:buFont typeface="Arial"/>
-              <a:buChar char="•"/>
-            </a:pPr>
-            <a:r>
-              <a:rPr lang="de" sz="2400"/>
-              <a:t>Binärstringlänge (k)		= 10</a:t>
-            </a:r>
-          </a:p>
-          <a:p>
-            <a:pPr marL="457200" lvl="0" indent="-381000" rtl="0">
-              <a:lnSpc>
-                <a:spcPct val="115000"/>
-              </a:lnSpc>
-              <a:spcBef>
-                <a:spcPts val="0"/>
-              </a:spcBef>
-              <a:buClr>
-                <a:schemeClr val="dk1"/>
-              </a:buClr>
-              <a:buSzPct val="166666"/>
-              <a:buFont typeface="Arial"/>
-              <a:buChar char="•"/>
-            </a:pPr>
-            <a:r>
-              <a:rPr lang="de" sz="2400"/>
-              <a:t>Anteil der Mutation bei der Rekombination = 25 %</a:t>
-            </a:r>
-          </a:p>
-          <a:p>
-            <a:pPr marL="457200" lvl="0" indent="-381000" rtl="0">
-              <a:lnSpc>
-                <a:spcPct val="115000"/>
-              </a:lnSpc>
-              <a:spcBef>
-                <a:spcPts val="0"/>
-              </a:spcBef>
-              <a:buClr>
-                <a:schemeClr val="dk1"/>
-              </a:buClr>
-              <a:buSzPct val="166666"/>
-              <a:buFont typeface="Arial"/>
-              <a:buChar char="•"/>
-            </a:pPr>
-            <a:r>
-              <a:rPr lang="de" sz="2400"/>
-              <a:t>Rekombinationspunkte	= 5</a:t>
-            </a:r>
-          </a:p>
-          <a:p>
-            <a:pPr marL="457200" lvl="0" indent="-381000" rtl="0">
-              <a:lnSpc>
-                <a:spcPct val="115000"/>
-              </a:lnSpc>
-              <a:spcBef>
-                <a:spcPts val="0"/>
-              </a:spcBef>
-              <a:buClr>
-                <a:schemeClr val="dk1"/>
-              </a:buClr>
-              <a:buSzPct val="166666"/>
-              <a:buFont typeface="Arial"/>
-              <a:buChar char="•"/>
-            </a:pPr>
-            <a:r>
-              <a:rPr lang="de" sz="2400"/>
-              <a:t>Generationen			= 500</a:t>
-            </a:r>
-          </a:p>
-          <a:p>
-            <a:pPr marL="457200" lvl="0" indent="-381000" rtl="0">
-              <a:lnSpc>
-                <a:spcPct val="115000"/>
-              </a:lnSpc>
-              <a:spcBef>
-                <a:spcPts val="0"/>
-              </a:spcBef>
-              <a:buClr>
-                <a:schemeClr val="dk1"/>
-              </a:buClr>
-              <a:buSzPct val="166666"/>
-              <a:buFont typeface="Arial"/>
-              <a:buChar char="•"/>
-            </a:pPr>
-            <a:r>
-              <a:rPr lang="de" sz="2400"/>
-              <a:t>Selektion					= keine</a:t>
-            </a:r>
-          </a:p>
-          <a:p>
-            <a:endParaRPr lang="de" sz="2400"/>
-          </a:p>
-          <a:p>
-            <a:endParaRPr lang="de" sz="2400"/>
+            <a:endParaRPr lang="de" sz="2400" dirty="0"/>
+          </a:p>
+          <a:p>
+            <a:endParaRPr lang="de" sz="2400" dirty="0"/>
           </a:p>
         </p:txBody>
       </p:sp>
+      <p:graphicFrame>
+        <p:nvGraphicFramePr>
+          <p:cNvPr id="2" name="Tabelle 1"/>
+          <p:cNvGraphicFramePr>
+            <a:graphicFrameLocks noGrp="1"/>
+          </p:cNvGraphicFramePr>
+          <p:nvPr>
+            <p:extLst>
+              <p:ext uri="{D42A27DB-BD31-4B8C-83A1-F6EECF244321}">
+                <p14:modId xmlns:p14="http://schemas.microsoft.com/office/powerpoint/2010/main" val="121336137"/>
+              </p:ext>
+            </p:extLst>
+          </p:nvPr>
+        </p:nvGraphicFramePr>
+        <p:xfrm>
+          <a:off x="4211960" y="1628800"/>
+          <a:ext cx="3816424" cy="4824536"/>
+        </p:xfrm>
+        <a:graphic>
+          <a:graphicData uri="http://schemas.openxmlformats.org/drawingml/2006/table">
+            <a:tbl>
+              <a:tblPr firstRow="1" bandRow="1">
+                <a:tableStyleId>{21E4AEA4-8DFA-4A89-87EB-49C32662AFE0}</a:tableStyleId>
+              </a:tblPr>
+              <a:tblGrid>
+                <a:gridCol w="2664296"/>
+                <a:gridCol w="1152128"/>
+              </a:tblGrid>
+              <a:tr h="494428">
+                <a:tc>
+                  <a:txBody>
+                    <a:bodyPr/>
+                    <a:lstStyle/>
+                    <a:p>
+                      <a:r>
+                        <a:rPr lang="de-DE" sz="1800" dirty="0" smtClean="0"/>
+                        <a:t>Parameter</a:t>
+                      </a:r>
+                      <a:endParaRPr lang="de-DE" sz="1800" dirty="0"/>
+                    </a:p>
+                  </a:txBody>
+                  <a:tcPr/>
+                </a:tc>
+                <a:tc>
+                  <a:txBody>
+                    <a:bodyPr/>
+                    <a:lstStyle/>
+                    <a:p>
+                      <a:r>
+                        <a:rPr lang="de-DE" sz="1800" dirty="0" smtClean="0"/>
+                        <a:t>Wert</a:t>
+                      </a:r>
+                      <a:endParaRPr lang="de-DE" sz="1800" dirty="0"/>
+                    </a:p>
+                  </a:txBody>
+                  <a:tcPr/>
+                </a:tc>
+              </a:tr>
+              <a:tr h="494428">
+                <a:tc>
+                  <a:txBody>
+                    <a:bodyPr/>
+                    <a:lstStyle/>
+                    <a:p>
+                      <a:r>
+                        <a:rPr lang="de-DE" sz="1800" dirty="0" smtClean="0"/>
+                        <a:t>Elternpopulation</a:t>
+                      </a:r>
+                      <a:endParaRPr lang="de-DE" sz="1800" dirty="0"/>
+                    </a:p>
+                  </a:txBody>
+                  <a:tcPr/>
+                </a:tc>
+                <a:tc>
+                  <a:txBody>
+                    <a:bodyPr/>
+                    <a:lstStyle/>
+                    <a:p>
+                      <a:r>
+                        <a:rPr lang="de-DE" sz="1800" dirty="0" smtClean="0"/>
+                        <a:t>100</a:t>
+                      </a:r>
+                      <a:endParaRPr lang="de-DE" sz="1800" dirty="0"/>
+                    </a:p>
+                  </a:txBody>
+                  <a:tcPr/>
+                </a:tc>
+              </a:tr>
+              <a:tr h="494428">
+                <a:tc>
+                  <a:txBody>
+                    <a:bodyPr/>
+                    <a:lstStyle/>
+                    <a:p>
+                      <a:r>
+                        <a:rPr lang="de-DE" sz="1800" dirty="0" err="1" smtClean="0"/>
+                        <a:t>Kindpopulation</a:t>
+                      </a:r>
+                      <a:endParaRPr lang="de-DE" sz="1800" dirty="0"/>
+                    </a:p>
+                  </a:txBody>
+                  <a:tcPr/>
+                </a:tc>
+                <a:tc>
+                  <a:txBody>
+                    <a:bodyPr/>
+                    <a:lstStyle/>
+                    <a:p>
+                      <a:r>
+                        <a:rPr lang="de-DE" sz="1800" dirty="0" smtClean="0"/>
+                        <a:t>100</a:t>
+                      </a:r>
+                      <a:endParaRPr lang="de-DE" sz="1800" dirty="0"/>
+                    </a:p>
+                  </a:txBody>
+                  <a:tcPr/>
+                </a:tc>
+              </a:tr>
+              <a:tr h="494428">
+                <a:tc>
+                  <a:txBody>
+                    <a:bodyPr/>
+                    <a:lstStyle/>
+                    <a:p>
+                      <a:r>
+                        <a:rPr lang="de-DE" sz="1800" dirty="0" smtClean="0"/>
+                        <a:t>Intervall</a:t>
+                      </a:r>
+                      <a:endParaRPr lang="de-DE" sz="1800" dirty="0"/>
+                    </a:p>
+                  </a:txBody>
+                  <a:tcPr/>
+                </a:tc>
+                <a:tc>
+                  <a:txBody>
+                    <a:bodyPr/>
+                    <a:lstStyle/>
+                    <a:p>
+                      <a:r>
+                        <a:rPr lang="de-DE" sz="1800" dirty="0" smtClean="0"/>
+                        <a:t>[-20;</a:t>
+                      </a:r>
+                      <a:r>
+                        <a:rPr lang="de-DE" sz="1800" baseline="0" dirty="0" smtClean="0"/>
+                        <a:t> 30]</a:t>
+                      </a:r>
+                      <a:endParaRPr lang="de-DE" sz="1800" dirty="0"/>
+                    </a:p>
+                  </a:txBody>
+                  <a:tcPr/>
+                </a:tc>
+              </a:tr>
+              <a:tr h="494428">
+                <a:tc>
+                  <a:txBody>
+                    <a:bodyPr/>
+                    <a:lstStyle/>
+                    <a:p>
+                      <a:r>
+                        <a:rPr lang="de-DE" sz="1800" dirty="0" smtClean="0"/>
+                        <a:t>Binärstringlänge</a:t>
+                      </a:r>
+                      <a:endParaRPr lang="de-DE" sz="1800" dirty="0"/>
+                    </a:p>
+                  </a:txBody>
+                  <a:tcPr/>
+                </a:tc>
+                <a:tc>
+                  <a:txBody>
+                    <a:bodyPr/>
+                    <a:lstStyle/>
+                    <a:p>
+                      <a:r>
+                        <a:rPr lang="de-DE" sz="1800" dirty="0" smtClean="0"/>
+                        <a:t>10</a:t>
+                      </a:r>
+                      <a:endParaRPr lang="de-DE" sz="1800" dirty="0"/>
+                    </a:p>
+                  </a:txBody>
+                  <a:tcPr/>
+                </a:tc>
+              </a:tr>
+              <a:tr h="690843">
+                <a:tc>
+                  <a:txBody>
+                    <a:bodyPr/>
+                    <a:lstStyle/>
+                    <a:p>
+                      <a:r>
+                        <a:rPr lang="de-DE" sz="1800" dirty="0" smtClean="0"/>
+                        <a:t>Anteil der Mutation an Rekombination</a:t>
+                      </a:r>
+                      <a:endParaRPr lang="de-DE" sz="1800" dirty="0"/>
+                    </a:p>
+                  </a:txBody>
+                  <a:tcPr/>
+                </a:tc>
+                <a:tc>
+                  <a:txBody>
+                    <a:bodyPr/>
+                    <a:lstStyle/>
+                    <a:p>
+                      <a:r>
+                        <a:rPr lang="de-DE" sz="1800" dirty="0" smtClean="0"/>
+                        <a:t>25%</a:t>
+                      </a:r>
+                      <a:endParaRPr lang="de-DE" sz="1800" dirty="0"/>
+                    </a:p>
+                  </a:txBody>
+                  <a:tcPr/>
+                </a:tc>
+              </a:tr>
+              <a:tr h="672697">
+                <a:tc>
+                  <a:txBody>
+                    <a:bodyPr/>
+                    <a:lstStyle/>
+                    <a:p>
+                      <a:r>
+                        <a:rPr lang="de-DE" sz="1800" dirty="0" smtClean="0"/>
+                        <a:t>Rekombinationspunkte</a:t>
+                      </a:r>
+                      <a:endParaRPr lang="de-DE" sz="1800" dirty="0"/>
+                    </a:p>
+                  </a:txBody>
+                  <a:tcPr/>
+                </a:tc>
+                <a:tc>
+                  <a:txBody>
+                    <a:bodyPr/>
+                    <a:lstStyle/>
+                    <a:p>
+                      <a:r>
+                        <a:rPr lang="de-DE" sz="1800" dirty="0" smtClean="0"/>
+                        <a:t>5</a:t>
+                      </a:r>
+                      <a:endParaRPr lang="de-DE" sz="1800" dirty="0"/>
+                    </a:p>
+                  </a:txBody>
+                  <a:tcPr/>
+                </a:tc>
+              </a:tr>
+              <a:tr h="494428">
+                <a:tc>
+                  <a:txBody>
+                    <a:bodyPr/>
+                    <a:lstStyle/>
+                    <a:p>
+                      <a:r>
+                        <a:rPr lang="de-DE" sz="1800" dirty="0" smtClean="0"/>
+                        <a:t>Generationen</a:t>
+                      </a:r>
+                      <a:endParaRPr lang="de-DE" sz="1800" dirty="0"/>
+                    </a:p>
+                  </a:txBody>
+                  <a:tcPr/>
+                </a:tc>
+                <a:tc>
+                  <a:txBody>
+                    <a:bodyPr/>
+                    <a:lstStyle/>
+                    <a:p>
+                      <a:r>
+                        <a:rPr lang="de-DE" sz="1800" dirty="0" smtClean="0"/>
+                        <a:t>500</a:t>
+                      </a:r>
+                    </a:p>
+                  </a:txBody>
+                  <a:tcPr/>
+                </a:tc>
+              </a:tr>
+              <a:tr h="494428">
+                <a:tc>
+                  <a:txBody>
+                    <a:bodyPr/>
+                    <a:lstStyle/>
+                    <a:p>
+                      <a:r>
+                        <a:rPr lang="de-DE" sz="1800" dirty="0" smtClean="0"/>
+                        <a:t>Selektionsmethode</a:t>
+                      </a:r>
+                      <a:endParaRPr lang="de-DE" sz="1800" dirty="0"/>
+                    </a:p>
+                  </a:txBody>
+                  <a:tcPr/>
+                </a:tc>
+                <a:tc>
+                  <a:txBody>
+                    <a:bodyPr/>
+                    <a:lstStyle/>
+                    <a:p>
+                      <a:r>
+                        <a:rPr lang="de-DE" sz="1800" dirty="0" smtClean="0"/>
+                        <a:t>keine</a:t>
+                      </a:r>
+                    </a:p>
+                  </a:txBody>
+                  <a:tcPr/>
+                </a:tc>
+              </a:tr>
+            </a:tbl>
+          </a:graphicData>
+        </a:graphic>
+      </p:graphicFrame>
     </p:spTree>
   </p:cSld>
   <p:clrMapOvr>
@@ -8827,7 +6709,7 @@
           </a:bodyPr>
           <a:lstStyle/>
           <a:p>
-            <a:endParaRPr/>
+            <a:endParaRPr dirty="0"/>
           </a:p>
         </p:txBody>
       </p:sp>
@@ -8839,16 +6721,32 @@
         </p:nvSpPr>
         <p:spPr>
           <a:xfrm>
-            <a:off x="0" y="2276872"/>
-            <a:ext cx="9143999" cy="4212942"/>
+            <a:off x="0" y="2420888"/>
+            <a:ext cx="9144000" cy="4016211"/>
           </a:xfrm>
           <a:prstGeom prst="rect">
             <a:avLst/>
           </a:prstGeom>
           <a:blipFill>
-            <a:blip r:embed="rId3"/>
+            <a:blip r:embed="rId3">
+              <a:extLst>
+                <a:ext uri="{BEBA8EAE-BF5A-486C-A8C5-ECC9F3942E4B}">
+                  <a14:imgProps xmlns:a14="http://schemas.microsoft.com/office/drawing/2010/main">
+                    <a14:imgLayer r:embed="rId4">
+                      <a14:imgEffect>
+                        <a14:sharpenSoften amount="25000"/>
+                      </a14:imgEffect>
+                      <a14:imgEffect>
+                        <a14:brightnessContrast contrast="-20000"/>
+                      </a14:imgEffect>
+                    </a14:imgLayer>
+                  </a14:imgProps>
+                </a:ext>
+              </a:extLst>
+            </a:blip>
+            <a:srcRect/>
             <a:stretch>
-              <a:fillRect/>
+              <a:fillRect l="-4414" t="-3519" r="-5063" b="-3295"/>
             </a:stretch>
           </a:blipFill>
           <a:ln>
@@ -9010,7 +6908,7 @@
         </p:blipFill>
         <p:spPr bwMode="auto">
           <a:xfrm>
-            <a:off x="60911" y="1340768"/>
+            <a:off x="-11097" y="1340768"/>
             <a:ext cx="4727113" cy="432048"/>
           </a:xfrm>
           <a:prstGeom prst="rect">
@@ -9038,6 +6936,13 @@
   <p:clrMapOvr>
     <a:masterClrMapping/>
   </p:clrMapOvr>
+  <p:timing>
+    <p:tnLst>
+      <p:par>
+        <p:cTn id="1" dur="indefinite" restart="never" nodeType="tmRoot"/>
+      </p:par>
+    </p:tnLst>
+  </p:timing>
 </p:sld>
 </file>
 
@@ -9118,28 +7023,46 @@
           </a:bodyPr>
           <a:lstStyle/>
           <a:p>
-            <a:endParaRPr/>
+            <a:endParaRPr dirty="0"/>
           </a:p>
         </p:txBody>
       </p:sp>
       <p:sp>
         <p:nvSpPr>
           <p:cNvPr id="91" name="Shape 91"/>
-          <p:cNvSpPr/>
+          <p:cNvSpPr>
+            <a:spLocks noChangeAspect="1"/>
+          </p:cNvSpPr>
           <p:nvPr/>
         </p:nvSpPr>
         <p:spPr>
           <a:xfrm>
-            <a:off x="0" y="2711479"/>
-            <a:ext cx="9144000" cy="3856420"/>
+            <a:off x="12219" y="2461741"/>
+            <a:ext cx="9131781" cy="3941560"/>
           </a:xfrm>
           <a:prstGeom prst="rect">
             <a:avLst/>
           </a:prstGeom>
           <a:blipFill>
-            <a:blip r:embed="rId3"/>
+            <a:blip r:embed="rId3">
+              <a:extLst>
+                <a:ext uri="{BEBA8EAE-BF5A-486C-A8C5-ECC9F3942E4B}">
+                  <a14:imgProps xmlns:a14="http://schemas.microsoft.com/office/drawing/2010/main">
+                    <a14:imgLayer r:embed="rId4">
+                      <a14:imgEffect>
+                        <a14:sharpenSoften amount="25000"/>
+                      </a14:imgEffect>
+                      <a14:imgEffect>
+                        <a14:brightnessContrast contrast="-20000"/>
+                      </a14:imgEffect>
+                    </a14:imgLayer>
+                  </a14:imgProps>
+                </a:ext>
+              </a:extLst>
+            </a:blip>
+            <a:srcRect/>
             <a:stretch>
-              <a:fillRect/>
+              <a:fillRect l="-4612" t="-3559" r="-5767" b="-4291"/>
             </a:stretch>
           </a:blipFill>
           <a:ln>
@@ -9412,28 +7335,46 @@
           </a:bodyPr>
           <a:lstStyle/>
           <a:p>
-            <a:endParaRPr/>
+            <a:endParaRPr dirty="0"/>
           </a:p>
         </p:txBody>
       </p:sp>
       <p:sp>
         <p:nvSpPr>
           <p:cNvPr id="98" name="Shape 98"/>
-          <p:cNvSpPr/>
+          <p:cNvSpPr>
+            <a:spLocks noChangeAspect="1"/>
+          </p:cNvSpPr>
           <p:nvPr/>
         </p:nvSpPr>
         <p:spPr>
           <a:xfrm>
-            <a:off x="0" y="2564904"/>
-            <a:ext cx="9144001" cy="3941842"/>
+            <a:off x="32225" y="2332534"/>
+            <a:ext cx="9111775" cy="4144043"/>
           </a:xfrm>
           <a:prstGeom prst="rect">
             <a:avLst/>
           </a:prstGeom>
           <a:blipFill>
-            <a:blip r:embed="rId3"/>
+            <a:blip r:embed="rId3">
+              <a:extLst>
+                <a:ext uri="{BEBA8EAE-BF5A-486C-A8C5-ECC9F3942E4B}">
+                  <a14:imgProps xmlns:a14="http://schemas.microsoft.com/office/drawing/2010/main">
+                    <a14:imgLayer r:embed="rId4">
+                      <a14:imgEffect>
+                        <a14:sharpenSoften amount="25000"/>
+                      </a14:imgEffect>
+                      <a14:imgEffect>
+                        <a14:brightnessContrast contrast="-20000"/>
+                      </a14:imgEffect>
+                    </a14:imgLayer>
+                  </a14:imgProps>
+                </a:ext>
+              </a:extLst>
+            </a:blip>
+            <a:srcRect/>
             <a:stretch>
-              <a:fillRect/>
+              <a:fillRect l="-4612" r="-5767" b="-4623"/>
             </a:stretch>
           </a:blipFill>
           <a:ln>
@@ -9750,285 +7691,6 @@
 <file path=ppt/theme/theme2.xml><?xml version="1.0" encoding="utf-8"?>
 <a:theme xmlns:a="http://schemas.openxmlformats.org/drawingml/2006/main">
   <a:themeElements>
-    <a:clrScheme name="Custom 347">
-      <a:dk1>
-        <a:srgbClr val="000000"/>
-      </a:dk1>
-      <a:lt1>
-        <a:srgbClr val="FFFFFF"/>
-      </a:lt1>
-      <a:dk2>
-        <a:srgbClr val="666666"/>
-      </a:dk2>
-      <a:lt2>
-        <a:srgbClr val="CCCCCC"/>
-      </a:lt2>
-      <a:accent1>
-        <a:srgbClr val="3A81BA"/>
-      </a:accent1>
-      <a:accent2>
-        <a:srgbClr val="D89F39"/>
-      </a:accent2>
-      <a:accent3>
-        <a:srgbClr val="8BAB42"/>
-      </a:accent3>
-      <a:accent4>
-        <a:srgbClr val="57A7B5"/>
-      </a:accent4>
-      <a:accent5>
-        <a:srgbClr val="8B81D2"/>
-      </a:accent5>
-      <a:accent6>
-        <a:srgbClr val="963334"/>
-      </a:accent6>
-      <a:hlink>
-        <a:srgbClr val="1155CC"/>
-      </a:hlink>
-      <a:folHlink>
-        <a:srgbClr val="6611CC"/>
-      </a:folHlink>
-    </a:clrScheme>
-    <a:fontScheme name="Office">
-      <a:majorFont>
-        <a:latin typeface="Arial"/>
-        <a:ea typeface=""/>
-        <a:cs typeface=""/>
-        <a:font script="Jpan" typeface="ＭＳ Ｐゴシック"/>
-        <a:font script="Hang" typeface="맑은 고딕"/>
-        <a:font script="Hans" typeface="宋体"/>
-        <a:font script="Hant" typeface="新細明體"/>
-        <a:font script="Arab" typeface="Times New Roman"/>
-        <a:font script="Hebr" typeface="Times New Roman"/>
-        <a:font script="Thai" typeface="Angsana New"/>
-        <a:font script="Ethi" typeface="Nyala"/>
-        <a:font script="Beng" typeface="Vrinda"/>
-        <a:font script="Gujr" typeface="Shruti"/>
-        <a:font script="Khmr" typeface="MoolBoran"/>
-        <a:font script="Knda" typeface="Tunga"/>
-        <a:font script="Guru" typeface="Raavi"/>
-        <a:font script="Cans" typeface="Euphemia"/>
-        <a:font script="Cher" typeface="Plantagenet Cherokee"/>
-        <a:font script="Yiii" typeface="Microsoft Yi Baiti"/>
-        <a:font script="Tibt" typeface="Microsoft Himalaya"/>
-        <a:font script="Thaa" typeface="MV Boli"/>
-        <a:font script="Deva" typeface="Mangal"/>
-        <a:font script="Telu" typeface="Gautami"/>
-        <a:font script="Taml" typeface="Latha"/>
-        <a:font script="Syrc" typeface="Estrangelo Edessa"/>
-        <a:font script="Orya" typeface="Kalinga"/>
-        <a:font script="Mlym" typeface="Kartika"/>
-        <a:font script="Laoo" typeface="DokChampa"/>
-        <a:font script="Sinh" typeface="Iskoola Pota"/>
-        <a:font script="Mong" typeface="Mongolian Baiti"/>
-        <a:font script="Viet" typeface="Times New Roman"/>
-        <a:font script="Uigh" typeface="Microsoft Uighur"/>
-      </a:majorFont>
-      <a:minorFont>
-        <a:latin typeface="Arial"/>
-        <a:ea typeface=""/>
-        <a:cs typeface=""/>
-        <a:font script="Jpan" typeface="ＭＳ Ｐゴシック"/>
-        <a:font script="Hang" typeface="맑은 고딕"/>
-        <a:font script="Hans" typeface="宋体"/>
-        <a:font script="Hant" typeface="新細明體"/>
-        <a:font script="Arab" typeface="Arial"/>
-        <a:font script="Hebr" typeface="Arial"/>
-        <a:font script="Thai" typeface="Cordia New"/>
-        <a:font script="Ethi" typeface="Nyala"/>
-        <a:font script="Beng" typeface="Vrinda"/>
-        <a:font script="Gujr" typeface="Shruti"/>
-        <a:font script="Khmr" typeface="DaunPenh"/>
-        <a:font script="Knda" typeface="Tunga"/>
-        <a:font script="Guru" typeface="Raavi"/>
-        <a:font script="Cans" typeface="Euphemia"/>
-        <a:font script="Cher" typeface="Plantagenet Cherokee"/>
-        <a:font script="Yiii" typeface="Microsoft Yi Baiti"/>
-        <a:font script="Tibt" typeface="Microsoft Himalaya"/>
-        <a:font script="Thaa" typeface="MV Boli"/>
-        <a:font script="Deva" typeface="Mangal"/>
-        <a:font script="Telu" typeface="Gautami"/>
-        <a:font script="Taml" typeface="Latha"/>
-        <a:font script="Syrc" typeface="Estrangelo Edessa"/>
-        <a:font script="Orya" typeface="Kalinga"/>
-        <a:font script="Mlym" typeface="Kartika"/>
-        <a:font script="Laoo" typeface="DokChampa"/>
-        <a:font script="Sinh" typeface="Iskoola Pota"/>
-        <a:font script="Mong" typeface="Mongolian Baiti"/>
-        <a:font script="Viet" typeface="Arial"/>
-        <a:font script="Uigh" typeface="Microsoft Uighur"/>
-      </a:minorFont>
-    </a:fontScheme>
-    <a:fmtScheme name="Office">
-      <a:fillStyleLst>
-        <a:solidFill>
-          <a:schemeClr val="phClr"/>
-        </a:solidFill>
-        <a:gradFill rotWithShape="1">
-          <a:gsLst>
-            <a:gs pos="0">
-              <a:schemeClr val="phClr">
-                <a:tint val="50000"/>
-                <a:satMod val="300000"/>
-              </a:schemeClr>
-            </a:gs>
-            <a:gs pos="35000">
-              <a:schemeClr val="phClr">
-                <a:tint val="37000"/>
-                <a:satMod val="300000"/>
-              </a:schemeClr>
-            </a:gs>
-            <a:gs pos="100000">
-              <a:schemeClr val="phClr">
-                <a:tint val="15000"/>
-                <a:satMod val="350000"/>
-              </a:schemeClr>
-            </a:gs>
-          </a:gsLst>
-          <a:lin ang="16200000" scaled="1"/>
-        </a:gradFill>
-        <a:gradFill rotWithShape="1">
-          <a:gsLst>
-            <a:gs pos="0">
-              <a:schemeClr val="phClr">
-                <a:tint val="100000"/>
-                <a:shade val="100000"/>
-                <a:satMod val="130000"/>
-              </a:schemeClr>
-            </a:gs>
-            <a:gs pos="100000">
-              <a:schemeClr val="phClr">
-                <a:tint val="50000"/>
-                <a:shade val="100000"/>
-                <a:satMod val="350000"/>
-              </a:schemeClr>
-            </a:gs>
-          </a:gsLst>
-          <a:lin ang="16200000" scaled="0"/>
-        </a:gradFill>
-      </a:fillStyleLst>
-      <a:lnStyleLst>
-        <a:ln w="9525" cap="flat" cmpd="sng" algn="ctr">
-          <a:solidFill>
-            <a:schemeClr val="phClr">
-              <a:shade val="95000"/>
-              <a:satMod val="105000"/>
-            </a:schemeClr>
-          </a:solidFill>
-          <a:prstDash val="solid"/>
-        </a:ln>
-        <a:ln w="25400" cap="flat" cmpd="sng" algn="ctr">
-          <a:solidFill>
-            <a:schemeClr val="phClr"/>
-          </a:solidFill>
-          <a:prstDash val="solid"/>
-        </a:ln>
-        <a:ln w="38100" cap="flat" cmpd="sng" algn="ctr">
-          <a:solidFill>
-            <a:schemeClr val="phClr"/>
-          </a:solidFill>
-          <a:prstDash val="solid"/>
-        </a:ln>
-      </a:lnStyleLst>
-      <a:effectStyleLst>
-        <a:effectStyle>
-          <a:effectLst>
-            <a:outerShdw blurRad="40000" dist="20000" dir="5400000" rotWithShape="0">
-              <a:srgbClr val="000000">
-                <a:alpha val="38000"/>
-              </a:srgbClr>
-            </a:outerShdw>
-          </a:effectLst>
-        </a:effectStyle>
-        <a:effectStyle>
-          <a:effectLst>
-            <a:outerShdw blurRad="40000" dist="23000" dir="5400000" rotWithShape="0">
-              <a:srgbClr val="000000">
-                <a:alpha val="35000"/>
-              </a:srgbClr>
-            </a:outerShdw>
-          </a:effectLst>
-        </a:effectStyle>
-        <a:effectStyle>
-          <a:effectLst>
-            <a:outerShdw blurRad="40000" dist="23000" dir="5400000" rotWithShape="0">
-              <a:srgbClr val="000000">
-                <a:alpha val="35000"/>
-              </a:srgbClr>
-            </a:outerShdw>
-          </a:effectLst>
-          <a:scene3d>
-            <a:camera prst="orthographicFront">
-              <a:rot lat="0" lon="0" rev="0"/>
-            </a:camera>
-            <a:lightRig rig="threePt" dir="t">
-              <a:rot lat="0" lon="0" rev="1200000"/>
-            </a:lightRig>
-          </a:scene3d>
-          <a:sp3d>
-            <a:bevelT w="63500" h="25400"/>
-          </a:sp3d>
-        </a:effectStyle>
-      </a:effectStyleLst>
-      <a:bgFillStyleLst>
-        <a:solidFill>
-          <a:schemeClr val="phClr"/>
-        </a:solidFill>
-        <a:gradFill rotWithShape="1">
-          <a:gsLst>
-            <a:gs pos="0">
-              <a:schemeClr val="phClr">
-                <a:tint val="40000"/>
-                <a:satMod val="350000"/>
-              </a:schemeClr>
-            </a:gs>
-            <a:gs pos="40000">
-              <a:schemeClr val="phClr">
-                <a:tint val="45000"/>
-                <a:shade val="99000"/>
-                <a:satMod val="350000"/>
-              </a:schemeClr>
-            </a:gs>
-            <a:gs pos="100000">
-              <a:schemeClr val="phClr">
-                <a:shade val="20000"/>
-                <a:satMod val="255000"/>
-              </a:schemeClr>
-            </a:gs>
-          </a:gsLst>
-          <a:path path="circle">
-            <a:fillToRect l="50000" t="-80000" r="50000" b="180000"/>
-          </a:path>
-        </a:gradFill>
-        <a:gradFill rotWithShape="1">
-          <a:gsLst>
-            <a:gs pos="0">
-              <a:schemeClr val="phClr">
-                <a:tint val="80000"/>
-                <a:satMod val="300000"/>
-              </a:schemeClr>
-            </a:gs>
-            <a:gs pos="100000">
-              <a:schemeClr val="phClr">
-                <a:shade val="30000"/>
-                <a:satMod val="200000"/>
-              </a:schemeClr>
-            </a:gs>
-          </a:gsLst>
-          <a:path path="circle">
-            <a:fillToRect l="50000" t="50000" r="50000" b="50000"/>
-          </a:path>
-        </a:gradFill>
-      </a:bgFillStyleLst>
-    </a:fmtScheme>
-  </a:themeElements>
-  <a:objectDefaults/>
-  <a:extraClrSchemeLst/>
-</a:theme>
-</file>
-
-<file path=ppt/theme/theme3.xml><?xml version="1.0" encoding="utf-8"?>
-<a:theme xmlns:a="http://schemas.openxmlformats.org/drawingml/2006/main">
-  <a:themeElements>
     <a:clrScheme name="Default">
       <a:dk1>
         <a:srgbClr val="000000"/>

--- a/evolotionaereAlgorithmen/trunk/SystemOfEquations/Ergebnisse/Präsi/Einführung.pptx
+++ b/evolotionaereAlgorithmen/trunk/SystemOfEquations/Ergebnisse/Präsi/Einführung.pptx
@@ -5178,8 +5178,8 @@
         </p:blipFill>
         <p:spPr bwMode="auto">
           <a:xfrm>
-            <a:off x="1547664" y="1530465"/>
-            <a:ext cx="7020565" cy="5265424"/>
+            <a:off x="1547664" y="1556793"/>
+            <a:ext cx="7020565" cy="5239096"/>
           </a:xfrm>
           <a:prstGeom prst="rect">
             <a:avLst/>
@@ -6148,30 +6148,36 @@
           </a:p>
         </p:txBody>
       </p:sp>
-      <p:sp>
-        <p:nvSpPr>
-          <p:cNvPr id="71" name="Shape 71"/>
-          <p:cNvSpPr>
-            <a:spLocks noChangeAspect="1"/>
-          </p:cNvSpPr>
+      <p:pic>
+        <p:nvPicPr>
+          <p:cNvPr id="2" name="Grafik 1"/>
+          <p:cNvPicPr>
+            <a:picLocks noChangeAspect="1"/>
+          </p:cNvPicPr>
           <p:nvPr/>
-        </p:nvSpPr>
+        </p:nvPicPr>
+        <p:blipFill>
+          <a:blip r:embed="rId3">
+            <a:extLst>
+              <a:ext uri="{28A0092B-C50C-407E-A947-70E740481C1C}">
+                <a14:useLocalDpi xmlns:a14="http://schemas.microsoft.com/office/drawing/2010/main" val="0"/>
+              </a:ext>
+            </a:extLst>
+          </a:blip>
+          <a:stretch>
+            <a:fillRect/>
+          </a:stretch>
+        </p:blipFill>
         <p:spPr>
           <a:xfrm>
-            <a:off x="971600" y="2712767"/>
-            <a:ext cx="7261794" cy="4136426"/>
+            <a:off x="926486" y="2721574"/>
+            <a:ext cx="7352022" cy="4136426"/>
           </a:xfrm>
           <a:prstGeom prst="rect">
             <a:avLst/>
           </a:prstGeom>
-          <a:blipFill>
-            <a:blip r:embed="rId3"/>
-            <a:stretch>
-              <a:fillRect/>
-            </a:stretch>
-          </a:blipFill>
-        </p:spPr>
-      </p:sp>
+        </p:spPr>
+      </p:pic>
     </p:spTree>
   </p:cSld>
   <p:clrMapOvr>
@@ -6678,7 +6684,7 @@
               <a:buNone/>
             </a:pPr>
             <a:r>
-              <a:rPr lang="de"/>
+              <a:rPr lang="de" dirty="0"/>
               <a:t>Verhalten Griewank</a:t>
             </a:r>
           </a:p>
@@ -6867,8 +6873,8 @@
         </p:blipFill>
         <p:spPr bwMode="auto">
           <a:xfrm>
-            <a:off x="1057434" y="1340768"/>
-            <a:ext cx="7220475" cy="5415356"/>
+            <a:off x="1057434" y="1556792"/>
+            <a:ext cx="7220475" cy="5301208"/>
           </a:xfrm>
           <a:prstGeom prst="rect">
             <a:avLst/>
@@ -6908,7 +6914,7 @@
         </p:blipFill>
         <p:spPr bwMode="auto">
           <a:xfrm>
-            <a:off x="-11097" y="1340768"/>
+            <a:off x="25349" y="1556792"/>
             <a:ext cx="4727113" cy="432048"/>
           </a:xfrm>
           <a:prstGeom prst="rect">

--- a/evolotionaereAlgorithmen/trunk/SystemOfEquations/Ergebnisse/Präsi/Einführung.pptx
+++ b/evolotionaereAlgorithmen/trunk/SystemOfEquations/Ergebnisse/Präsi/Einführung.pptx
@@ -5178,8 +5178,8 @@
         </p:blipFill>
         <p:spPr bwMode="auto">
           <a:xfrm>
-            <a:off x="1547664" y="1556793"/>
-            <a:ext cx="7020565" cy="5239096"/>
+            <a:off x="284888" y="1772816"/>
+            <a:ext cx="3510282" cy="2619548"/>
           </a:xfrm>
           <a:prstGeom prst="rect">
             <a:avLst/>
@@ -5232,7 +5232,7 @@
         <p:spPr>
           <a:xfrm>
             <a:off x="457200" y="1600200"/>
-            <a:ext cx="5194920" cy="1540768"/>
+            <a:ext cx="3466728" cy="892696"/>
           </a:xfrm>
         </p:spPr>
         <p:txBody>
@@ -5240,38 +5240,38 @@
           <a:lstStyle/>
           <a:p>
             <a:r>
-              <a:rPr lang="de-DE" dirty="0"/>
+              <a:rPr lang="de-DE" sz="1800" dirty="0"/>
               <a:t>Vergleich zu </a:t>
             </a:r>
             <a:r>
-              <a:rPr lang="de-DE" dirty="0" err="1"/>
+              <a:rPr lang="de-DE" sz="1800" dirty="0" err="1"/>
               <a:t>Bohachevsky</a:t>
             </a:r>
             <a:r>
-              <a:rPr lang="de-DE" dirty="0"/>
+              <a:rPr lang="de-DE" sz="1800" dirty="0"/>
               <a:t> </a:t>
             </a:r>
-            <a:endParaRPr lang="de-DE" dirty="0" smtClean="0"/>
+            <a:endParaRPr lang="de-DE" sz="1800" dirty="0" smtClean="0"/>
           </a:p>
           <a:p>
             <a:pPr marL="0" indent="0">
               <a:buNone/>
             </a:pPr>
             <a:r>
-              <a:rPr lang="de-DE" dirty="0"/>
+              <a:rPr lang="de-DE" sz="1800" dirty="0"/>
               <a:t> </a:t>
             </a:r>
             <a:r>
-              <a:rPr lang="de-DE" dirty="0" smtClean="0"/>
+              <a:rPr lang="de-DE" sz="1800" dirty="0" smtClean="0"/>
               <a:t>   Funktion</a:t>
             </a:r>
-            <a:endParaRPr lang="de-DE" dirty="0"/>
+            <a:endParaRPr lang="de-DE" sz="1800" dirty="0"/>
           </a:p>
           <a:p>
             <a:pPr marL="0" indent="0">
               <a:buNone/>
             </a:pPr>
-            <a:endParaRPr lang="de-DE" dirty="0"/>
+            <a:endParaRPr lang="de-DE" sz="1800" dirty="0"/>
           </a:p>
         </p:txBody>
       </p:sp>
@@ -5298,7 +5298,7 @@
         </p:blipFill>
         <p:spPr bwMode="auto">
           <a:xfrm>
-            <a:off x="179512" y="6508400"/>
+            <a:off x="179511" y="5733256"/>
             <a:ext cx="7128793" cy="302281"/>
           </a:xfrm>
           <a:prstGeom prst="rect">
@@ -5316,6 +5316,776 @@
           </a:extLst>
         </p:spPr>
       </p:pic>
+      <p:pic>
+        <p:nvPicPr>
+          <p:cNvPr id="1026" name="Picture 2" descr="Goldstein-Price's function"/>
+          <p:cNvPicPr>
+            <a:picLocks noChangeAspect="1" noChangeArrowheads="1"/>
+          </p:cNvPicPr>
+          <p:nvPr/>
+        </p:nvPicPr>
+        <p:blipFill>
+          <a:blip r:embed="rId5">
+            <a:extLst>
+              <a:ext uri="{28A0092B-C50C-407E-A947-70E740481C1C}">
+                <a14:useLocalDpi xmlns:a14="http://schemas.microsoft.com/office/drawing/2010/main" val="0"/>
+              </a:ext>
+            </a:extLst>
+          </a:blip>
+          <a:srcRect/>
+          <a:stretch>
+            <a:fillRect/>
+          </a:stretch>
+        </p:blipFill>
+        <p:spPr bwMode="auto">
+          <a:xfrm>
+            <a:off x="4594302" y="1556792"/>
+            <a:ext cx="4055566" cy="4176464"/>
+          </a:xfrm>
+          <a:prstGeom prst="rect">
+            <a:avLst/>
+          </a:prstGeom>
+          <a:noFill/>
+          <a:extLst>
+            <a:ext uri="{909E8E84-426E-40DD-AFC4-6F175D3DCCD1}">
+              <a14:hiddenFill xmlns:a14="http://schemas.microsoft.com/office/drawing/2010/main">
+                <a:solidFill>
+                  <a:srgbClr val="FFFFFF"/>
+                </a:solidFill>
+              </a14:hiddenFill>
+            </a:ext>
+          </a:extLst>
+        </p:spPr>
+      </p:pic>
+      <p:sp>
+        <p:nvSpPr>
+          <p:cNvPr id="4" name="Rectangle 3"/>
+          <p:cNvSpPr>
+            <a:spLocks noChangeArrowheads="1"/>
+          </p:cNvSpPr>
+          <p:nvPr/>
+        </p:nvSpPr>
+        <p:spPr bwMode="auto">
+          <a:xfrm>
+            <a:off x="179511" y="6087588"/>
+            <a:ext cx="8924559" cy="830997"/>
+          </a:xfrm>
+          <a:prstGeom prst="rect">
+            <a:avLst/>
+          </a:prstGeom>
+          <a:noFill/>
+          <a:ln>
+            <a:noFill/>
+          </a:ln>
+          <a:effectLst/>
+          <a:extLst>
+            <a:ext uri="{909E8E84-426E-40DD-AFC4-6F175D3DCCD1}">
+              <a14:hiddenFill xmlns:a14="http://schemas.microsoft.com/office/drawing/2010/main">
+                <a:solidFill>
+                  <a:schemeClr val="accent1"/>
+                </a:solidFill>
+              </a14:hiddenFill>
+            </a:ext>
+            <a:ext uri="{91240B29-F687-4F45-9708-019B960494DF}">
+              <a14:hiddenLine xmlns:a14="http://schemas.microsoft.com/office/drawing/2010/main" w="9525">
+                <a:solidFill>
+                  <a:schemeClr val="tx1"/>
+                </a:solidFill>
+                <a:miter lim="800000"/>
+                <a:headEnd/>
+                <a:tailEnd/>
+              </a14:hiddenLine>
+            </a:ext>
+            <a:ext uri="{AF507438-7753-43E0-B8FC-AC1667EBCBE1}">
+              <a14:hiddenEffects xmlns:a14="http://schemas.microsoft.com/office/drawing/2010/main">
+                <a:effectLst>
+                  <a:outerShdw dist="35921" dir="2700000" algn="ctr" rotWithShape="0">
+                    <a:schemeClr val="bg2"/>
+                  </a:outerShdw>
+                </a:effectLst>
+              </a14:hiddenEffects>
+            </a:ext>
+          </a:extLst>
+        </p:spPr>
+        <p:txBody>
+          <a:bodyPr vert="horz" wrap="none" lIns="91440" tIns="45720" rIns="91440" bIns="45720" numCol="1" anchor="ctr" anchorCtr="0" compatLnSpc="1">
+            <a:prstTxWarp prst="textNoShape">
+              <a:avLst/>
+            </a:prstTxWarp>
+            <a:spAutoFit/>
+          </a:bodyPr>
+          <a:lstStyle/>
+          <a:p>
+            <a:pPr marL="0" marR="0" lvl="0" indent="0" algn="l" defTabSz="914400" rtl="0" eaLnBrk="1" fontAlgn="base" latinLnBrk="0" hangingPunct="1">
+              <a:lnSpc>
+                <a:spcPct val="100000"/>
+              </a:lnSpc>
+              <a:spcBef>
+                <a:spcPct val="0"/>
+              </a:spcBef>
+              <a:spcAft>
+                <a:spcPct val="0"/>
+              </a:spcAft>
+              <a:buClrTx/>
+              <a:buSzTx/>
+              <a:buFontTx/>
+              <a:buNone/>
+              <a:tabLst>
+                <a:tab pos="1350963" algn="l"/>
+              </a:tabLst>
+            </a:pPr>
+            <a:r>
+              <a:rPr kumimoji="0" lang="de-DE" sz="1600" b="0" i="0" u="none" strike="noStrike" cap="none" normalizeH="0" baseline="0" dirty="0" err="1" smtClean="0">
+                <a:ln>
+                  <a:noFill/>
+                </a:ln>
+                <a:solidFill>
+                  <a:schemeClr val="tx1"/>
+                </a:solidFill>
+                <a:effectLst/>
+                <a:latin typeface="Courier New" pitchFamily="49" charset="0"/>
+                <a:cs typeface="Courier New" pitchFamily="49" charset="0"/>
+              </a:rPr>
+              <a:t>f</a:t>
+            </a:r>
+            <a:r>
+              <a:rPr kumimoji="0" lang="de-DE" sz="1600" b="0" i="0" u="none" strike="noStrike" cap="none" normalizeH="0" baseline="-30000" dirty="0" err="1" smtClean="0">
+                <a:ln>
+                  <a:noFill/>
+                </a:ln>
+                <a:solidFill>
+                  <a:schemeClr val="tx1"/>
+                </a:solidFill>
+                <a:effectLst/>
+                <a:latin typeface="Courier New" pitchFamily="49" charset="0"/>
+                <a:cs typeface="Courier New" pitchFamily="49" charset="0"/>
+              </a:rPr>
+              <a:t>Gold</a:t>
+            </a:r>
+            <a:r>
+              <a:rPr kumimoji="0" lang="de-DE" sz="1600" b="0" i="0" u="none" strike="noStrike" cap="none" normalizeH="0" baseline="0" dirty="0" smtClean="0">
+                <a:ln>
+                  <a:noFill/>
+                </a:ln>
+                <a:solidFill>
+                  <a:schemeClr val="tx1"/>
+                </a:solidFill>
+                <a:effectLst/>
+                <a:latin typeface="Courier New" pitchFamily="49" charset="0"/>
+                <a:cs typeface="Courier New" pitchFamily="49" charset="0"/>
+              </a:rPr>
+              <a:t>(x</a:t>
+            </a:r>
+            <a:r>
+              <a:rPr kumimoji="0" lang="de-DE" sz="1600" b="0" i="0" u="none" strike="noStrike" cap="none" normalizeH="0" baseline="-30000" dirty="0" smtClean="0">
+                <a:ln>
+                  <a:noFill/>
+                </a:ln>
+                <a:solidFill>
+                  <a:schemeClr val="tx1"/>
+                </a:solidFill>
+                <a:effectLst/>
+                <a:latin typeface="Courier New" pitchFamily="49" charset="0"/>
+                <a:cs typeface="Courier New" pitchFamily="49" charset="0"/>
+              </a:rPr>
+              <a:t>1</a:t>
+            </a:r>
+            <a:r>
+              <a:rPr kumimoji="0" lang="de-DE" sz="1600" b="0" i="0" u="none" strike="noStrike" cap="none" normalizeH="0" baseline="0" dirty="0" smtClean="0">
+                <a:ln>
+                  <a:noFill/>
+                </a:ln>
+                <a:solidFill>
+                  <a:schemeClr val="tx1"/>
+                </a:solidFill>
+                <a:effectLst/>
+                <a:latin typeface="Courier New" pitchFamily="49" charset="0"/>
+                <a:cs typeface="Courier New" pitchFamily="49" charset="0"/>
+              </a:rPr>
+              <a:t>,x</a:t>
+            </a:r>
+            <a:r>
+              <a:rPr kumimoji="0" lang="de-DE" sz="1600" b="0" i="0" u="none" strike="noStrike" cap="none" normalizeH="0" baseline="-30000" dirty="0" smtClean="0">
+                <a:ln>
+                  <a:noFill/>
+                </a:ln>
+                <a:solidFill>
+                  <a:schemeClr val="tx1"/>
+                </a:solidFill>
+                <a:effectLst/>
+                <a:latin typeface="Courier New" pitchFamily="49" charset="0"/>
+                <a:cs typeface="Courier New" pitchFamily="49" charset="0"/>
+              </a:rPr>
+              <a:t>2</a:t>
+            </a:r>
+            <a:r>
+              <a:rPr kumimoji="0" lang="de-DE" sz="1600" b="0" i="0" u="none" strike="noStrike" cap="none" normalizeH="0" baseline="0" dirty="0" smtClean="0">
+                <a:ln>
+                  <a:noFill/>
+                </a:ln>
+                <a:solidFill>
+                  <a:schemeClr val="tx1"/>
+                </a:solidFill>
+                <a:effectLst/>
+                <a:latin typeface="Courier New" pitchFamily="49" charset="0"/>
+                <a:cs typeface="Courier New" pitchFamily="49" charset="0"/>
+              </a:rPr>
+              <a:t>)	=[1+(x</a:t>
+            </a:r>
+            <a:r>
+              <a:rPr kumimoji="0" lang="de-DE" sz="1600" b="0" i="0" u="none" strike="noStrike" cap="none" normalizeH="0" baseline="-30000" dirty="0" smtClean="0">
+                <a:ln>
+                  <a:noFill/>
+                </a:ln>
+                <a:solidFill>
+                  <a:schemeClr val="tx1"/>
+                </a:solidFill>
+                <a:effectLst/>
+                <a:latin typeface="Courier New" pitchFamily="49" charset="0"/>
+                <a:cs typeface="Courier New" pitchFamily="49" charset="0"/>
+              </a:rPr>
+              <a:t>1</a:t>
+            </a:r>
+            <a:r>
+              <a:rPr kumimoji="0" lang="de-DE" sz="1600" b="0" i="0" u="none" strike="noStrike" cap="none" normalizeH="0" baseline="0" dirty="0" smtClean="0">
+                <a:ln>
+                  <a:noFill/>
+                </a:ln>
+                <a:solidFill>
+                  <a:schemeClr val="tx1"/>
+                </a:solidFill>
+                <a:effectLst/>
+                <a:latin typeface="Courier New" pitchFamily="49" charset="0"/>
+                <a:cs typeface="Courier New" pitchFamily="49" charset="0"/>
+              </a:rPr>
+              <a:t>+x</a:t>
+            </a:r>
+            <a:r>
+              <a:rPr kumimoji="0" lang="de-DE" sz="1600" b="0" i="0" u="none" strike="noStrike" cap="none" normalizeH="0" baseline="-30000" dirty="0" smtClean="0">
+                <a:ln>
+                  <a:noFill/>
+                </a:ln>
+                <a:solidFill>
+                  <a:schemeClr val="tx1"/>
+                </a:solidFill>
+                <a:effectLst/>
+                <a:latin typeface="Courier New" pitchFamily="49" charset="0"/>
+                <a:cs typeface="Courier New" pitchFamily="49" charset="0"/>
+              </a:rPr>
+              <a:t>2</a:t>
+            </a:r>
+            <a:r>
+              <a:rPr kumimoji="0" lang="de-DE" sz="1600" b="0" i="0" u="none" strike="noStrike" cap="none" normalizeH="0" baseline="0" dirty="0" smtClean="0">
+                <a:ln>
+                  <a:noFill/>
+                </a:ln>
+                <a:solidFill>
+                  <a:schemeClr val="tx1"/>
+                </a:solidFill>
+                <a:effectLst/>
+                <a:latin typeface="Courier New" pitchFamily="49" charset="0"/>
+                <a:cs typeface="Courier New" pitchFamily="49" charset="0"/>
+              </a:rPr>
+              <a:t>+1)^2·(19-14·x</a:t>
+            </a:r>
+            <a:r>
+              <a:rPr kumimoji="0" lang="de-DE" sz="1600" b="0" i="0" u="none" strike="noStrike" cap="none" normalizeH="0" baseline="-30000" dirty="0" smtClean="0">
+                <a:ln>
+                  <a:noFill/>
+                </a:ln>
+                <a:solidFill>
+                  <a:schemeClr val="tx1"/>
+                </a:solidFill>
+                <a:effectLst/>
+                <a:latin typeface="Courier New" pitchFamily="49" charset="0"/>
+                <a:cs typeface="Courier New" pitchFamily="49" charset="0"/>
+              </a:rPr>
+              <a:t>1</a:t>
+            </a:r>
+            <a:r>
+              <a:rPr kumimoji="0" lang="de-DE" sz="1600" b="0" i="0" u="none" strike="noStrike" cap="none" normalizeH="0" baseline="0" dirty="0" smtClean="0">
+                <a:ln>
+                  <a:noFill/>
+                </a:ln>
+                <a:solidFill>
+                  <a:schemeClr val="tx1"/>
+                </a:solidFill>
+                <a:effectLst/>
+                <a:latin typeface="Courier New" pitchFamily="49" charset="0"/>
+                <a:cs typeface="Courier New" pitchFamily="49" charset="0"/>
+              </a:rPr>
+              <a:t>+3·x</a:t>
+            </a:r>
+            <a:r>
+              <a:rPr kumimoji="0" lang="de-DE" sz="1600" b="0" i="0" u="none" strike="noStrike" cap="none" normalizeH="0" baseline="-30000" dirty="0" smtClean="0">
+                <a:ln>
+                  <a:noFill/>
+                </a:ln>
+                <a:solidFill>
+                  <a:schemeClr val="tx1"/>
+                </a:solidFill>
+                <a:effectLst/>
+                <a:latin typeface="Courier New" pitchFamily="49" charset="0"/>
+                <a:cs typeface="Courier New" pitchFamily="49" charset="0"/>
+              </a:rPr>
+              <a:t>1</a:t>
+            </a:r>
+            <a:r>
+              <a:rPr kumimoji="0" lang="de-DE" sz="1600" b="0" i="0" u="none" strike="noStrike" cap="none" normalizeH="0" baseline="0" dirty="0" smtClean="0">
+                <a:ln>
+                  <a:noFill/>
+                </a:ln>
+                <a:solidFill>
+                  <a:schemeClr val="tx1"/>
+                </a:solidFill>
+                <a:effectLst/>
+                <a:latin typeface="Courier New" pitchFamily="49" charset="0"/>
+                <a:cs typeface="Courier New" pitchFamily="49" charset="0"/>
+              </a:rPr>
+              <a:t>^2-14·x</a:t>
+            </a:r>
+            <a:r>
+              <a:rPr kumimoji="0" lang="de-DE" sz="1600" b="0" i="0" u="none" strike="noStrike" cap="none" normalizeH="0" baseline="-30000" dirty="0" smtClean="0">
+                <a:ln>
+                  <a:noFill/>
+                </a:ln>
+                <a:solidFill>
+                  <a:schemeClr val="tx1"/>
+                </a:solidFill>
+                <a:effectLst/>
+                <a:latin typeface="Courier New" pitchFamily="49" charset="0"/>
+                <a:cs typeface="Courier New" pitchFamily="49" charset="0"/>
+              </a:rPr>
+              <a:t>2</a:t>
+            </a:r>
+            <a:r>
+              <a:rPr kumimoji="0" lang="de-DE" sz="1600" b="0" i="0" u="none" strike="noStrike" cap="none" normalizeH="0" baseline="0" dirty="0" smtClean="0">
+                <a:ln>
+                  <a:noFill/>
+                </a:ln>
+                <a:solidFill>
+                  <a:schemeClr val="tx1"/>
+                </a:solidFill>
+                <a:effectLst/>
+                <a:latin typeface="Courier New" pitchFamily="49" charset="0"/>
+                <a:cs typeface="Courier New" pitchFamily="49" charset="0"/>
+              </a:rPr>
+              <a:t>+6·x</a:t>
+            </a:r>
+            <a:r>
+              <a:rPr kumimoji="0" lang="de-DE" sz="1600" b="0" i="0" u="none" strike="noStrike" cap="none" normalizeH="0" baseline="-30000" dirty="0" smtClean="0">
+                <a:ln>
+                  <a:noFill/>
+                </a:ln>
+                <a:solidFill>
+                  <a:schemeClr val="tx1"/>
+                </a:solidFill>
+                <a:effectLst/>
+                <a:latin typeface="Courier New" pitchFamily="49" charset="0"/>
+                <a:cs typeface="Courier New" pitchFamily="49" charset="0"/>
+              </a:rPr>
+              <a:t>1</a:t>
+            </a:r>
+            <a:r>
+              <a:rPr kumimoji="0" lang="de-DE" sz="1600" b="0" i="0" u="none" strike="noStrike" cap="none" normalizeH="0" baseline="0" dirty="0" smtClean="0">
+                <a:ln>
+                  <a:noFill/>
+                </a:ln>
+                <a:solidFill>
+                  <a:schemeClr val="tx1"/>
+                </a:solidFill>
+                <a:effectLst/>
+                <a:latin typeface="Courier New" pitchFamily="49" charset="0"/>
+                <a:cs typeface="Courier New" pitchFamily="49" charset="0"/>
+              </a:rPr>
+              <a:t>·x</a:t>
+            </a:r>
+            <a:r>
+              <a:rPr kumimoji="0" lang="de-DE" sz="1600" b="0" i="0" u="none" strike="noStrike" cap="none" normalizeH="0" baseline="-30000" dirty="0" smtClean="0">
+                <a:ln>
+                  <a:noFill/>
+                </a:ln>
+                <a:solidFill>
+                  <a:schemeClr val="tx1"/>
+                </a:solidFill>
+                <a:effectLst/>
+                <a:latin typeface="Courier New" pitchFamily="49" charset="0"/>
+                <a:cs typeface="Courier New" pitchFamily="49" charset="0"/>
+              </a:rPr>
+              <a:t>2</a:t>
+            </a:r>
+            <a:r>
+              <a:rPr kumimoji="0" lang="de-DE" sz="1600" b="0" i="0" u="none" strike="noStrike" cap="none" normalizeH="0" baseline="0" dirty="0" smtClean="0">
+                <a:ln>
+                  <a:noFill/>
+                </a:ln>
+                <a:solidFill>
+                  <a:schemeClr val="tx1"/>
+                </a:solidFill>
+                <a:effectLst/>
+                <a:latin typeface="Courier New" pitchFamily="49" charset="0"/>
+                <a:cs typeface="Courier New" pitchFamily="49" charset="0"/>
+              </a:rPr>
+              <a:t>+3·x</a:t>
+            </a:r>
+            <a:r>
+              <a:rPr kumimoji="0" lang="de-DE" sz="1600" b="0" i="0" u="none" strike="noStrike" cap="none" normalizeH="0" baseline="-30000" dirty="0" smtClean="0">
+                <a:ln>
+                  <a:noFill/>
+                </a:ln>
+                <a:solidFill>
+                  <a:schemeClr val="tx1"/>
+                </a:solidFill>
+                <a:effectLst/>
+                <a:latin typeface="Courier New" pitchFamily="49" charset="0"/>
+                <a:cs typeface="Courier New" pitchFamily="49" charset="0"/>
+              </a:rPr>
+              <a:t>2</a:t>
+            </a:r>
+            <a:r>
+              <a:rPr kumimoji="0" lang="de-DE" sz="1600" b="0" i="0" u="none" strike="noStrike" cap="none" normalizeH="0" baseline="0" dirty="0" smtClean="0">
+                <a:ln>
+                  <a:noFill/>
+                </a:ln>
+                <a:solidFill>
+                  <a:schemeClr val="tx1"/>
+                </a:solidFill>
+                <a:effectLst/>
+                <a:latin typeface="Courier New" pitchFamily="49" charset="0"/>
+                <a:cs typeface="Courier New" pitchFamily="49" charset="0"/>
+              </a:rPr>
+              <a:t>^2)]</a:t>
+            </a:r>
+          </a:p>
+          <a:p>
+            <a:pPr marL="0" marR="0" lvl="0" indent="0" algn="l" defTabSz="914400" rtl="0" eaLnBrk="1" fontAlgn="base" latinLnBrk="0" hangingPunct="1">
+              <a:lnSpc>
+                <a:spcPct val="100000"/>
+              </a:lnSpc>
+              <a:spcBef>
+                <a:spcPct val="0"/>
+              </a:spcBef>
+              <a:spcAft>
+                <a:spcPct val="0"/>
+              </a:spcAft>
+              <a:buClrTx/>
+              <a:buSzTx/>
+              <a:buFontTx/>
+              <a:buNone/>
+              <a:tabLst>
+                <a:tab pos="1528763" algn="l"/>
+              </a:tabLst>
+            </a:pPr>
+            <a:r>
+              <a:rPr lang="de-DE" sz="1600" dirty="0">
+                <a:solidFill>
+                  <a:schemeClr val="tx1"/>
+                </a:solidFill>
+                <a:latin typeface="Courier New" pitchFamily="49" charset="0"/>
+                <a:cs typeface="Courier New" pitchFamily="49" charset="0"/>
+              </a:rPr>
+              <a:t>	</a:t>
+            </a:r>
+            <a:r>
+              <a:rPr kumimoji="0" lang="de-DE" sz="1600" b="0" i="0" u="none" strike="noStrike" cap="none" normalizeH="0" baseline="0" dirty="0" smtClean="0">
+                <a:ln>
+                  <a:noFill/>
+                </a:ln>
+                <a:solidFill>
+                  <a:schemeClr val="tx1"/>
+                </a:solidFill>
+                <a:effectLst/>
+                <a:latin typeface="Courier New" pitchFamily="49" charset="0"/>
+                <a:cs typeface="Courier New" pitchFamily="49" charset="0"/>
+              </a:rPr>
+              <a:t>·[30+(2·x</a:t>
+            </a:r>
+            <a:r>
+              <a:rPr kumimoji="0" lang="de-DE" sz="1600" b="0" i="0" u="none" strike="noStrike" cap="none" normalizeH="0" baseline="-30000" dirty="0" smtClean="0">
+                <a:ln>
+                  <a:noFill/>
+                </a:ln>
+                <a:solidFill>
+                  <a:schemeClr val="tx1"/>
+                </a:solidFill>
+                <a:effectLst/>
+                <a:latin typeface="Courier New" pitchFamily="49" charset="0"/>
+                <a:cs typeface="Courier New" pitchFamily="49" charset="0"/>
+              </a:rPr>
+              <a:t>1</a:t>
+            </a:r>
+            <a:r>
+              <a:rPr kumimoji="0" lang="de-DE" sz="1600" b="0" i="0" u="none" strike="noStrike" cap="none" normalizeH="0" baseline="0" dirty="0" smtClean="0">
+                <a:ln>
+                  <a:noFill/>
+                </a:ln>
+                <a:solidFill>
+                  <a:schemeClr val="tx1"/>
+                </a:solidFill>
+                <a:effectLst/>
+                <a:latin typeface="Courier New" pitchFamily="49" charset="0"/>
+                <a:cs typeface="Courier New" pitchFamily="49" charset="0"/>
+              </a:rPr>
+              <a:t>-3·x</a:t>
+            </a:r>
+            <a:r>
+              <a:rPr kumimoji="0" lang="de-DE" sz="1600" b="0" i="0" u="none" strike="noStrike" cap="none" normalizeH="0" baseline="-30000" dirty="0" smtClean="0">
+                <a:ln>
+                  <a:noFill/>
+                </a:ln>
+                <a:solidFill>
+                  <a:schemeClr val="tx1"/>
+                </a:solidFill>
+                <a:effectLst/>
+                <a:latin typeface="Courier New" pitchFamily="49" charset="0"/>
+                <a:cs typeface="Courier New" pitchFamily="49" charset="0"/>
+              </a:rPr>
+              <a:t>2</a:t>
+            </a:r>
+            <a:r>
+              <a:rPr kumimoji="0" lang="de-DE" sz="1600" b="0" i="0" u="none" strike="noStrike" cap="none" normalizeH="0" baseline="0" dirty="0" smtClean="0">
+                <a:ln>
+                  <a:noFill/>
+                </a:ln>
+                <a:solidFill>
+                  <a:schemeClr val="tx1"/>
+                </a:solidFill>
+                <a:effectLst/>
+                <a:latin typeface="Courier New" pitchFamily="49" charset="0"/>
+                <a:cs typeface="Courier New" pitchFamily="49" charset="0"/>
+              </a:rPr>
+              <a:t>)^2·(18-32·x</a:t>
+            </a:r>
+            <a:r>
+              <a:rPr kumimoji="0" lang="de-DE" sz="1600" b="0" i="0" u="none" strike="noStrike" cap="none" normalizeH="0" baseline="-30000" dirty="0" smtClean="0">
+                <a:ln>
+                  <a:noFill/>
+                </a:ln>
+                <a:solidFill>
+                  <a:schemeClr val="tx1"/>
+                </a:solidFill>
+                <a:effectLst/>
+                <a:latin typeface="Courier New" pitchFamily="49" charset="0"/>
+                <a:cs typeface="Courier New" pitchFamily="49" charset="0"/>
+              </a:rPr>
+              <a:t>1</a:t>
+            </a:r>
+            <a:r>
+              <a:rPr kumimoji="0" lang="de-DE" sz="1600" b="0" i="0" u="none" strike="noStrike" cap="none" normalizeH="0" baseline="0" dirty="0" smtClean="0">
+                <a:ln>
+                  <a:noFill/>
+                </a:ln>
+                <a:solidFill>
+                  <a:schemeClr val="tx1"/>
+                </a:solidFill>
+                <a:effectLst/>
+                <a:latin typeface="Courier New" pitchFamily="49" charset="0"/>
+                <a:cs typeface="Courier New" pitchFamily="49" charset="0"/>
+              </a:rPr>
+              <a:t>+12·x</a:t>
+            </a:r>
+            <a:r>
+              <a:rPr kumimoji="0" lang="de-DE" sz="1600" b="0" i="0" u="none" strike="noStrike" cap="none" normalizeH="0" baseline="-30000" dirty="0" smtClean="0">
+                <a:ln>
+                  <a:noFill/>
+                </a:ln>
+                <a:solidFill>
+                  <a:schemeClr val="tx1"/>
+                </a:solidFill>
+                <a:effectLst/>
+                <a:latin typeface="Courier New" pitchFamily="49" charset="0"/>
+                <a:cs typeface="Courier New" pitchFamily="49" charset="0"/>
+              </a:rPr>
+              <a:t>1</a:t>
+            </a:r>
+            <a:r>
+              <a:rPr kumimoji="0" lang="de-DE" sz="1600" b="0" i="0" u="none" strike="noStrike" cap="none" normalizeH="0" baseline="0" dirty="0" smtClean="0">
+                <a:ln>
+                  <a:noFill/>
+                </a:ln>
+                <a:solidFill>
+                  <a:schemeClr val="tx1"/>
+                </a:solidFill>
+                <a:effectLst/>
+                <a:latin typeface="Courier New" pitchFamily="49" charset="0"/>
+                <a:cs typeface="Courier New" pitchFamily="49" charset="0"/>
+              </a:rPr>
+              <a:t>^2+48·x</a:t>
+            </a:r>
+            <a:r>
+              <a:rPr kumimoji="0" lang="de-DE" sz="1600" b="0" i="0" u="none" strike="noStrike" cap="none" normalizeH="0" baseline="-30000" dirty="0" smtClean="0">
+                <a:ln>
+                  <a:noFill/>
+                </a:ln>
+                <a:solidFill>
+                  <a:schemeClr val="tx1"/>
+                </a:solidFill>
+                <a:effectLst/>
+                <a:latin typeface="Courier New" pitchFamily="49" charset="0"/>
+                <a:cs typeface="Courier New" pitchFamily="49" charset="0"/>
+              </a:rPr>
+              <a:t>2</a:t>
+            </a:r>
+            <a:r>
+              <a:rPr kumimoji="0" lang="de-DE" sz="1600" b="0" i="0" u="none" strike="noStrike" cap="none" normalizeH="0" baseline="0" dirty="0" smtClean="0">
+                <a:ln>
+                  <a:noFill/>
+                </a:ln>
+                <a:solidFill>
+                  <a:schemeClr val="tx1"/>
+                </a:solidFill>
+                <a:effectLst/>
+                <a:latin typeface="Courier New" pitchFamily="49" charset="0"/>
+                <a:cs typeface="Courier New" pitchFamily="49" charset="0"/>
+              </a:rPr>
+              <a:t>-36·x</a:t>
+            </a:r>
+            <a:r>
+              <a:rPr kumimoji="0" lang="de-DE" sz="1600" b="0" i="0" u="none" strike="noStrike" cap="none" normalizeH="0" baseline="-30000" dirty="0" smtClean="0">
+                <a:ln>
+                  <a:noFill/>
+                </a:ln>
+                <a:solidFill>
+                  <a:schemeClr val="tx1"/>
+                </a:solidFill>
+                <a:effectLst/>
+                <a:latin typeface="Courier New" pitchFamily="49" charset="0"/>
+                <a:cs typeface="Courier New" pitchFamily="49" charset="0"/>
+              </a:rPr>
+              <a:t>1</a:t>
+            </a:r>
+            <a:r>
+              <a:rPr kumimoji="0" lang="de-DE" sz="1600" b="0" i="0" u="none" strike="noStrike" cap="none" normalizeH="0" baseline="0" dirty="0" smtClean="0">
+                <a:ln>
+                  <a:noFill/>
+                </a:ln>
+                <a:solidFill>
+                  <a:schemeClr val="tx1"/>
+                </a:solidFill>
+                <a:effectLst/>
+                <a:latin typeface="Courier New" pitchFamily="49" charset="0"/>
+                <a:cs typeface="Courier New" pitchFamily="49" charset="0"/>
+              </a:rPr>
+              <a:t>·x</a:t>
+            </a:r>
+            <a:r>
+              <a:rPr kumimoji="0" lang="de-DE" sz="1600" b="0" i="0" u="none" strike="noStrike" cap="none" normalizeH="0" baseline="-30000" dirty="0" smtClean="0">
+                <a:ln>
+                  <a:noFill/>
+                </a:ln>
+                <a:solidFill>
+                  <a:schemeClr val="tx1"/>
+                </a:solidFill>
+                <a:effectLst/>
+                <a:latin typeface="Courier New" pitchFamily="49" charset="0"/>
+                <a:cs typeface="Courier New" pitchFamily="49" charset="0"/>
+              </a:rPr>
+              <a:t>2</a:t>
+            </a:r>
+            <a:r>
+              <a:rPr kumimoji="0" lang="de-DE" sz="1600" b="0" i="0" u="none" strike="noStrike" cap="none" normalizeH="0" baseline="0" dirty="0" smtClean="0">
+                <a:ln>
+                  <a:noFill/>
+                </a:ln>
+                <a:solidFill>
+                  <a:schemeClr val="tx1"/>
+                </a:solidFill>
+                <a:effectLst/>
+                <a:latin typeface="Courier New" pitchFamily="49" charset="0"/>
+                <a:cs typeface="Courier New" pitchFamily="49" charset="0"/>
+              </a:rPr>
+              <a:t>+27·x</a:t>
+            </a:r>
+            <a:r>
+              <a:rPr kumimoji="0" lang="de-DE" sz="1600" b="0" i="0" u="none" strike="noStrike" cap="none" normalizeH="0" baseline="-30000" dirty="0" smtClean="0">
+                <a:ln>
+                  <a:noFill/>
+                </a:ln>
+                <a:solidFill>
+                  <a:schemeClr val="tx1"/>
+                </a:solidFill>
+                <a:effectLst/>
+                <a:latin typeface="Courier New" pitchFamily="49" charset="0"/>
+                <a:cs typeface="Courier New" pitchFamily="49" charset="0"/>
+              </a:rPr>
+              <a:t>2</a:t>
+            </a:r>
+            <a:r>
+              <a:rPr kumimoji="0" lang="de-DE" sz="1600" b="0" i="0" u="none" strike="noStrike" cap="none" normalizeH="0" baseline="0" dirty="0" smtClean="0">
+                <a:ln>
+                  <a:noFill/>
+                </a:ln>
+                <a:solidFill>
+                  <a:schemeClr val="tx1"/>
+                </a:solidFill>
+                <a:effectLst/>
+                <a:latin typeface="Courier New" pitchFamily="49" charset="0"/>
+                <a:cs typeface="Courier New" pitchFamily="49" charset="0"/>
+              </a:rPr>
+              <a:t>^2)]</a:t>
+            </a:r>
+          </a:p>
+          <a:p>
+            <a:pPr marL="0" marR="0" lvl="0" indent="0" algn="l" defTabSz="914400" rtl="0" eaLnBrk="1" fontAlgn="base" latinLnBrk="0" hangingPunct="1">
+              <a:lnSpc>
+                <a:spcPct val="100000"/>
+              </a:lnSpc>
+              <a:spcBef>
+                <a:spcPct val="0"/>
+              </a:spcBef>
+              <a:spcAft>
+                <a:spcPct val="0"/>
+              </a:spcAft>
+              <a:buClrTx/>
+              <a:buSzTx/>
+              <a:buFontTx/>
+              <a:buNone/>
+              <a:tabLst>
+                <a:tab pos="1528763" algn="l"/>
+              </a:tabLst>
+            </a:pPr>
+            <a:r>
+              <a:rPr kumimoji="0" lang="de-DE" sz="1600" b="0" i="0" u="none" strike="noStrike" cap="none" normalizeH="0" baseline="0" dirty="0" smtClean="0">
+                <a:ln>
+                  <a:noFill/>
+                </a:ln>
+                <a:solidFill>
+                  <a:schemeClr val="tx1"/>
+                </a:solidFill>
+                <a:effectLst/>
+                <a:latin typeface="Courier New" pitchFamily="49" charset="0"/>
+                <a:cs typeface="Courier New" pitchFamily="49" charset="0"/>
+              </a:rPr>
+              <a:t>	-2&lt;=x(i)&lt;=2, i=1:2</a:t>
+            </a:r>
+            <a:r>
+              <a:rPr kumimoji="0" lang="de-DE" sz="1200" b="0" i="0" u="none" strike="noStrike" cap="none" normalizeH="0" baseline="0" dirty="0" smtClean="0">
+                <a:ln>
+                  <a:noFill/>
+                </a:ln>
+                <a:solidFill>
+                  <a:schemeClr val="tx1"/>
+                </a:solidFill>
+                <a:effectLst/>
+                <a:latin typeface="Arial" pitchFamily="34" charset="0"/>
+                <a:cs typeface="Arial" pitchFamily="34" charset="0"/>
+              </a:rPr>
+              <a:t>. </a:t>
+            </a:r>
+            <a:endParaRPr kumimoji="0" lang="de-DE" sz="3600" b="0" i="0" u="none" strike="noStrike" cap="none" normalizeH="0" baseline="0" dirty="0" smtClean="0">
+              <a:ln>
+                <a:noFill/>
+              </a:ln>
+              <a:solidFill>
+                <a:schemeClr val="tx1"/>
+              </a:solidFill>
+              <a:effectLst/>
+              <a:latin typeface="Arial" pitchFamily="34" charset="0"/>
+              <a:cs typeface="Arial" pitchFamily="34" charset="0"/>
+            </a:endParaRPr>
+          </a:p>
+        </p:txBody>
+      </p:sp>
     </p:spTree>
     <p:extLst>
       <p:ext uri="{BB962C8B-B14F-4D97-AF65-F5344CB8AC3E}">
